--- a/DataBaseER.pptx
+++ b/DataBaseER.pptx
@@ -6131,10 +6131,10 @@
       </p:grpSpPr>
       <p:grpSp>
         <p:nvGrpSpPr>
-          <p:cNvPr id="20" name="Group 19">
+          <p:cNvPr id="9" name="Group 8">
             <a:extLst>
               <a:ext uri="{FF2B5EF4-FFF2-40B4-BE49-F238E27FC236}">
-                <a16:creationId xmlns:a16="http://schemas.microsoft.com/office/drawing/2014/main" id="{84A95012-76EF-462C-BBD7-1F9135F59EB6}"/>
+                <a16:creationId xmlns:a16="http://schemas.microsoft.com/office/drawing/2014/main" id="{DA2DFFB8-3851-4CC6-9D59-617AEBA5453D}"/>
               </a:ext>
             </a:extLst>
           </p:cNvPr>
@@ -6143,18 +6143,18 @@
         </p:nvGrpSpPr>
         <p:grpSpPr>
           <a:xfrm>
-            <a:off x="874981" y="-378150"/>
+            <a:off x="873537" y="-378150"/>
             <a:ext cx="10621342" cy="8284860"/>
-            <a:chOff x="228603" y="559696"/>
+            <a:chOff x="873537" y="-378150"/>
             <a:chExt cx="10621342" cy="8284860"/>
           </a:xfrm>
         </p:grpSpPr>
         <p:grpSp>
           <p:nvGrpSpPr>
-            <p:cNvPr id="40" name="Group 39">
+            <p:cNvPr id="20" name="Group 19">
               <a:extLst>
                 <a:ext uri="{FF2B5EF4-FFF2-40B4-BE49-F238E27FC236}">
-                  <a16:creationId xmlns:a16="http://schemas.microsoft.com/office/drawing/2014/main" id="{DDB2AE81-5265-48EB-BCFE-89A840B87223}"/>
+                  <a16:creationId xmlns:a16="http://schemas.microsoft.com/office/drawing/2014/main" id="{84A95012-76EF-462C-BBD7-1F9135F59EB6}"/>
                 </a:ext>
               </a:extLst>
             </p:cNvPr>
@@ -6163,18 +6163,18 @@
           </p:nvGrpSpPr>
           <p:grpSpPr>
             <a:xfrm>
-              <a:off x="228603" y="604645"/>
-              <a:ext cx="4076959" cy="1594133"/>
-              <a:chOff x="228603" y="626422"/>
-              <a:chExt cx="6671390" cy="2013810"/>
+              <a:off x="873537" y="-378150"/>
+              <a:ext cx="10621342" cy="8284860"/>
+              <a:chOff x="228603" y="559696"/>
+              <a:chExt cx="10621342" cy="8284860"/>
             </a:xfrm>
           </p:grpSpPr>
           <p:grpSp>
             <p:nvGrpSpPr>
-              <p:cNvPr id="39" name="Group 38">
+              <p:cNvPr id="40" name="Group 39">
                 <a:extLst>
                   <a:ext uri="{FF2B5EF4-FFF2-40B4-BE49-F238E27FC236}">
-                    <a16:creationId xmlns:a16="http://schemas.microsoft.com/office/drawing/2014/main" id="{9C86BF4D-FB17-43CA-A2AA-A9B7B0C05A7D}"/>
+                    <a16:creationId xmlns:a16="http://schemas.microsoft.com/office/drawing/2014/main" id="{DDB2AE81-5265-48EB-BCFE-89A840B87223}"/>
                   </a:ext>
                 </a:extLst>
               </p:cNvPr>
@@ -6183,18 +6183,18 @@
             </p:nvGrpSpPr>
             <p:grpSpPr>
               <a:xfrm>
-                <a:off x="3158414" y="1322700"/>
-                <a:ext cx="3741579" cy="1013728"/>
-                <a:chOff x="3452329" y="1116364"/>
-                <a:chExt cx="4739957" cy="1259633"/>
+                <a:off x="228603" y="604645"/>
+                <a:ext cx="4076959" cy="1594134"/>
+                <a:chOff x="228603" y="626422"/>
+                <a:chExt cx="6671390" cy="2013811"/>
               </a:xfrm>
             </p:grpSpPr>
             <p:grpSp>
               <p:nvGrpSpPr>
-                <p:cNvPr id="23" name="Group 22">
+                <p:cNvPr id="39" name="Group 38">
                   <a:extLst>
                     <a:ext uri="{FF2B5EF4-FFF2-40B4-BE49-F238E27FC236}">
-                      <a16:creationId xmlns:a16="http://schemas.microsoft.com/office/drawing/2014/main" id="{93A6C6D3-CD5C-45A8-B68F-CF585F11C090}"/>
+                      <a16:creationId xmlns:a16="http://schemas.microsoft.com/office/drawing/2014/main" id="{9C86BF4D-FB17-43CA-A2AA-A9B7B0C05A7D}"/>
                     </a:ext>
                   </a:extLst>
                 </p:cNvPr>
@@ -6203,18 +6203,296 @@
               </p:nvGrpSpPr>
               <p:grpSpPr>
                 <a:xfrm>
-                  <a:off x="4544012" y="1116364"/>
-                  <a:ext cx="2547255" cy="1259633"/>
-                  <a:chOff x="1940771" y="1203649"/>
-                  <a:chExt cx="2547255" cy="1259633"/>
+                  <a:off x="3158414" y="1322700"/>
+                  <a:ext cx="3741579" cy="1013728"/>
+                  <a:chOff x="3452329" y="1116364"/>
+                  <a:chExt cx="4739957" cy="1259633"/>
+                </a:xfrm>
+              </p:grpSpPr>
+              <p:grpSp>
+                <p:nvGrpSpPr>
+                  <p:cNvPr id="23" name="Group 22">
+                    <a:extLst>
+                      <a:ext uri="{FF2B5EF4-FFF2-40B4-BE49-F238E27FC236}">
+                        <a16:creationId xmlns:a16="http://schemas.microsoft.com/office/drawing/2014/main" id="{93A6C6D3-CD5C-45A8-B68F-CF585F11C090}"/>
+                      </a:ext>
+                    </a:extLst>
+                  </p:cNvPr>
+                  <p:cNvGrpSpPr/>
+                  <p:nvPr/>
+                </p:nvGrpSpPr>
+                <p:grpSpPr>
+                  <a:xfrm>
+                    <a:off x="4544012" y="1116364"/>
+                    <a:ext cx="2547255" cy="1259633"/>
+                    <a:chOff x="1940771" y="1203649"/>
+                    <a:chExt cx="2547255" cy="1259633"/>
+                  </a:xfrm>
+                </p:grpSpPr>
+                <p:sp>
+                  <p:nvSpPr>
+                    <p:cNvPr id="24" name="Flowchart: Decision 23">
+                      <a:extLst>
+                        <a:ext uri="{FF2B5EF4-FFF2-40B4-BE49-F238E27FC236}">
+                          <a16:creationId xmlns:a16="http://schemas.microsoft.com/office/drawing/2014/main" id="{3B9FED99-DDF1-44E9-A0F4-4FD1323BB043}"/>
+                        </a:ext>
+                      </a:extLst>
+                    </p:cNvPr>
+                    <p:cNvSpPr/>
+                    <p:nvPr/>
+                  </p:nvSpPr>
+                  <p:spPr>
+                    <a:xfrm>
+                      <a:off x="1940771" y="1203649"/>
+                      <a:ext cx="2547255" cy="1259633"/>
+                    </a:xfrm>
+                    <a:prstGeom prst="flowChartDecision">
+                      <a:avLst/>
+                    </a:prstGeom>
+                    <a:noFill/>
+                    <a:ln w="28575">
+                      <a:solidFill>
+                        <a:schemeClr val="tx1"/>
+                      </a:solidFill>
+                    </a:ln>
+                  </p:spPr>
+                  <p:style>
+                    <a:lnRef idx="2">
+                      <a:schemeClr val="accent1">
+                        <a:shade val="50000"/>
+                      </a:schemeClr>
+                    </a:lnRef>
+                    <a:fillRef idx="1">
+                      <a:schemeClr val="accent1"/>
+                    </a:fillRef>
+                    <a:effectRef idx="0">
+                      <a:schemeClr val="accent1"/>
+                    </a:effectRef>
+                    <a:fontRef idx="minor">
+                      <a:schemeClr val="lt1"/>
+                    </a:fontRef>
+                  </p:style>
+                  <p:txBody>
+                    <a:bodyPr rtlCol="0" anchor="ctr"/>
+                    <a:lstStyle/>
+                    <a:p>
+                      <a:pPr algn="ctr"/>
+                      <a:endParaRPr lang="en-US"/>
+                    </a:p>
+                  </p:txBody>
+                </p:sp>
+                <p:sp>
+                  <p:nvSpPr>
+                    <p:cNvPr id="25" name="TextBox 24">
+                      <a:extLst>
+                        <a:ext uri="{FF2B5EF4-FFF2-40B4-BE49-F238E27FC236}">
+                          <a16:creationId xmlns:a16="http://schemas.microsoft.com/office/drawing/2014/main" id="{A27380D2-CF74-4A45-BBDB-721438EE36AA}"/>
+                        </a:ext>
+                      </a:extLst>
+                    </p:cNvPr>
+                    <p:cNvSpPr txBox="1"/>
+                    <p:nvPr/>
+                  </p:nvSpPr>
+                  <p:spPr>
+                    <a:xfrm>
+                      <a:off x="2449087" y="1634687"/>
+                      <a:ext cx="1950330" cy="410649"/>
+                    </a:xfrm>
+                    <a:prstGeom prst="rect">
+                      <a:avLst/>
+                    </a:prstGeom>
+                    <a:noFill/>
+                  </p:spPr>
+                  <p:txBody>
+                    <a:bodyPr wrap="square" rtlCol="0">
+                      <a:spAutoFit/>
+                    </a:bodyPr>
+                    <a:lstStyle/>
+                    <a:p>
+                      <a:r>
+                        <a:rPr lang="en-US" altLang="zh-CN" sz="1100" dirty="0"/>
+                        <a:t>city_state</a:t>
+                      </a:r>
+                      <a:endParaRPr lang="en-US" sz="1100" dirty="0"/>
+                    </a:p>
+                  </p:txBody>
+                </p:sp>
+              </p:grpSp>
+              <p:cxnSp>
+                <p:nvCxnSpPr>
+                  <p:cNvPr id="26" name="Straight Arrow Connector 25">
+                    <a:extLst>
+                      <a:ext uri="{FF2B5EF4-FFF2-40B4-BE49-F238E27FC236}">
+                        <a16:creationId xmlns:a16="http://schemas.microsoft.com/office/drawing/2014/main" id="{5ABD4FBD-B735-4600-837B-43D92DEC8BC9}"/>
+                      </a:ext>
+                    </a:extLst>
+                  </p:cNvPr>
+                  <p:cNvCxnSpPr>
+                    <a:cxnSpLocks/>
+                    <a:stCxn id="24" idx="1"/>
+                  </p:cNvCxnSpPr>
+                  <p:nvPr/>
+                </p:nvCxnSpPr>
+                <p:spPr>
+                  <a:xfrm flipH="1" flipV="1">
+                    <a:off x="3452329" y="1744825"/>
+                    <a:ext cx="1091682" cy="1356"/>
+                  </a:xfrm>
+                  <a:prstGeom prst="straightConnector1">
+                    <a:avLst/>
+                  </a:prstGeom>
+                  <a:ln w="28575">
+                    <a:solidFill>
+                      <a:schemeClr val="tx1"/>
+                    </a:solidFill>
+                    <a:tailEnd type="triangle"/>
+                  </a:ln>
+                </p:spPr>
+                <p:style>
+                  <a:lnRef idx="1">
+                    <a:schemeClr val="accent1"/>
+                  </a:lnRef>
+                  <a:fillRef idx="0">
+                    <a:schemeClr val="accent1"/>
+                  </a:fillRef>
+                  <a:effectRef idx="0">
+                    <a:schemeClr val="accent1"/>
+                  </a:effectRef>
+                  <a:fontRef idx="minor">
+                    <a:schemeClr val="tx1"/>
+                  </a:fontRef>
+                </p:style>
+              </p:cxnSp>
+              <p:grpSp>
+                <p:nvGrpSpPr>
+                  <p:cNvPr id="29" name="Group 28">
+                    <a:extLst>
+                      <a:ext uri="{FF2B5EF4-FFF2-40B4-BE49-F238E27FC236}">
+                        <a16:creationId xmlns:a16="http://schemas.microsoft.com/office/drawing/2014/main" id="{8297E846-F616-4C8A-931F-022C71C9B140}"/>
+                      </a:ext>
+                    </a:extLst>
+                  </p:cNvPr>
+                  <p:cNvGrpSpPr/>
+                  <p:nvPr/>
+                </p:nvGrpSpPr>
+                <p:grpSpPr>
+                  <a:xfrm>
+                    <a:off x="7091272" y="1727703"/>
+                    <a:ext cx="1101014" cy="45665"/>
+                    <a:chOff x="4313868" y="3397829"/>
+                    <a:chExt cx="1782152" cy="34169"/>
+                  </a:xfrm>
+                </p:grpSpPr>
+                <p:cxnSp>
+                  <p:nvCxnSpPr>
+                    <p:cNvPr id="30" name="Straight Connector 29">
+                      <a:extLst>
+                        <a:ext uri="{FF2B5EF4-FFF2-40B4-BE49-F238E27FC236}">
+                          <a16:creationId xmlns:a16="http://schemas.microsoft.com/office/drawing/2014/main" id="{ED28F21C-E3D6-42C5-9C42-CABE12EBD734}"/>
+                        </a:ext>
+                      </a:extLst>
+                    </p:cNvPr>
+                    <p:cNvCxnSpPr/>
+                    <p:nvPr/>
+                  </p:nvCxnSpPr>
+                  <p:spPr>
+                    <a:xfrm>
+                      <a:off x="4313872" y="3431998"/>
+                      <a:ext cx="1782148" cy="0"/>
+                    </a:xfrm>
+                    <a:prstGeom prst="line">
+                      <a:avLst/>
+                    </a:prstGeom>
+                    <a:ln w="9525">
+                      <a:solidFill>
+                        <a:schemeClr val="tx1"/>
+                      </a:solidFill>
+                    </a:ln>
+                  </p:spPr>
+                  <p:style>
+                    <a:lnRef idx="1">
+                      <a:schemeClr val="accent1"/>
+                    </a:lnRef>
+                    <a:fillRef idx="0">
+                      <a:schemeClr val="accent1"/>
+                    </a:fillRef>
+                    <a:effectRef idx="0">
+                      <a:schemeClr val="accent1"/>
+                    </a:effectRef>
+                    <a:fontRef idx="minor">
+                      <a:schemeClr val="tx1"/>
+                    </a:fontRef>
+                  </p:style>
+                </p:cxnSp>
+                <p:cxnSp>
+                  <p:nvCxnSpPr>
+                    <p:cNvPr id="31" name="Straight Connector 30">
+                      <a:extLst>
+                        <a:ext uri="{FF2B5EF4-FFF2-40B4-BE49-F238E27FC236}">
+                          <a16:creationId xmlns:a16="http://schemas.microsoft.com/office/drawing/2014/main" id="{B41C31D6-2B1D-4E80-AAC6-16D798F094F2}"/>
+                        </a:ext>
+                      </a:extLst>
+                    </p:cNvPr>
+                    <p:cNvCxnSpPr/>
+                    <p:nvPr/>
+                  </p:nvCxnSpPr>
+                  <p:spPr>
+                    <a:xfrm>
+                      <a:off x="4313868" y="3397829"/>
+                      <a:ext cx="1782146" cy="0"/>
+                    </a:xfrm>
+                    <a:prstGeom prst="line">
+                      <a:avLst/>
+                    </a:prstGeom>
+                    <a:ln w="9525">
+                      <a:solidFill>
+                        <a:schemeClr val="tx1"/>
+                      </a:solidFill>
+                    </a:ln>
+                  </p:spPr>
+                  <p:style>
+                    <a:lnRef idx="1">
+                      <a:schemeClr val="accent1"/>
+                    </a:lnRef>
+                    <a:fillRef idx="0">
+                      <a:schemeClr val="accent1"/>
+                    </a:fillRef>
+                    <a:effectRef idx="0">
+                      <a:schemeClr val="accent1"/>
+                    </a:effectRef>
+                    <a:fontRef idx="minor">
+                      <a:schemeClr val="tx1"/>
+                    </a:fontRef>
+                  </p:style>
+                </p:cxnSp>
+              </p:grpSp>
+            </p:grpSp>
+            <p:grpSp>
+              <p:nvGrpSpPr>
+                <p:cNvPr id="32" name="Group 31">
+                  <a:extLst>
+                    <a:ext uri="{FF2B5EF4-FFF2-40B4-BE49-F238E27FC236}">
+                      <a16:creationId xmlns:a16="http://schemas.microsoft.com/office/drawing/2014/main" id="{34836CD4-D613-4B19-8779-1A55BAADDA23}"/>
+                    </a:ext>
+                  </a:extLst>
+                </p:cNvPr>
+                <p:cNvGrpSpPr/>
+                <p:nvPr/>
+              </p:nvGrpSpPr>
+              <p:grpSpPr>
+                <a:xfrm>
+                  <a:off x="228603" y="626422"/>
+                  <a:ext cx="2929812" cy="2013811"/>
+                  <a:chOff x="1614196" y="949003"/>
+                  <a:chExt cx="2911151" cy="1925506"/>
                 </a:xfrm>
               </p:grpSpPr>
               <p:sp>
                 <p:nvSpPr>
-                  <p:cNvPr id="24" name="Flowchart: Decision 23">
+                  <p:cNvPr id="33" name="Rectangle 32">
                     <a:extLst>
                       <a:ext uri="{FF2B5EF4-FFF2-40B4-BE49-F238E27FC236}">
-                        <a16:creationId xmlns:a16="http://schemas.microsoft.com/office/drawing/2014/main" id="{3B9FED99-DDF1-44E9-A0F4-4FD1323BB043}"/>
+                        <a16:creationId xmlns:a16="http://schemas.microsoft.com/office/drawing/2014/main" id="{46B32737-672A-45F9-A137-CA2F39F23482}"/>
                       </a:ext>
                     </a:extLst>
                   </p:cNvPr>
@@ -6223,10 +6501,10 @@
                 </p:nvSpPr>
                 <p:spPr>
                   <a:xfrm>
-                    <a:off x="1940771" y="1203649"/>
-                    <a:ext cx="2547255" cy="1259633"/>
+                    <a:off x="1614196" y="979816"/>
+                    <a:ext cx="2911144" cy="1894693"/>
                   </a:xfrm>
-                  <a:prstGeom prst="flowChartDecision">
+                  <a:prstGeom prst="rect">
                     <a:avLst/>
                   </a:prstGeom>
                   <a:noFill/>
@@ -6261,129 +6539,29 @@
                   </a:p>
                 </p:txBody>
               </p:sp>
-              <p:sp>
-                <p:nvSpPr>
-                  <p:cNvPr id="25" name="TextBox 24">
+              <p:cxnSp>
+                <p:nvCxnSpPr>
+                  <p:cNvPr id="34" name="Straight Connector 33">
                     <a:extLst>
                       <a:ext uri="{FF2B5EF4-FFF2-40B4-BE49-F238E27FC236}">
-                        <a16:creationId xmlns:a16="http://schemas.microsoft.com/office/drawing/2014/main" id="{A27380D2-CF74-4A45-BBDB-721438EE36AA}"/>
+                        <a16:creationId xmlns:a16="http://schemas.microsoft.com/office/drawing/2014/main" id="{BB8A77E8-21FE-4C58-9B92-0D7D5529F8FB}"/>
                       </a:ext>
                     </a:extLst>
                   </p:cNvPr>
-                  <p:cNvSpPr txBox="1"/>
-                  <p:nvPr/>
-                </p:nvSpPr>
-                <p:spPr>
-                  <a:xfrm>
-                    <a:off x="2449087" y="1634687"/>
-                    <a:ext cx="1950330" cy="410649"/>
-                  </a:xfrm>
-                  <a:prstGeom prst="rect">
-                    <a:avLst/>
-                  </a:prstGeom>
-                  <a:noFill/>
-                </p:spPr>
-                <p:txBody>
-                  <a:bodyPr wrap="square" rtlCol="0">
-                    <a:spAutoFit/>
-                  </a:bodyPr>
-                  <a:lstStyle/>
-                  <a:p>
-                    <a:r>
-                      <a:rPr lang="en-US" altLang="zh-CN" sz="1100" dirty="0"/>
-                      <a:t>city_state</a:t>
-                    </a:r>
-                    <a:endParaRPr lang="en-US" sz="1100" dirty="0"/>
-                  </a:p>
-                </p:txBody>
-              </p:sp>
-            </p:grpSp>
-            <p:cxnSp>
-              <p:nvCxnSpPr>
-                <p:cNvPr id="26" name="Straight Arrow Connector 25">
-                  <a:extLst>
-                    <a:ext uri="{FF2B5EF4-FFF2-40B4-BE49-F238E27FC236}">
-                      <a16:creationId xmlns:a16="http://schemas.microsoft.com/office/drawing/2014/main" id="{5ABD4FBD-B735-4600-837B-43D92DEC8BC9}"/>
-                    </a:ext>
-                  </a:extLst>
-                </p:cNvPr>
-                <p:cNvCxnSpPr>
-                  <a:cxnSpLocks/>
-                  <a:stCxn id="24" idx="1"/>
-                </p:cNvCxnSpPr>
-                <p:nvPr/>
-              </p:nvCxnSpPr>
-              <p:spPr>
-                <a:xfrm flipH="1" flipV="1">
-                  <a:off x="3452329" y="1744825"/>
-                  <a:ext cx="1091682" cy="1356"/>
-                </a:xfrm>
-                <a:prstGeom prst="straightConnector1">
-                  <a:avLst/>
-                </a:prstGeom>
-                <a:ln w="28575">
-                  <a:solidFill>
-                    <a:schemeClr val="tx1"/>
-                  </a:solidFill>
-                  <a:tailEnd type="triangle"/>
-                </a:ln>
-              </p:spPr>
-              <p:style>
-                <a:lnRef idx="1">
-                  <a:schemeClr val="accent1"/>
-                </a:lnRef>
-                <a:fillRef idx="0">
-                  <a:schemeClr val="accent1"/>
-                </a:fillRef>
-                <a:effectRef idx="0">
-                  <a:schemeClr val="accent1"/>
-                </a:effectRef>
-                <a:fontRef idx="minor">
-                  <a:schemeClr val="tx1"/>
-                </a:fontRef>
-              </p:style>
-            </p:cxnSp>
-            <p:grpSp>
-              <p:nvGrpSpPr>
-                <p:cNvPr id="29" name="Group 28">
-                  <a:extLst>
-                    <a:ext uri="{FF2B5EF4-FFF2-40B4-BE49-F238E27FC236}">
-                      <a16:creationId xmlns:a16="http://schemas.microsoft.com/office/drawing/2014/main" id="{8297E846-F616-4C8A-931F-022C71C9B140}"/>
-                    </a:ext>
-                  </a:extLst>
-                </p:cNvPr>
-                <p:cNvGrpSpPr/>
-                <p:nvPr/>
-              </p:nvGrpSpPr>
-              <p:grpSpPr>
-                <a:xfrm>
-                  <a:off x="7091272" y="1727703"/>
-                  <a:ext cx="1101014" cy="45665"/>
-                  <a:chOff x="4313868" y="3397829"/>
-                  <a:chExt cx="1782152" cy="34169"/>
-                </a:xfrm>
-              </p:grpSpPr>
-              <p:cxnSp>
-                <p:nvCxnSpPr>
-                  <p:cNvPr id="30" name="Straight Connector 29">
-                    <a:extLst>
-                      <a:ext uri="{FF2B5EF4-FFF2-40B4-BE49-F238E27FC236}">
-                        <a16:creationId xmlns:a16="http://schemas.microsoft.com/office/drawing/2014/main" id="{ED28F21C-E3D6-42C5-9C42-CABE12EBD734}"/>
-                      </a:ext>
-                    </a:extLst>
-                  </p:cNvPr>
-                  <p:cNvCxnSpPr/>
+                  <p:cNvCxnSpPr>
+                    <a:cxnSpLocks/>
+                  </p:cNvCxnSpPr>
                   <p:nvPr/>
                 </p:nvCxnSpPr>
                 <p:spPr>
                   <a:xfrm>
-                    <a:off x="4313872" y="3431998"/>
-                    <a:ext cx="1782148" cy="0"/>
+                    <a:off x="1614196" y="1418253"/>
+                    <a:ext cx="2911151" cy="0"/>
                   </a:xfrm>
                   <a:prstGeom prst="line">
                     <a:avLst/>
                   </a:prstGeom>
-                  <a:ln w="9525">
+                  <a:ln w="28575">
                     <a:solidFill>
                       <a:schemeClr val="tx1"/>
                     </a:solidFill>
@@ -6404,27 +6582,65 @@
                   </a:fontRef>
                 </p:style>
               </p:cxnSp>
-              <p:cxnSp>
-                <p:nvCxnSpPr>
-                  <p:cNvPr id="31" name="Straight Connector 30">
+              <p:sp>
+                <p:nvSpPr>
+                  <p:cNvPr id="35" name="TextBox 34">
                     <a:extLst>
                       <a:ext uri="{FF2B5EF4-FFF2-40B4-BE49-F238E27FC236}">
-                        <a16:creationId xmlns:a16="http://schemas.microsoft.com/office/drawing/2014/main" id="{B41C31D6-2B1D-4E80-AAC6-16D798F094F2}"/>
+                        <a16:creationId xmlns:a16="http://schemas.microsoft.com/office/drawing/2014/main" id="{9E2FE185-0BCF-4C77-B25A-C9E77EC40B5A}"/>
                       </a:ext>
                     </a:extLst>
                   </p:cNvPr>
-                  <p:cNvCxnSpPr/>
+                  <p:cNvSpPr txBox="1"/>
+                  <p:nvPr/>
+                </p:nvSpPr>
+                <p:spPr>
+                  <a:xfrm>
+                    <a:off x="2416631" y="949003"/>
+                    <a:ext cx="1455576" cy="369332"/>
+                  </a:xfrm>
+                  <a:prstGeom prst="rect">
+                    <a:avLst/>
+                  </a:prstGeom>
+                  <a:noFill/>
+                </p:spPr>
+                <p:txBody>
+                  <a:bodyPr wrap="square" rtlCol="0">
+                    <a:spAutoFit/>
+                  </a:bodyPr>
+                  <a:lstStyle/>
+                  <a:p>
+                    <a:r>
+                      <a:rPr lang="en-US" dirty="0"/>
+                      <a:t>state</a:t>
+                    </a:r>
+                  </a:p>
+                </p:txBody>
+              </p:sp>
+              <p:cxnSp>
+                <p:nvCxnSpPr>
+                  <p:cNvPr id="36" name="Straight Connector 35">
+                    <a:extLst>
+                      <a:ext uri="{FF2B5EF4-FFF2-40B4-BE49-F238E27FC236}">
+                        <a16:creationId xmlns:a16="http://schemas.microsoft.com/office/drawing/2014/main" id="{C400D698-0451-4CAE-849C-B310EE81C977}"/>
+                      </a:ext>
+                    </a:extLst>
+                  </p:cNvPr>
+                  <p:cNvCxnSpPr>
+                    <a:cxnSpLocks/>
+                    <a:endCxn id="33" idx="2"/>
+                  </p:cNvCxnSpPr>
                   <p:nvPr/>
                 </p:nvCxnSpPr>
                 <p:spPr>
-                  <a:xfrm>
-                    <a:off x="4313868" y="3397829"/>
-                    <a:ext cx="1782146" cy="0"/>
+                  <a:xfrm flipH="1">
+                    <a:off x="3069768" y="1418253"/>
+                    <a:ext cx="3" cy="1456256"/>
                   </a:xfrm>
                   <a:prstGeom prst="line">
                     <a:avLst/>
                   </a:prstGeom>
-                  <a:ln w="9525">
+                  <a:ln w="19050">
                     <a:solidFill>
                       <a:schemeClr val="tx1"/>
                     </a:solidFill>
@@ -6445,14 +6661,213 @@
                   </a:fontRef>
                 </p:style>
               </p:cxnSp>
+              <p:sp>
+                <p:nvSpPr>
+                  <p:cNvPr id="37" name="TextBox 36">
+                    <a:extLst>
+                      <a:ext uri="{FF2B5EF4-FFF2-40B4-BE49-F238E27FC236}">
+                        <a16:creationId xmlns:a16="http://schemas.microsoft.com/office/drawing/2014/main" id="{61954797-0B62-49FA-9547-E3181DCD3662}"/>
+                      </a:ext>
+                    </a:extLst>
+                  </p:cNvPr>
+                  <p:cNvSpPr txBox="1"/>
+                  <p:nvPr/>
+                </p:nvSpPr>
+                <p:spPr>
+                  <a:xfrm>
+                    <a:off x="1649425" y="1455538"/>
+                    <a:ext cx="1428237" cy="1381687"/>
+                  </a:xfrm>
+                  <a:prstGeom prst="rect">
+                    <a:avLst/>
+                  </a:prstGeom>
+                  <a:noFill/>
+                </p:spPr>
+                <p:txBody>
+                  <a:bodyPr wrap="square" rtlCol="0">
+                    <a:spAutoFit/>
+                  </a:bodyPr>
+                  <a:lstStyle/>
+                  <a:p>
+                    <a:pPr>
+                      <a:spcBef>
+                        <a:spcPts val="200"/>
+                      </a:spcBef>
+                      <a:spcAft>
+                        <a:spcPts val="200"/>
+                      </a:spcAft>
+                    </a:pPr>
+                    <a:r>
+                      <a:rPr lang="en-US" sz="1100" dirty="0"/>
+                      <a:t>governor</a:t>
+                    </a:r>
+                  </a:p>
+                  <a:p>
+                    <a:pPr>
+                      <a:spcBef>
+                        <a:spcPts val="200"/>
+                      </a:spcBef>
+                      <a:spcAft>
+                        <a:spcPts val="200"/>
+                      </a:spcAft>
+                    </a:pPr>
+                    <a:r>
+                      <a:rPr lang="en-US" altLang="zh-CN" sz="1100" dirty="0"/>
+                      <a:t>gdp</a:t>
+                    </a:r>
+                    <a:endParaRPr lang="en-US" sz="1100" dirty="0"/>
+                  </a:p>
+                  <a:p>
+                    <a:pPr>
+                      <a:spcBef>
+                        <a:spcPts val="200"/>
+                      </a:spcBef>
+                      <a:spcAft>
+                        <a:spcPts val="200"/>
+                      </a:spcAft>
+                    </a:pPr>
+                    <a:r>
+                      <a:rPr lang="en-US" sz="1100" b="1" dirty="0"/>
+                      <a:t>state_name</a:t>
+                    </a:r>
+                  </a:p>
+                  <a:p>
+                    <a:pPr>
+                      <a:spcBef>
+                        <a:spcPts val="200"/>
+                      </a:spcBef>
+                      <a:spcAft>
+                        <a:spcPts val="200"/>
+                      </a:spcAft>
+                    </a:pPr>
+                    <a:r>
+                      <a:rPr lang="en-US" sz="1100" dirty="0"/>
+                      <a:t>total_cases</a:t>
+                    </a:r>
+                  </a:p>
+                  <a:p>
+                    <a:pPr>
+                      <a:spcBef>
+                        <a:spcPts val="200"/>
+                      </a:spcBef>
+                      <a:spcAft>
+                        <a:spcPts val="200"/>
+                      </a:spcAft>
+                    </a:pPr>
+                    <a:r>
+                      <a:rPr lang="en-US" sz="1100" dirty="0"/>
+                      <a:t>new_cases</a:t>
+                    </a:r>
+                  </a:p>
+                </p:txBody>
+              </p:sp>
+              <p:sp>
+                <p:nvSpPr>
+                  <p:cNvPr id="38" name="TextBox 37">
+                    <a:extLst>
+                      <a:ext uri="{FF2B5EF4-FFF2-40B4-BE49-F238E27FC236}">
+                        <a16:creationId xmlns:a16="http://schemas.microsoft.com/office/drawing/2014/main" id="{F1C24F99-0D61-4C3F-9A4E-61643328018D}"/>
+                      </a:ext>
+                    </a:extLst>
+                  </p:cNvPr>
+                  <p:cNvSpPr txBox="1"/>
+                  <p:nvPr/>
+                </p:nvSpPr>
+                <p:spPr>
+                  <a:xfrm>
+                    <a:off x="3142872" y="1489195"/>
+                    <a:ext cx="1222298" cy="1381686"/>
+                  </a:xfrm>
+                  <a:prstGeom prst="rect">
+                    <a:avLst/>
+                  </a:prstGeom>
+                  <a:noFill/>
+                </p:spPr>
+                <p:txBody>
+                  <a:bodyPr wrap="square" rtlCol="0">
+                    <a:spAutoFit/>
+                  </a:bodyPr>
+                  <a:lstStyle/>
+                  <a:p>
+                    <a:pPr>
+                      <a:spcBef>
+                        <a:spcPts val="200"/>
+                      </a:spcBef>
+                      <a:spcAft>
+                        <a:spcPts val="200"/>
+                      </a:spcAft>
+                    </a:pPr>
+                    <a:r>
+                      <a:rPr lang="en-US" sz="1100" dirty="0"/>
+                      <a:t>CHAR(20)</a:t>
+                    </a:r>
+                  </a:p>
+                  <a:p>
+                    <a:pPr>
+                      <a:spcBef>
+                        <a:spcPts val="200"/>
+                      </a:spcBef>
+                      <a:spcAft>
+                        <a:spcPts val="200"/>
+                      </a:spcAft>
+                    </a:pPr>
+                    <a:r>
+                      <a:rPr lang="en-US" sz="1100" dirty="0"/>
+                      <a:t>REAL</a:t>
+                    </a:r>
+                  </a:p>
+                  <a:p>
+                    <a:pPr>
+                      <a:spcBef>
+                        <a:spcPts val="200"/>
+                      </a:spcBef>
+                      <a:spcAft>
+                        <a:spcPts val="200"/>
+                      </a:spcAft>
+                    </a:pPr>
+                    <a:r>
+                      <a:rPr lang="en-US" sz="1100" dirty="0"/>
+                      <a:t>CHAR(20)</a:t>
+                    </a:r>
+                  </a:p>
+                  <a:p>
+                    <a:pPr>
+                      <a:spcBef>
+                        <a:spcPts val="200"/>
+                      </a:spcBef>
+                      <a:spcAft>
+                        <a:spcPts val="200"/>
+                      </a:spcAft>
+                    </a:pPr>
+                    <a:r>
+                      <a:rPr lang="en-US" sz="1100" dirty="0"/>
+                      <a:t>INTEGER</a:t>
+                    </a:r>
+                  </a:p>
+                  <a:p>
+                    <a:pPr>
+                      <a:spcBef>
+                        <a:spcPts val="200"/>
+                      </a:spcBef>
+                      <a:spcAft>
+                        <a:spcPts val="200"/>
+                      </a:spcAft>
+                    </a:pPr>
+                    <a:r>
+                      <a:rPr lang="en-US" sz="1100" dirty="0"/>
+                      <a:t>INTEGER</a:t>
+                    </a:r>
+                  </a:p>
+                </p:txBody>
+              </p:sp>
             </p:grpSp>
           </p:grpSp>
           <p:grpSp>
             <p:nvGrpSpPr>
-              <p:cNvPr id="32" name="Group 31">
+              <p:cNvPr id="11" name="Group 10">
                 <a:extLst>
                   <a:ext uri="{FF2B5EF4-FFF2-40B4-BE49-F238E27FC236}">
-                    <a16:creationId xmlns:a16="http://schemas.microsoft.com/office/drawing/2014/main" id="{34836CD4-D613-4B19-8779-1A55BAADDA23}"/>
+                    <a16:creationId xmlns:a16="http://schemas.microsoft.com/office/drawing/2014/main" id="{734A31C4-15B9-4EE3-8D5E-7534A57B3EFD}"/>
                   </a:ext>
                 </a:extLst>
               </p:cNvPr>
@@ -6461,18 +6876,18 @@
             </p:nvGrpSpPr>
             <p:grpSpPr>
               <a:xfrm>
-                <a:off x="228603" y="626422"/>
-                <a:ext cx="2929812" cy="2013810"/>
-                <a:chOff x="1614196" y="949003"/>
-                <a:chExt cx="2911151" cy="1925506"/>
+                <a:off x="650770" y="6572939"/>
+                <a:ext cx="6206390" cy="2271617"/>
+                <a:chOff x="-110390" y="4966612"/>
+                <a:chExt cx="6811347" cy="2390190"/>
               </a:xfrm>
             </p:grpSpPr>
             <p:sp>
               <p:nvSpPr>
-                <p:cNvPr id="33" name="Rectangle 32">
+                <p:cNvPr id="4" name="Rectangle 3">
                   <a:extLst>
                     <a:ext uri="{FF2B5EF4-FFF2-40B4-BE49-F238E27FC236}">
-                      <a16:creationId xmlns:a16="http://schemas.microsoft.com/office/drawing/2014/main" id="{46B32737-672A-45F9-A137-CA2F39F23482}"/>
+                      <a16:creationId xmlns:a16="http://schemas.microsoft.com/office/drawing/2014/main" id="{D337DC99-CDAD-41A7-AAA9-07305F333F4F}"/>
                     </a:ext>
                   </a:extLst>
                 </p:cNvPr>
@@ -6481,8 +6896,8 @@
               </p:nvSpPr>
               <p:spPr>
                 <a:xfrm>
-                  <a:off x="1614196" y="979816"/>
-                  <a:ext cx="2911144" cy="1894693"/>
+                  <a:off x="-110390" y="4966612"/>
+                  <a:ext cx="6811347" cy="2390190"/>
                 </a:xfrm>
                 <a:prstGeom prst="rect">
                   <a:avLst/>
@@ -6519,1274 +6934,12 @@
                 </a:p>
               </p:txBody>
             </p:sp>
-            <p:cxnSp>
-              <p:nvCxnSpPr>
-                <p:cNvPr id="34" name="Straight Connector 33">
+            <p:grpSp>
+              <p:nvGrpSpPr>
+                <p:cNvPr id="67" name="Group 66">
                   <a:extLst>
                     <a:ext uri="{FF2B5EF4-FFF2-40B4-BE49-F238E27FC236}">
-                      <a16:creationId xmlns:a16="http://schemas.microsoft.com/office/drawing/2014/main" id="{BB8A77E8-21FE-4C58-9B92-0D7D5529F8FB}"/>
-                    </a:ext>
-                  </a:extLst>
-                </p:cNvPr>
-                <p:cNvCxnSpPr>
-                  <a:cxnSpLocks/>
-                </p:cNvCxnSpPr>
-                <p:nvPr/>
-              </p:nvCxnSpPr>
-              <p:spPr>
-                <a:xfrm>
-                  <a:off x="1614196" y="1418253"/>
-                  <a:ext cx="2911151" cy="0"/>
-                </a:xfrm>
-                <a:prstGeom prst="line">
-                  <a:avLst/>
-                </a:prstGeom>
-                <a:ln w="28575">
-                  <a:solidFill>
-                    <a:schemeClr val="tx1"/>
-                  </a:solidFill>
-                </a:ln>
-              </p:spPr>
-              <p:style>
-                <a:lnRef idx="1">
-                  <a:schemeClr val="accent1"/>
-                </a:lnRef>
-                <a:fillRef idx="0">
-                  <a:schemeClr val="accent1"/>
-                </a:fillRef>
-                <a:effectRef idx="0">
-                  <a:schemeClr val="accent1"/>
-                </a:effectRef>
-                <a:fontRef idx="minor">
-                  <a:schemeClr val="tx1"/>
-                </a:fontRef>
-              </p:style>
-            </p:cxnSp>
-            <p:sp>
-              <p:nvSpPr>
-                <p:cNvPr id="35" name="TextBox 34">
-                  <a:extLst>
-                    <a:ext uri="{FF2B5EF4-FFF2-40B4-BE49-F238E27FC236}">
-                      <a16:creationId xmlns:a16="http://schemas.microsoft.com/office/drawing/2014/main" id="{9E2FE185-0BCF-4C77-B25A-C9E77EC40B5A}"/>
-                    </a:ext>
-                  </a:extLst>
-                </p:cNvPr>
-                <p:cNvSpPr txBox="1"/>
-                <p:nvPr/>
-              </p:nvSpPr>
-              <p:spPr>
-                <a:xfrm>
-                  <a:off x="2416631" y="949003"/>
-                  <a:ext cx="1455576" cy="369332"/>
-                </a:xfrm>
-                <a:prstGeom prst="rect">
-                  <a:avLst/>
-                </a:prstGeom>
-                <a:noFill/>
-              </p:spPr>
-              <p:txBody>
-                <a:bodyPr wrap="square" rtlCol="0">
-                  <a:spAutoFit/>
-                </a:bodyPr>
-                <a:lstStyle/>
-                <a:p>
-                  <a:r>
-                    <a:rPr lang="en-US" dirty="0"/>
-                    <a:t>state</a:t>
-                  </a:r>
-                </a:p>
-              </p:txBody>
-            </p:sp>
-            <p:cxnSp>
-              <p:nvCxnSpPr>
-                <p:cNvPr id="36" name="Straight Connector 35">
-                  <a:extLst>
-                    <a:ext uri="{FF2B5EF4-FFF2-40B4-BE49-F238E27FC236}">
-                      <a16:creationId xmlns:a16="http://schemas.microsoft.com/office/drawing/2014/main" id="{C400D698-0451-4CAE-849C-B310EE81C977}"/>
-                    </a:ext>
-                  </a:extLst>
-                </p:cNvPr>
-                <p:cNvCxnSpPr>
-                  <a:cxnSpLocks/>
-                  <a:endCxn id="33" idx="2"/>
-                </p:cNvCxnSpPr>
-                <p:nvPr/>
-              </p:nvCxnSpPr>
-              <p:spPr>
-                <a:xfrm flipH="1">
-                  <a:off x="3069768" y="1418253"/>
-                  <a:ext cx="3" cy="1456256"/>
-                </a:xfrm>
-                <a:prstGeom prst="line">
-                  <a:avLst/>
-                </a:prstGeom>
-                <a:ln w="19050">
-                  <a:solidFill>
-                    <a:schemeClr val="tx1"/>
-                  </a:solidFill>
-                </a:ln>
-              </p:spPr>
-              <p:style>
-                <a:lnRef idx="1">
-                  <a:schemeClr val="accent1"/>
-                </a:lnRef>
-                <a:fillRef idx="0">
-                  <a:schemeClr val="accent1"/>
-                </a:fillRef>
-                <a:effectRef idx="0">
-                  <a:schemeClr val="accent1"/>
-                </a:effectRef>
-                <a:fontRef idx="minor">
-                  <a:schemeClr val="tx1"/>
-                </a:fontRef>
-              </p:style>
-            </p:cxnSp>
-            <p:sp>
-              <p:nvSpPr>
-                <p:cNvPr id="37" name="TextBox 36">
-                  <a:extLst>
-                    <a:ext uri="{FF2B5EF4-FFF2-40B4-BE49-F238E27FC236}">
-                      <a16:creationId xmlns:a16="http://schemas.microsoft.com/office/drawing/2014/main" id="{61954797-0B62-49FA-9547-E3181DCD3662}"/>
-                    </a:ext>
-                  </a:extLst>
-                </p:cNvPr>
-                <p:cNvSpPr txBox="1"/>
-                <p:nvPr/>
-              </p:nvSpPr>
-              <p:spPr>
-                <a:xfrm>
-                  <a:off x="1664696" y="1558212"/>
-                  <a:ext cx="1428237" cy="1214396"/>
-                </a:xfrm>
-                <a:prstGeom prst="rect">
-                  <a:avLst/>
-                </a:prstGeom>
-                <a:noFill/>
-              </p:spPr>
-              <p:txBody>
-                <a:bodyPr wrap="square" rtlCol="0">
-                  <a:spAutoFit/>
-                </a:bodyPr>
-                <a:lstStyle/>
-                <a:p>
-                  <a:pPr>
-                    <a:spcBef>
-                      <a:spcPts val="200"/>
-                    </a:spcBef>
-                    <a:spcAft>
-                      <a:spcPts val="200"/>
-                    </a:spcAft>
-                  </a:pPr>
-                  <a:r>
-                    <a:rPr lang="en-US" sz="1100" dirty="0"/>
-                    <a:t>governor</a:t>
-                  </a:r>
-                </a:p>
-                <a:p>
-                  <a:pPr>
-                    <a:spcBef>
-                      <a:spcPts val="200"/>
-                    </a:spcBef>
-                    <a:spcAft>
-                      <a:spcPts val="200"/>
-                    </a:spcAft>
-                  </a:pPr>
-                  <a:r>
-                    <a:rPr lang="en-US" altLang="zh-CN" sz="1100" dirty="0"/>
-                    <a:t>gdp</a:t>
-                  </a:r>
-                  <a:endParaRPr lang="en-US" sz="1100" dirty="0"/>
-                </a:p>
-                <a:p>
-                  <a:pPr>
-                    <a:spcBef>
-                      <a:spcPts val="200"/>
-                    </a:spcBef>
-                    <a:spcAft>
-                      <a:spcPts val="200"/>
-                    </a:spcAft>
-                  </a:pPr>
-                  <a:r>
-                    <a:rPr lang="en-US" sz="1100" b="1" dirty="0"/>
-                    <a:t>state_name</a:t>
-                  </a:r>
-                </a:p>
-                <a:p>
-                  <a:endParaRPr lang="en-US" dirty="0"/>
-                </a:p>
-              </p:txBody>
-            </p:sp>
-            <p:sp>
-              <p:nvSpPr>
-                <p:cNvPr id="38" name="TextBox 37">
-                  <a:extLst>
-                    <a:ext uri="{FF2B5EF4-FFF2-40B4-BE49-F238E27FC236}">
-                      <a16:creationId xmlns:a16="http://schemas.microsoft.com/office/drawing/2014/main" id="{F1C24F99-0D61-4C3F-9A4E-61643328018D}"/>
-                    </a:ext>
-                  </a:extLst>
-                </p:cNvPr>
-                <p:cNvSpPr txBox="1"/>
-                <p:nvPr/>
-              </p:nvSpPr>
-              <p:spPr>
-                <a:xfrm>
-                  <a:off x="3144428" y="1558212"/>
-                  <a:ext cx="1222298" cy="848838"/>
-                </a:xfrm>
-                <a:prstGeom prst="rect">
-                  <a:avLst/>
-                </a:prstGeom>
-                <a:noFill/>
-              </p:spPr>
-              <p:txBody>
-                <a:bodyPr wrap="square" rtlCol="0">
-                  <a:spAutoFit/>
-                </a:bodyPr>
-                <a:lstStyle/>
-                <a:p>
-                  <a:pPr>
-                    <a:spcBef>
-                      <a:spcPts val="200"/>
-                    </a:spcBef>
-                    <a:spcAft>
-                      <a:spcPts val="200"/>
-                    </a:spcAft>
-                  </a:pPr>
-                  <a:r>
-                    <a:rPr lang="en-US" sz="1100" dirty="0"/>
-                    <a:t>CHAR(20)</a:t>
-                  </a:r>
-                </a:p>
-                <a:p>
-                  <a:pPr>
-                    <a:spcBef>
-                      <a:spcPts val="200"/>
-                    </a:spcBef>
-                    <a:spcAft>
-                      <a:spcPts val="200"/>
-                    </a:spcAft>
-                  </a:pPr>
-                  <a:r>
-                    <a:rPr lang="en-US" sz="1100" dirty="0"/>
-                    <a:t>REAL</a:t>
-                  </a:r>
-                </a:p>
-                <a:p>
-                  <a:pPr>
-                    <a:spcBef>
-                      <a:spcPts val="200"/>
-                    </a:spcBef>
-                    <a:spcAft>
-                      <a:spcPts val="200"/>
-                    </a:spcAft>
-                  </a:pPr>
-                  <a:r>
-                    <a:rPr lang="en-US" sz="1100" dirty="0"/>
-                    <a:t>CHAR(20)</a:t>
-                  </a:r>
-                </a:p>
-              </p:txBody>
-            </p:sp>
-          </p:grpSp>
-        </p:grpSp>
-        <p:grpSp>
-          <p:nvGrpSpPr>
-            <p:cNvPr id="11" name="Group 10">
-              <a:extLst>
-                <a:ext uri="{FF2B5EF4-FFF2-40B4-BE49-F238E27FC236}">
-                  <a16:creationId xmlns:a16="http://schemas.microsoft.com/office/drawing/2014/main" id="{734A31C4-15B9-4EE3-8D5E-7534A57B3EFD}"/>
-                </a:ext>
-              </a:extLst>
-            </p:cNvPr>
-            <p:cNvGrpSpPr/>
-            <p:nvPr/>
-          </p:nvGrpSpPr>
-          <p:grpSpPr>
-            <a:xfrm>
-              <a:off x="650770" y="6572939"/>
-              <a:ext cx="6206390" cy="2271617"/>
-              <a:chOff x="-110390" y="4966612"/>
-              <a:chExt cx="6811347" cy="2390190"/>
-            </a:xfrm>
-          </p:grpSpPr>
-          <p:sp>
-            <p:nvSpPr>
-              <p:cNvPr id="4" name="Rectangle 3">
-                <a:extLst>
-                  <a:ext uri="{FF2B5EF4-FFF2-40B4-BE49-F238E27FC236}">
-                    <a16:creationId xmlns:a16="http://schemas.microsoft.com/office/drawing/2014/main" id="{D337DC99-CDAD-41A7-AAA9-07305F333F4F}"/>
-                  </a:ext>
-                </a:extLst>
-              </p:cNvPr>
-              <p:cNvSpPr/>
-              <p:nvPr/>
-            </p:nvSpPr>
-            <p:spPr>
-              <a:xfrm>
-                <a:off x="-110390" y="4966612"/>
-                <a:ext cx="6811347" cy="2390190"/>
-              </a:xfrm>
-              <a:prstGeom prst="rect">
-                <a:avLst/>
-              </a:prstGeom>
-              <a:noFill/>
-              <a:ln w="28575">
-                <a:solidFill>
-                  <a:schemeClr val="tx1"/>
-                </a:solidFill>
-              </a:ln>
-            </p:spPr>
-            <p:style>
-              <a:lnRef idx="2">
-                <a:schemeClr val="accent1">
-                  <a:shade val="50000"/>
-                </a:schemeClr>
-              </a:lnRef>
-              <a:fillRef idx="1">
-                <a:schemeClr val="accent1"/>
-              </a:fillRef>
-              <a:effectRef idx="0">
-                <a:schemeClr val="accent1"/>
-              </a:effectRef>
-              <a:fontRef idx="minor">
-                <a:schemeClr val="lt1"/>
-              </a:fontRef>
-            </p:style>
-            <p:txBody>
-              <a:bodyPr rtlCol="0" anchor="ctr"/>
-              <a:lstStyle/>
-              <a:p>
-                <a:pPr algn="ctr"/>
-                <a:endParaRPr lang="en-US"/>
-              </a:p>
-            </p:txBody>
-          </p:sp>
-          <p:grpSp>
-            <p:nvGrpSpPr>
-              <p:cNvPr id="67" name="Group 66">
-                <a:extLst>
-                  <a:ext uri="{FF2B5EF4-FFF2-40B4-BE49-F238E27FC236}">
-                    <a16:creationId xmlns:a16="http://schemas.microsoft.com/office/drawing/2014/main" id="{33B9D075-4050-4663-BF04-08BBFD7DB805}"/>
-                  </a:ext>
-                </a:extLst>
-              </p:cNvPr>
-              <p:cNvGrpSpPr/>
-              <p:nvPr/>
-            </p:nvGrpSpPr>
-            <p:grpSpPr>
-              <a:xfrm>
-                <a:off x="129431" y="5264360"/>
-                <a:ext cx="2307414" cy="1813184"/>
-                <a:chOff x="1614196" y="849086"/>
-                <a:chExt cx="2911151" cy="2500604"/>
-              </a:xfrm>
-            </p:grpSpPr>
-            <p:sp>
-              <p:nvSpPr>
-                <p:cNvPr id="68" name="Rectangle 67">
-                  <a:extLst>
-                    <a:ext uri="{FF2B5EF4-FFF2-40B4-BE49-F238E27FC236}">
-                      <a16:creationId xmlns:a16="http://schemas.microsoft.com/office/drawing/2014/main" id="{46235422-CC9D-4DF6-AE20-1C99C6B7FE52}"/>
-                    </a:ext>
-                  </a:extLst>
-                </p:cNvPr>
-                <p:cNvSpPr/>
-                <p:nvPr/>
-              </p:nvSpPr>
-              <p:spPr>
-                <a:xfrm>
-                  <a:off x="1614196" y="849086"/>
-                  <a:ext cx="2911151" cy="2500604"/>
-                </a:xfrm>
-                <a:prstGeom prst="rect">
-                  <a:avLst/>
-                </a:prstGeom>
-                <a:noFill/>
-                <a:ln w="28575">
-                  <a:solidFill>
-                    <a:schemeClr val="tx1"/>
-                  </a:solidFill>
-                </a:ln>
-              </p:spPr>
-              <p:style>
-                <a:lnRef idx="2">
-                  <a:schemeClr val="accent1">
-                    <a:shade val="50000"/>
-                  </a:schemeClr>
-                </a:lnRef>
-                <a:fillRef idx="1">
-                  <a:schemeClr val="accent1"/>
-                </a:fillRef>
-                <a:effectRef idx="0">
-                  <a:schemeClr val="accent1"/>
-                </a:effectRef>
-                <a:fontRef idx="minor">
-                  <a:schemeClr val="lt1"/>
-                </a:fontRef>
-              </p:style>
-              <p:txBody>
-                <a:bodyPr rtlCol="0" anchor="ctr"/>
-                <a:lstStyle/>
-                <a:p>
-                  <a:pPr algn="ctr"/>
-                  <a:endParaRPr lang="en-US"/>
-                </a:p>
-              </p:txBody>
-            </p:sp>
-            <p:cxnSp>
-              <p:nvCxnSpPr>
-                <p:cNvPr id="69" name="Straight Connector 68">
-                  <a:extLst>
-                    <a:ext uri="{FF2B5EF4-FFF2-40B4-BE49-F238E27FC236}">
-                      <a16:creationId xmlns:a16="http://schemas.microsoft.com/office/drawing/2014/main" id="{E34B65EE-E497-4FF6-845F-0D347F489F26}"/>
-                    </a:ext>
-                  </a:extLst>
-                </p:cNvPr>
-                <p:cNvCxnSpPr>
-                  <a:cxnSpLocks/>
-                </p:cNvCxnSpPr>
-                <p:nvPr/>
-              </p:nvCxnSpPr>
-              <p:spPr>
-                <a:xfrm>
-                  <a:off x="1614196" y="1418253"/>
-                  <a:ext cx="2911151" cy="0"/>
-                </a:xfrm>
-                <a:prstGeom prst="line">
-                  <a:avLst/>
-                </a:prstGeom>
-                <a:ln w="28575">
-                  <a:solidFill>
-                    <a:schemeClr val="tx1"/>
-                  </a:solidFill>
-                </a:ln>
-              </p:spPr>
-              <p:style>
-                <a:lnRef idx="1">
-                  <a:schemeClr val="accent1"/>
-                </a:lnRef>
-                <a:fillRef idx="0">
-                  <a:schemeClr val="accent1"/>
-                </a:fillRef>
-                <a:effectRef idx="0">
-                  <a:schemeClr val="accent1"/>
-                </a:effectRef>
-                <a:fontRef idx="minor">
-                  <a:schemeClr val="tx1"/>
-                </a:fontRef>
-              </p:style>
-            </p:cxnSp>
-            <p:sp>
-              <p:nvSpPr>
-                <p:cNvPr id="70" name="TextBox 69">
-                  <a:extLst>
-                    <a:ext uri="{FF2B5EF4-FFF2-40B4-BE49-F238E27FC236}">
-                      <a16:creationId xmlns:a16="http://schemas.microsoft.com/office/drawing/2014/main" id="{58315BCF-1DA0-4091-B41A-D367320FE16F}"/>
-                    </a:ext>
-                  </a:extLst>
-                </p:cNvPr>
-                <p:cNvSpPr txBox="1"/>
-                <p:nvPr/>
-              </p:nvSpPr>
-              <p:spPr>
-                <a:xfrm>
-                  <a:off x="2314790" y="865700"/>
-                  <a:ext cx="1625218" cy="535941"/>
-                </a:xfrm>
-                <a:prstGeom prst="rect">
-                  <a:avLst/>
-                </a:prstGeom>
-                <a:noFill/>
-              </p:spPr>
-              <p:txBody>
-                <a:bodyPr wrap="square" rtlCol="0">
-                  <a:spAutoFit/>
-                </a:bodyPr>
-                <a:lstStyle/>
-                <a:p>
-                  <a:r>
-                    <a:rPr lang="en-US" dirty="0"/>
-                    <a:t>comment</a:t>
-                  </a:r>
-                </a:p>
-              </p:txBody>
-            </p:sp>
-            <p:cxnSp>
-              <p:nvCxnSpPr>
-                <p:cNvPr id="71" name="Straight Connector 70">
-                  <a:extLst>
-                    <a:ext uri="{FF2B5EF4-FFF2-40B4-BE49-F238E27FC236}">
-                      <a16:creationId xmlns:a16="http://schemas.microsoft.com/office/drawing/2014/main" id="{02EFF6F6-861B-481B-9EBF-E988DA7B7170}"/>
-                    </a:ext>
-                  </a:extLst>
-                </p:cNvPr>
-                <p:cNvCxnSpPr>
-                  <a:endCxn id="68" idx="2"/>
-                </p:cNvCxnSpPr>
-                <p:nvPr/>
-              </p:nvCxnSpPr>
-              <p:spPr>
-                <a:xfrm>
-                  <a:off x="3069771" y="1418253"/>
-                  <a:ext cx="1" cy="1931437"/>
-                </a:xfrm>
-                <a:prstGeom prst="line">
-                  <a:avLst/>
-                </a:prstGeom>
-                <a:ln w="19050">
-                  <a:solidFill>
-                    <a:schemeClr val="tx1"/>
-                  </a:solidFill>
-                </a:ln>
-              </p:spPr>
-              <p:style>
-                <a:lnRef idx="1">
-                  <a:schemeClr val="accent1"/>
-                </a:lnRef>
-                <a:fillRef idx="0">
-                  <a:schemeClr val="accent1"/>
-                </a:fillRef>
-                <a:effectRef idx="0">
-                  <a:schemeClr val="accent1"/>
-                </a:effectRef>
-                <a:fontRef idx="minor">
-                  <a:schemeClr val="tx1"/>
-                </a:fontRef>
-              </p:style>
-            </p:cxnSp>
-            <p:sp>
-              <p:nvSpPr>
-                <p:cNvPr id="72" name="TextBox 71">
-                  <a:extLst>
-                    <a:ext uri="{FF2B5EF4-FFF2-40B4-BE49-F238E27FC236}">
-                      <a16:creationId xmlns:a16="http://schemas.microsoft.com/office/drawing/2014/main" id="{152945A0-E714-4481-ABBF-6F0C6D4EC90F}"/>
-                    </a:ext>
-                  </a:extLst>
-                </p:cNvPr>
-                <p:cNvSpPr txBox="1"/>
-                <p:nvPr/>
-              </p:nvSpPr>
-              <p:spPr>
-                <a:xfrm>
-                  <a:off x="1698111" y="1636620"/>
-                  <a:ext cx="1329491" cy="1569769"/>
-                </a:xfrm>
-                <a:prstGeom prst="rect">
-                  <a:avLst/>
-                </a:prstGeom>
-                <a:noFill/>
-              </p:spPr>
-              <p:txBody>
-                <a:bodyPr wrap="square" rtlCol="0">
-                  <a:spAutoFit/>
-                </a:bodyPr>
-                <a:lstStyle/>
-                <a:p>
-                  <a:pPr>
-                    <a:lnSpc>
-                      <a:spcPct val="150000"/>
-                    </a:lnSpc>
-                  </a:pPr>
-                  <a:r>
-                    <a:rPr lang="en-US" sz="1100" b="1" dirty="0"/>
-                    <a:t>id</a:t>
-                  </a:r>
-                </a:p>
-                <a:p>
-                  <a:pPr>
-                    <a:lnSpc>
-                      <a:spcPct val="150000"/>
-                    </a:lnSpc>
-                  </a:pPr>
-                  <a:r>
-                    <a:rPr lang="en-US" sz="1100" dirty="0"/>
-                    <a:t>created_time</a:t>
-                  </a:r>
-                </a:p>
-                <a:p>
-                  <a:pPr>
-                    <a:lnSpc>
-                      <a:spcPct val="150000"/>
-                    </a:lnSpc>
-                  </a:pPr>
-                  <a:r>
-                    <a:rPr lang="en-US" sz="1100" dirty="0"/>
-                    <a:t>attitude</a:t>
-                  </a:r>
-                </a:p>
-                <a:p>
-                  <a:pPr>
-                    <a:lnSpc>
-                      <a:spcPct val="150000"/>
-                    </a:lnSpc>
-                  </a:pPr>
-                  <a:r>
-                    <a:rPr lang="en-US" altLang="zh-CN" sz="1100" dirty="0"/>
-                    <a:t>details</a:t>
-                  </a:r>
-                  <a:endParaRPr lang="en-US" sz="1100" dirty="0"/>
-                </a:p>
-              </p:txBody>
-            </p:sp>
-            <p:sp>
-              <p:nvSpPr>
-                <p:cNvPr id="73" name="TextBox 72">
-                  <a:extLst>
-                    <a:ext uri="{FF2B5EF4-FFF2-40B4-BE49-F238E27FC236}">
-                      <a16:creationId xmlns:a16="http://schemas.microsoft.com/office/drawing/2014/main" id="{7CF409EC-C133-48E4-9629-E6A2BB205615}"/>
-                    </a:ext>
-                  </a:extLst>
-                </p:cNvPr>
-                <p:cNvSpPr txBox="1"/>
-                <p:nvPr/>
-              </p:nvSpPr>
-              <p:spPr>
-                <a:xfrm>
-                  <a:off x="3075798" y="1637119"/>
-                  <a:ext cx="1379106" cy="1569769"/>
-                </a:xfrm>
-                <a:prstGeom prst="rect">
-                  <a:avLst/>
-                </a:prstGeom>
-                <a:noFill/>
-              </p:spPr>
-              <p:txBody>
-                <a:bodyPr wrap="square" rtlCol="0">
-                  <a:spAutoFit/>
-                </a:bodyPr>
-                <a:lstStyle/>
-                <a:p>
-                  <a:pPr>
-                    <a:lnSpc>
-                      <a:spcPct val="150000"/>
-                    </a:lnSpc>
-                  </a:pPr>
-                  <a:r>
-                    <a:rPr lang="en-US" altLang="zh-CN" sz="1100" dirty="0"/>
-                    <a:t>INTEGER</a:t>
-                  </a:r>
-                </a:p>
-                <a:p>
-                  <a:pPr>
-                    <a:lnSpc>
-                      <a:spcPct val="150000"/>
-                    </a:lnSpc>
-                  </a:pPr>
-                  <a:r>
-                    <a:rPr lang="en-US" altLang="zh-CN" sz="1100" dirty="0"/>
-                    <a:t>TIMESTAMP</a:t>
-                  </a:r>
-                </a:p>
-                <a:p>
-                  <a:pPr>
-                    <a:lnSpc>
-                      <a:spcPct val="150000"/>
-                    </a:lnSpc>
-                  </a:pPr>
-                  <a:r>
-                    <a:rPr lang="en-US" sz="1100" dirty="0"/>
-                    <a:t>ENUM</a:t>
-                  </a:r>
-                </a:p>
-                <a:p>
-                  <a:pPr>
-                    <a:lnSpc>
-                      <a:spcPct val="150000"/>
-                    </a:lnSpc>
-                  </a:pPr>
-                  <a:r>
-                    <a:rPr lang="en-US" altLang="zh-CN" sz="1100" dirty="0"/>
-                    <a:t>CHAR(3000)</a:t>
-                  </a:r>
-                  <a:endParaRPr lang="en-US" sz="1100" dirty="0"/>
-                </a:p>
-              </p:txBody>
-            </p:sp>
-          </p:grpSp>
-          <p:grpSp>
-            <p:nvGrpSpPr>
-              <p:cNvPr id="74" name="Group 73">
-                <a:extLst>
-                  <a:ext uri="{FF2B5EF4-FFF2-40B4-BE49-F238E27FC236}">
-                    <a16:creationId xmlns:a16="http://schemas.microsoft.com/office/drawing/2014/main" id="{610C57F9-AD7E-4A2F-9BAE-0EE9929F3B01}"/>
-                  </a:ext>
-                </a:extLst>
-              </p:cNvPr>
-              <p:cNvGrpSpPr/>
-              <p:nvPr/>
-            </p:nvGrpSpPr>
-            <p:grpSpPr>
-              <a:xfrm>
-                <a:off x="4036978" y="5245869"/>
-                <a:ext cx="2177208" cy="1831676"/>
-                <a:chOff x="1614196" y="849086"/>
-                <a:chExt cx="2911151" cy="2500604"/>
-              </a:xfrm>
-            </p:grpSpPr>
-            <p:sp>
-              <p:nvSpPr>
-                <p:cNvPr id="75" name="Rectangle 74">
-                  <a:extLst>
-                    <a:ext uri="{FF2B5EF4-FFF2-40B4-BE49-F238E27FC236}">
-                      <a16:creationId xmlns:a16="http://schemas.microsoft.com/office/drawing/2014/main" id="{FDA00C38-ABC8-471F-A890-F55D51175AD5}"/>
-                    </a:ext>
-                  </a:extLst>
-                </p:cNvPr>
-                <p:cNvSpPr/>
-                <p:nvPr/>
-              </p:nvSpPr>
-              <p:spPr>
-                <a:xfrm>
-                  <a:off x="1614196" y="849086"/>
-                  <a:ext cx="2911151" cy="2500604"/>
-                </a:xfrm>
-                <a:prstGeom prst="rect">
-                  <a:avLst/>
-                </a:prstGeom>
-                <a:noFill/>
-                <a:ln w="28575">
-                  <a:solidFill>
-                    <a:schemeClr val="tx1"/>
-                  </a:solidFill>
-                </a:ln>
-              </p:spPr>
-              <p:style>
-                <a:lnRef idx="2">
-                  <a:schemeClr val="accent1">
-                    <a:shade val="50000"/>
-                  </a:schemeClr>
-                </a:lnRef>
-                <a:fillRef idx="1">
-                  <a:schemeClr val="accent1"/>
-                </a:fillRef>
-                <a:effectRef idx="0">
-                  <a:schemeClr val="accent1"/>
-                </a:effectRef>
-                <a:fontRef idx="minor">
-                  <a:schemeClr val="lt1"/>
-                </a:fontRef>
-              </p:style>
-              <p:txBody>
-                <a:bodyPr rtlCol="0" anchor="ctr"/>
-                <a:lstStyle/>
-                <a:p>
-                  <a:pPr algn="ctr"/>
-                  <a:endParaRPr lang="en-US"/>
-                </a:p>
-              </p:txBody>
-            </p:sp>
-            <p:cxnSp>
-              <p:nvCxnSpPr>
-                <p:cNvPr id="76" name="Straight Connector 75">
-                  <a:extLst>
-                    <a:ext uri="{FF2B5EF4-FFF2-40B4-BE49-F238E27FC236}">
-                      <a16:creationId xmlns:a16="http://schemas.microsoft.com/office/drawing/2014/main" id="{83214991-0D79-49DB-BE86-E395A594F04D}"/>
-                    </a:ext>
-                  </a:extLst>
-                </p:cNvPr>
-                <p:cNvCxnSpPr>
-                  <a:cxnSpLocks/>
-                </p:cNvCxnSpPr>
-                <p:nvPr/>
-              </p:nvCxnSpPr>
-              <p:spPr>
-                <a:xfrm>
-                  <a:off x="1614196" y="1418253"/>
-                  <a:ext cx="2911151" cy="0"/>
-                </a:xfrm>
-                <a:prstGeom prst="line">
-                  <a:avLst/>
-                </a:prstGeom>
-                <a:ln w="28575">
-                  <a:solidFill>
-                    <a:schemeClr val="tx1"/>
-                  </a:solidFill>
-                </a:ln>
-              </p:spPr>
-              <p:style>
-                <a:lnRef idx="1">
-                  <a:schemeClr val="accent1"/>
-                </a:lnRef>
-                <a:fillRef idx="0">
-                  <a:schemeClr val="accent1"/>
-                </a:fillRef>
-                <a:effectRef idx="0">
-                  <a:schemeClr val="accent1"/>
-                </a:effectRef>
-                <a:fontRef idx="minor">
-                  <a:schemeClr val="tx1"/>
-                </a:fontRef>
-              </p:style>
-            </p:cxnSp>
-            <p:sp>
-              <p:nvSpPr>
-                <p:cNvPr id="77" name="TextBox 76">
-                  <a:extLst>
-                    <a:ext uri="{FF2B5EF4-FFF2-40B4-BE49-F238E27FC236}">
-                      <a16:creationId xmlns:a16="http://schemas.microsoft.com/office/drawing/2014/main" id="{FD3B7CCA-9C0B-4C48-9AAE-6068D746C807}"/>
-                    </a:ext>
-                  </a:extLst>
-                </p:cNvPr>
-                <p:cNvSpPr txBox="1"/>
-                <p:nvPr/>
-              </p:nvSpPr>
-              <p:spPr>
-                <a:xfrm>
-                  <a:off x="2631233" y="949004"/>
-                  <a:ext cx="1455575" cy="369332"/>
-                </a:xfrm>
-                <a:prstGeom prst="rect">
-                  <a:avLst/>
-                </a:prstGeom>
-                <a:noFill/>
-              </p:spPr>
-              <p:txBody>
-                <a:bodyPr wrap="square" rtlCol="0">
-                  <a:spAutoFit/>
-                </a:bodyPr>
-                <a:lstStyle/>
-                <a:p>
-                  <a:r>
-                    <a:rPr lang="en-US" dirty="0"/>
-                    <a:t>user</a:t>
-                  </a:r>
-                </a:p>
-              </p:txBody>
-            </p:sp>
-            <p:cxnSp>
-              <p:nvCxnSpPr>
-                <p:cNvPr id="78" name="Straight Connector 77">
-                  <a:extLst>
-                    <a:ext uri="{FF2B5EF4-FFF2-40B4-BE49-F238E27FC236}">
-                      <a16:creationId xmlns:a16="http://schemas.microsoft.com/office/drawing/2014/main" id="{988CA8F5-1752-48B3-A212-CBFBCEAC9577}"/>
-                    </a:ext>
-                  </a:extLst>
-                </p:cNvPr>
-                <p:cNvCxnSpPr>
-                  <a:endCxn id="75" idx="2"/>
-                </p:cNvCxnSpPr>
-                <p:nvPr/>
-              </p:nvCxnSpPr>
-              <p:spPr>
-                <a:xfrm>
-                  <a:off x="3069771" y="1418253"/>
-                  <a:ext cx="1" cy="1931437"/>
-                </a:xfrm>
-                <a:prstGeom prst="line">
-                  <a:avLst/>
-                </a:prstGeom>
-                <a:ln w="19050">
-                  <a:solidFill>
-                    <a:schemeClr val="tx1"/>
-                  </a:solidFill>
-                </a:ln>
-              </p:spPr>
-              <p:style>
-                <a:lnRef idx="1">
-                  <a:schemeClr val="accent1"/>
-                </a:lnRef>
-                <a:fillRef idx="0">
-                  <a:schemeClr val="accent1"/>
-                </a:fillRef>
-                <a:effectRef idx="0">
-                  <a:schemeClr val="accent1"/>
-                </a:effectRef>
-                <a:fontRef idx="minor">
-                  <a:schemeClr val="tx1"/>
-                </a:fontRef>
-              </p:style>
-            </p:cxnSp>
-            <p:sp>
-              <p:nvSpPr>
-                <p:cNvPr id="79" name="TextBox 78">
-                  <a:extLst>
-                    <a:ext uri="{FF2B5EF4-FFF2-40B4-BE49-F238E27FC236}">
-                      <a16:creationId xmlns:a16="http://schemas.microsoft.com/office/drawing/2014/main" id="{C1739495-448D-4977-B50C-691F165D78AB}"/>
-                    </a:ext>
-                  </a:extLst>
-                </p:cNvPr>
-                <p:cNvSpPr txBox="1"/>
-                <p:nvPr/>
-              </p:nvSpPr>
-              <p:spPr>
-                <a:xfrm>
-                  <a:off x="1772815" y="1558212"/>
-                  <a:ext cx="1222300" cy="1553921"/>
-                </a:xfrm>
-                <a:prstGeom prst="rect">
-                  <a:avLst/>
-                </a:prstGeom>
-                <a:noFill/>
-              </p:spPr>
-              <p:txBody>
-                <a:bodyPr wrap="square" rtlCol="0">
-                  <a:spAutoFit/>
-                </a:bodyPr>
-                <a:lstStyle/>
-                <a:p>
-                  <a:pPr>
-                    <a:lnSpc>
-                      <a:spcPct val="150000"/>
-                    </a:lnSpc>
-                  </a:pPr>
-                  <a:r>
-                    <a:rPr lang="en-US" sz="1100" b="1" dirty="0"/>
-                    <a:t>username</a:t>
-                  </a:r>
-                </a:p>
-                <a:p>
-                  <a:pPr>
-                    <a:lnSpc>
-                      <a:spcPct val="150000"/>
-                    </a:lnSpc>
-                  </a:pPr>
-                  <a:r>
-                    <a:rPr lang="en-US" sz="1100" dirty="0"/>
-                    <a:t>age</a:t>
-                  </a:r>
-                </a:p>
-                <a:p>
-                  <a:pPr>
-                    <a:lnSpc>
-                      <a:spcPct val="150000"/>
-                    </a:lnSpc>
-                  </a:pPr>
-                  <a:r>
-                    <a:rPr lang="en-US" sz="1100" dirty="0"/>
-                    <a:t>gender</a:t>
-                  </a:r>
-                </a:p>
-                <a:p>
-                  <a:pPr>
-                    <a:lnSpc>
-                      <a:spcPct val="150000"/>
-                    </a:lnSpc>
-                  </a:pPr>
-                  <a:r>
-                    <a:rPr lang="en-US" sz="1100" dirty="0"/>
-                    <a:t>race</a:t>
-                  </a:r>
-                </a:p>
-              </p:txBody>
-            </p:sp>
-            <p:sp>
-              <p:nvSpPr>
-                <p:cNvPr id="88" name="TextBox 87">
-                  <a:extLst>
-                    <a:ext uri="{FF2B5EF4-FFF2-40B4-BE49-F238E27FC236}">
-                      <a16:creationId xmlns:a16="http://schemas.microsoft.com/office/drawing/2014/main" id="{E369EC24-B0B5-4BF0-98EC-352AF892D990}"/>
-                    </a:ext>
-                  </a:extLst>
-                </p:cNvPr>
-                <p:cNvSpPr txBox="1"/>
-                <p:nvPr/>
-              </p:nvSpPr>
-              <p:spPr>
-                <a:xfrm>
-                  <a:off x="3248277" y="1573144"/>
-                  <a:ext cx="1222300" cy="1553921"/>
-                </a:xfrm>
-                <a:prstGeom prst="rect">
-                  <a:avLst/>
-                </a:prstGeom>
-                <a:noFill/>
-              </p:spPr>
-              <p:txBody>
-                <a:bodyPr wrap="square" rtlCol="0">
-                  <a:spAutoFit/>
-                </a:bodyPr>
-                <a:lstStyle/>
-                <a:p>
-                  <a:pPr>
-                    <a:lnSpc>
-                      <a:spcPct val="150000"/>
-                    </a:lnSpc>
-                  </a:pPr>
-                  <a:r>
-                    <a:rPr lang="en-US" sz="1100" dirty="0"/>
-                    <a:t>CHAR(50)</a:t>
-                  </a:r>
-                </a:p>
-                <a:p>
-                  <a:pPr>
-                    <a:lnSpc>
-                      <a:spcPct val="150000"/>
-                    </a:lnSpc>
-                  </a:pPr>
-                  <a:r>
-                    <a:rPr lang="en-US" sz="1100" dirty="0"/>
-                    <a:t>INTEGER</a:t>
-                  </a:r>
-                </a:p>
-                <a:p>
-                  <a:pPr>
-                    <a:lnSpc>
-                      <a:spcPct val="150000"/>
-                    </a:lnSpc>
-                  </a:pPr>
-                  <a:r>
-                    <a:rPr lang="en-US" sz="1100" dirty="0"/>
-                    <a:t>ENUM</a:t>
-                  </a:r>
-                </a:p>
-                <a:p>
-                  <a:pPr>
-                    <a:lnSpc>
-                      <a:spcPct val="150000"/>
-                    </a:lnSpc>
-                  </a:pPr>
-                  <a:r>
-                    <a:rPr lang="en-US" sz="1100" dirty="0"/>
-                    <a:t>ENUM</a:t>
-                  </a:r>
-                </a:p>
-              </p:txBody>
-            </p:sp>
-          </p:grpSp>
-          <p:grpSp>
-            <p:nvGrpSpPr>
-              <p:cNvPr id="90" name="Group 89">
-                <a:extLst>
-                  <a:ext uri="{FF2B5EF4-FFF2-40B4-BE49-F238E27FC236}">
-                    <a16:creationId xmlns:a16="http://schemas.microsoft.com/office/drawing/2014/main" id="{BE021EA1-8FF7-4EEA-8C91-51FDFF424C25}"/>
-                  </a:ext>
-                </a:extLst>
-              </p:cNvPr>
-              <p:cNvGrpSpPr/>
-              <p:nvPr/>
-            </p:nvGrpSpPr>
-            <p:grpSpPr>
-              <a:xfrm>
-                <a:off x="2786205" y="5841768"/>
-                <a:ext cx="923225" cy="658367"/>
-                <a:chOff x="1940768" y="1203649"/>
-                <a:chExt cx="2547256" cy="1259632"/>
-              </a:xfrm>
-            </p:grpSpPr>
-            <p:sp>
-              <p:nvSpPr>
-                <p:cNvPr id="91" name="Flowchart: Decision 90">
-                  <a:extLst>
-                    <a:ext uri="{FF2B5EF4-FFF2-40B4-BE49-F238E27FC236}">
-                      <a16:creationId xmlns:a16="http://schemas.microsoft.com/office/drawing/2014/main" id="{52BE1FBD-3460-4785-A081-22E2DE0733BB}"/>
-                    </a:ext>
-                  </a:extLst>
-                </p:cNvPr>
-                <p:cNvSpPr/>
-                <p:nvPr/>
-              </p:nvSpPr>
-              <p:spPr>
-                <a:xfrm>
-                  <a:off x="1940768" y="1203649"/>
-                  <a:ext cx="2547256" cy="1259632"/>
-                </a:xfrm>
-                <a:prstGeom prst="flowChartDecision">
-                  <a:avLst/>
-                </a:prstGeom>
-                <a:noFill/>
-                <a:ln w="28575">
-                  <a:solidFill>
-                    <a:schemeClr val="tx1"/>
-                  </a:solidFill>
-                </a:ln>
-              </p:spPr>
-              <p:style>
-                <a:lnRef idx="2">
-                  <a:schemeClr val="accent1">
-                    <a:shade val="50000"/>
-                  </a:schemeClr>
-                </a:lnRef>
-                <a:fillRef idx="1">
-                  <a:schemeClr val="accent1"/>
-                </a:fillRef>
-                <a:effectRef idx="0">
-                  <a:schemeClr val="accent1"/>
-                </a:effectRef>
-                <a:fontRef idx="minor">
-                  <a:schemeClr val="lt1"/>
-                </a:fontRef>
-              </p:style>
-              <p:txBody>
-                <a:bodyPr rtlCol="0" anchor="ctr"/>
-                <a:lstStyle/>
-                <a:p>
-                  <a:pPr algn="ctr"/>
-                  <a:endParaRPr lang="en-US"/>
-                </a:p>
-              </p:txBody>
-            </p:sp>
-            <p:sp>
-              <p:nvSpPr>
-                <p:cNvPr id="92" name="TextBox 91">
-                  <a:extLst>
-                    <a:ext uri="{FF2B5EF4-FFF2-40B4-BE49-F238E27FC236}">
-                      <a16:creationId xmlns:a16="http://schemas.microsoft.com/office/drawing/2014/main" id="{DF62B66D-42DC-4B52-8952-6C1FB131C76E}"/>
-                    </a:ext>
-                  </a:extLst>
-                </p:cNvPr>
-                <p:cNvSpPr txBox="1"/>
-                <p:nvPr/>
-              </p:nvSpPr>
-              <p:spPr>
-                <a:xfrm>
-                  <a:off x="2268267" y="1487080"/>
-                  <a:ext cx="2065707" cy="681555"/>
-                </a:xfrm>
-                <a:prstGeom prst="rect">
-                  <a:avLst/>
-                </a:prstGeom>
-                <a:noFill/>
-              </p:spPr>
-              <p:txBody>
-                <a:bodyPr wrap="square" rtlCol="0">
-                  <a:spAutoFit/>
-                </a:bodyPr>
-                <a:lstStyle/>
-                <a:p>
-                  <a:r>
-                    <a:rPr lang="en-US" altLang="zh-CN" sz="800" dirty="0"/>
-                    <a:t>comment_publish</a:t>
-                  </a:r>
-                  <a:endParaRPr lang="en-US" sz="800" dirty="0"/>
-                </a:p>
-              </p:txBody>
-            </p:sp>
-          </p:grpSp>
-          <p:cxnSp>
-            <p:nvCxnSpPr>
-              <p:cNvPr id="8" name="Straight Connector 7">
-                <a:extLst>
-                  <a:ext uri="{FF2B5EF4-FFF2-40B4-BE49-F238E27FC236}">
-                    <a16:creationId xmlns:a16="http://schemas.microsoft.com/office/drawing/2014/main" id="{1341DA77-46A4-4E1B-BEA7-07149689AAD6}"/>
-                  </a:ext>
-                </a:extLst>
-              </p:cNvPr>
-              <p:cNvCxnSpPr>
-                <a:stCxn id="68" idx="3"/>
-                <a:endCxn id="91" idx="1"/>
-              </p:cNvCxnSpPr>
-              <p:nvPr/>
-            </p:nvCxnSpPr>
-            <p:spPr>
-              <a:xfrm>
-                <a:off x="2436845" y="6170952"/>
-                <a:ext cx="349360" cy="0"/>
-              </a:xfrm>
-              <a:prstGeom prst="line">
-                <a:avLst/>
-              </a:prstGeom>
-              <a:ln w="28575">
-                <a:solidFill>
-                  <a:schemeClr val="tx1"/>
-                </a:solidFill>
-              </a:ln>
-            </p:spPr>
-            <p:style>
-              <a:lnRef idx="1">
-                <a:schemeClr val="accent1"/>
-              </a:lnRef>
-              <a:fillRef idx="0">
-                <a:schemeClr val="accent1"/>
-              </a:fillRef>
-              <a:effectRef idx="0">
-                <a:schemeClr val="accent1"/>
-              </a:effectRef>
-              <a:fontRef idx="minor">
-                <a:schemeClr val="tx1"/>
-              </a:fontRef>
-            </p:style>
-          </p:cxnSp>
-          <p:cxnSp>
-            <p:nvCxnSpPr>
-              <p:cNvPr id="10" name="Straight Arrow Connector 9">
-                <a:extLst>
-                  <a:ext uri="{FF2B5EF4-FFF2-40B4-BE49-F238E27FC236}">
-                    <a16:creationId xmlns:a16="http://schemas.microsoft.com/office/drawing/2014/main" id="{69D1982D-28C7-4DF6-8ECD-E429CDCC9D2E}"/>
-                  </a:ext>
-                </a:extLst>
-              </p:cNvPr>
-              <p:cNvCxnSpPr>
-                <a:stCxn id="91" idx="3"/>
-              </p:cNvCxnSpPr>
-              <p:nvPr/>
-            </p:nvCxnSpPr>
-            <p:spPr>
-              <a:xfrm flipV="1">
-                <a:off x="3709430" y="6170951"/>
-                <a:ext cx="327548" cy="1"/>
-              </a:xfrm>
-              <a:prstGeom prst="straightConnector1">
-                <a:avLst/>
-              </a:prstGeom>
-              <a:ln w="28575">
-                <a:solidFill>
-                  <a:schemeClr val="tx1"/>
-                </a:solidFill>
-                <a:tailEnd type="triangle"/>
-              </a:ln>
-            </p:spPr>
-            <p:style>
-              <a:lnRef idx="1">
-                <a:schemeClr val="accent1"/>
-              </a:lnRef>
-              <a:fillRef idx="0">
-                <a:schemeClr val="accent1"/>
-              </a:fillRef>
-              <a:effectRef idx="0">
-                <a:schemeClr val="accent1"/>
-              </a:effectRef>
-              <a:fontRef idx="minor">
-                <a:schemeClr val="tx1"/>
-              </a:fontRef>
-            </p:style>
-          </p:cxnSp>
-        </p:grpSp>
-        <p:grpSp>
-          <p:nvGrpSpPr>
-            <p:cNvPr id="19" name="Group 18">
-              <a:extLst>
-                <a:ext uri="{FF2B5EF4-FFF2-40B4-BE49-F238E27FC236}">
-                  <a16:creationId xmlns:a16="http://schemas.microsoft.com/office/drawing/2014/main" id="{589BE3FD-4660-41AC-B32F-8AFCBF4E0E7D}"/>
-                </a:ext>
-              </a:extLst>
-            </p:cNvPr>
-            <p:cNvGrpSpPr/>
-            <p:nvPr/>
-          </p:nvGrpSpPr>
-          <p:grpSpPr>
-            <a:xfrm>
-              <a:off x="405884" y="559696"/>
-              <a:ext cx="10444061" cy="6030816"/>
-              <a:chOff x="405884" y="559696"/>
-              <a:chExt cx="10444061" cy="6030816"/>
-            </a:xfrm>
-          </p:grpSpPr>
-          <p:grpSp>
-            <p:nvGrpSpPr>
-              <p:cNvPr id="65" name="Group 64">
-                <a:extLst>
-                  <a:ext uri="{FF2B5EF4-FFF2-40B4-BE49-F238E27FC236}">
-                    <a16:creationId xmlns:a16="http://schemas.microsoft.com/office/drawing/2014/main" id="{74A5FB32-1175-4B17-8647-7079D8AD088C}"/>
-                  </a:ext>
-                </a:extLst>
-              </p:cNvPr>
-              <p:cNvGrpSpPr/>
-              <p:nvPr/>
-            </p:nvGrpSpPr>
-            <p:grpSpPr>
-              <a:xfrm>
-                <a:off x="4349413" y="559696"/>
-                <a:ext cx="2057168" cy="2392433"/>
-                <a:chOff x="5877453" y="3068835"/>
-                <a:chExt cx="2911151" cy="2864666"/>
-              </a:xfrm>
-            </p:grpSpPr>
-            <p:grpSp>
-              <p:nvGrpSpPr>
-                <p:cNvPr id="51" name="Group 50">
-                  <a:extLst>
-                    <a:ext uri="{FF2B5EF4-FFF2-40B4-BE49-F238E27FC236}">
-                      <a16:creationId xmlns:a16="http://schemas.microsoft.com/office/drawing/2014/main" id="{97CB04CB-6DC4-4B19-8AC5-9890BFB08EB4}"/>
+                      <a16:creationId xmlns:a16="http://schemas.microsoft.com/office/drawing/2014/main" id="{33B9D075-4050-4663-BF04-08BBFD7DB805}"/>
                     </a:ext>
                   </a:extLst>
                 </p:cNvPr>
@@ -7795,18 +6948,18 @@
               </p:nvGrpSpPr>
               <p:grpSpPr>
                 <a:xfrm>
-                  <a:off x="5877453" y="3068835"/>
-                  <a:ext cx="2911151" cy="2500603"/>
+                  <a:off x="129431" y="5264360"/>
+                  <a:ext cx="2307414" cy="1813184"/>
                   <a:chOff x="1614196" y="849086"/>
                   <a:chExt cx="2911151" cy="2500604"/>
                 </a:xfrm>
               </p:grpSpPr>
               <p:sp>
                 <p:nvSpPr>
-                  <p:cNvPr id="53" name="Rectangle 52">
+                  <p:cNvPr id="68" name="Rectangle 67">
                     <a:extLst>
                       <a:ext uri="{FF2B5EF4-FFF2-40B4-BE49-F238E27FC236}">
-                        <a16:creationId xmlns:a16="http://schemas.microsoft.com/office/drawing/2014/main" id="{4D7870D5-603A-4435-9949-1217E39A8B0D}"/>
+                        <a16:creationId xmlns:a16="http://schemas.microsoft.com/office/drawing/2014/main" id="{46235422-CC9D-4DF6-AE20-1C99C6B7FE52}"/>
                       </a:ext>
                     </a:extLst>
                   </p:cNvPr>
@@ -7855,10 +7008,10 @@
               </p:sp>
               <p:cxnSp>
                 <p:nvCxnSpPr>
-                  <p:cNvPr id="54" name="Straight Connector 53">
+                  <p:cNvPr id="69" name="Straight Connector 68">
                     <a:extLst>
                       <a:ext uri="{FF2B5EF4-FFF2-40B4-BE49-F238E27FC236}">
-                        <a16:creationId xmlns:a16="http://schemas.microsoft.com/office/drawing/2014/main" id="{9229272C-1646-495C-B1C6-D1B582E8FFC7}"/>
+                        <a16:creationId xmlns:a16="http://schemas.microsoft.com/office/drawing/2014/main" id="{E34B65EE-E497-4FF6-845F-0D347F489F26}"/>
                       </a:ext>
                     </a:extLst>
                   </p:cNvPr>
@@ -7898,10 +7051,10 @@
               </p:cxnSp>
               <p:sp>
                 <p:nvSpPr>
-                  <p:cNvPr id="55" name="TextBox 54">
+                  <p:cNvPr id="70" name="TextBox 69">
                     <a:extLst>
                       <a:ext uri="{FF2B5EF4-FFF2-40B4-BE49-F238E27FC236}">
-                        <a16:creationId xmlns:a16="http://schemas.microsoft.com/office/drawing/2014/main" id="{4F93B254-5EB1-40B5-A467-B28F4751FFA0}"/>
+                        <a16:creationId xmlns:a16="http://schemas.microsoft.com/office/drawing/2014/main" id="{58315BCF-1DA0-4091-B41A-D367320FE16F}"/>
                       </a:ext>
                     </a:extLst>
                   </p:cNvPr>
@@ -7910,8 +7063,8 @@
                 </p:nvSpPr>
                 <p:spPr>
                   <a:xfrm>
-                    <a:off x="2702033" y="933454"/>
-                    <a:ext cx="1455575" cy="369331"/>
+                    <a:off x="2314790" y="865700"/>
+                    <a:ext cx="1625218" cy="535941"/>
                   </a:xfrm>
                   <a:prstGeom prst="rect">
                     <a:avLst/>
@@ -7926,22 +7079,22 @@
                   <a:p>
                     <a:r>
                       <a:rPr lang="en-US" dirty="0"/>
-                      <a:t>city</a:t>
+                      <a:t>comment</a:t>
                     </a:r>
                   </a:p>
                 </p:txBody>
               </p:sp>
               <p:cxnSp>
                 <p:nvCxnSpPr>
-                  <p:cNvPr id="56" name="Straight Connector 55">
+                  <p:cNvPr id="71" name="Straight Connector 70">
                     <a:extLst>
                       <a:ext uri="{FF2B5EF4-FFF2-40B4-BE49-F238E27FC236}">
-                        <a16:creationId xmlns:a16="http://schemas.microsoft.com/office/drawing/2014/main" id="{05F398BB-557C-4B42-85AF-DB9F6CB18809}"/>
+                        <a16:creationId xmlns:a16="http://schemas.microsoft.com/office/drawing/2014/main" id="{02EFF6F6-861B-481B-9EBF-E988DA7B7170}"/>
                       </a:ext>
                     </a:extLst>
                   </p:cNvPr>
                   <p:cNvCxnSpPr>
-                    <a:endCxn id="53" idx="2"/>
+                    <a:endCxn id="68" idx="2"/>
                   </p:cNvCxnSpPr>
                   <p:nvPr/>
                 </p:nvCxnSpPr>
@@ -7974,1051 +7127,161 @@
                   </a:fontRef>
                 </p:style>
               </p:cxnSp>
+              <p:sp>
+                <p:nvSpPr>
+                  <p:cNvPr id="72" name="TextBox 71">
+                    <a:extLst>
+                      <a:ext uri="{FF2B5EF4-FFF2-40B4-BE49-F238E27FC236}">
+                        <a16:creationId xmlns:a16="http://schemas.microsoft.com/office/drawing/2014/main" id="{152945A0-E714-4481-ABBF-6F0C6D4EC90F}"/>
+                      </a:ext>
+                    </a:extLst>
+                  </p:cNvPr>
+                  <p:cNvSpPr txBox="1"/>
+                  <p:nvPr/>
+                </p:nvSpPr>
+                <p:spPr>
+                  <a:xfrm>
+                    <a:off x="1698111" y="1636620"/>
+                    <a:ext cx="1329491" cy="1569769"/>
+                  </a:xfrm>
+                  <a:prstGeom prst="rect">
+                    <a:avLst/>
+                  </a:prstGeom>
+                  <a:noFill/>
+                </p:spPr>
+                <p:txBody>
+                  <a:bodyPr wrap="square" rtlCol="0">
+                    <a:spAutoFit/>
+                  </a:bodyPr>
+                  <a:lstStyle/>
+                  <a:p>
+                    <a:pPr>
+                      <a:lnSpc>
+                        <a:spcPct val="150000"/>
+                      </a:lnSpc>
+                    </a:pPr>
+                    <a:r>
+                      <a:rPr lang="en-US" sz="1100" b="1" dirty="0"/>
+                      <a:t>id</a:t>
+                    </a:r>
+                  </a:p>
+                  <a:p>
+                    <a:pPr>
+                      <a:lnSpc>
+                        <a:spcPct val="150000"/>
+                      </a:lnSpc>
+                    </a:pPr>
+                    <a:r>
+                      <a:rPr lang="en-US" sz="1100" dirty="0"/>
+                      <a:t>created_time</a:t>
+                    </a:r>
+                  </a:p>
+                  <a:p>
+                    <a:pPr>
+                      <a:lnSpc>
+                        <a:spcPct val="150000"/>
+                      </a:lnSpc>
+                    </a:pPr>
+                    <a:r>
+                      <a:rPr lang="en-US" sz="1100" dirty="0"/>
+                      <a:t>attitude</a:t>
+                    </a:r>
+                  </a:p>
+                  <a:p>
+                    <a:pPr>
+                      <a:lnSpc>
+                        <a:spcPct val="150000"/>
+                      </a:lnSpc>
+                    </a:pPr>
+                    <a:r>
+                      <a:rPr lang="en-US" altLang="zh-CN" sz="1100" dirty="0"/>
+                      <a:t>details</a:t>
+                    </a:r>
+                    <a:endParaRPr lang="en-US" sz="1100" dirty="0"/>
+                  </a:p>
+                </p:txBody>
+              </p:sp>
+              <p:sp>
+                <p:nvSpPr>
+                  <p:cNvPr id="73" name="TextBox 72">
+                    <a:extLst>
+                      <a:ext uri="{FF2B5EF4-FFF2-40B4-BE49-F238E27FC236}">
+                        <a16:creationId xmlns:a16="http://schemas.microsoft.com/office/drawing/2014/main" id="{7CF409EC-C133-48E4-9629-E6A2BB205615}"/>
+                      </a:ext>
+                    </a:extLst>
+                  </p:cNvPr>
+                  <p:cNvSpPr txBox="1"/>
+                  <p:nvPr/>
+                </p:nvSpPr>
+                <p:spPr>
+                  <a:xfrm>
+                    <a:off x="3075798" y="1637119"/>
+                    <a:ext cx="1379106" cy="1569769"/>
+                  </a:xfrm>
+                  <a:prstGeom prst="rect">
+                    <a:avLst/>
+                  </a:prstGeom>
+                  <a:noFill/>
+                </p:spPr>
+                <p:txBody>
+                  <a:bodyPr wrap="square" rtlCol="0">
+                    <a:spAutoFit/>
+                  </a:bodyPr>
+                  <a:lstStyle/>
+                  <a:p>
+                    <a:pPr>
+                      <a:lnSpc>
+                        <a:spcPct val="150000"/>
+                      </a:lnSpc>
+                    </a:pPr>
+                    <a:r>
+                      <a:rPr lang="en-US" altLang="zh-CN" sz="1100" dirty="0"/>
+                      <a:t>INTEGER</a:t>
+                    </a:r>
+                  </a:p>
+                  <a:p>
+                    <a:pPr>
+                      <a:lnSpc>
+                        <a:spcPct val="150000"/>
+                      </a:lnSpc>
+                    </a:pPr>
+                    <a:r>
+                      <a:rPr lang="en-US" altLang="zh-CN" sz="1100" dirty="0"/>
+                      <a:t>TIMESTAMP</a:t>
+                    </a:r>
+                  </a:p>
+                  <a:p>
+                    <a:pPr>
+                      <a:lnSpc>
+                        <a:spcPct val="150000"/>
+                      </a:lnSpc>
+                    </a:pPr>
+                    <a:r>
+                      <a:rPr lang="en-US" sz="1100" dirty="0"/>
+                      <a:t>ENUM</a:t>
+                    </a:r>
+                  </a:p>
+                  <a:p>
+                    <a:pPr>
+                      <a:lnSpc>
+                        <a:spcPct val="150000"/>
+                      </a:lnSpc>
+                    </a:pPr>
+                    <a:r>
+                      <a:rPr lang="en-US" altLang="zh-CN" sz="1100" dirty="0"/>
+                      <a:t>CHAR(3000)</a:t>
+                    </a:r>
+                    <a:endParaRPr lang="en-US" sz="1100" dirty="0"/>
+                  </a:p>
+                </p:txBody>
+              </p:sp>
             </p:grpSp>
-            <p:sp>
-              <p:nvSpPr>
-                <p:cNvPr id="62" name="TextBox 61">
+            <p:grpSp>
+              <p:nvGrpSpPr>
+                <p:cNvPr id="74" name="Group 73">
                   <a:extLst>
                     <a:ext uri="{FF2B5EF4-FFF2-40B4-BE49-F238E27FC236}">
-                      <a16:creationId xmlns:a16="http://schemas.microsoft.com/office/drawing/2014/main" id="{E9E1B86D-8E7E-45FE-96E6-5D756105F4A5}"/>
-                    </a:ext>
-                  </a:extLst>
-                </p:cNvPr>
-                <p:cNvSpPr txBox="1"/>
-                <p:nvPr/>
-              </p:nvSpPr>
-              <p:spPr>
-                <a:xfrm>
-                  <a:off x="5966987" y="3673200"/>
-                  <a:ext cx="1520453" cy="2260301"/>
-                </a:xfrm>
-                <a:prstGeom prst="rect">
-                  <a:avLst/>
-                </a:prstGeom>
-                <a:noFill/>
-              </p:spPr>
-              <p:txBody>
-                <a:bodyPr wrap="square" rtlCol="0">
-                  <a:spAutoFit/>
-                </a:bodyPr>
-                <a:lstStyle/>
-                <a:p>
-                  <a:pPr>
-                    <a:spcBef>
-                      <a:spcPts val="200"/>
-                    </a:spcBef>
-                    <a:spcAft>
-                      <a:spcPts val="200"/>
-                    </a:spcAft>
-                  </a:pPr>
-                  <a:r>
-                    <a:rPr lang="en-US" sz="1100" dirty="0"/>
-                    <a:t>population</a:t>
-                  </a:r>
-                </a:p>
-                <a:p>
-                  <a:pPr>
-                    <a:spcBef>
-                      <a:spcPts val="200"/>
-                    </a:spcBef>
-                    <a:spcAft>
-                      <a:spcPts val="200"/>
-                    </a:spcAft>
-                  </a:pPr>
-                  <a:r>
-                    <a:rPr lang="en-US" altLang="zh-CN" sz="1100" dirty="0"/>
-                    <a:t>a</a:t>
-                  </a:r>
-                  <a:r>
-                    <a:rPr lang="en-US" sz="1100" dirty="0"/>
-                    <a:t>vg_salary</a:t>
-                  </a:r>
-                </a:p>
-                <a:p>
-                  <a:pPr>
-                    <a:spcBef>
-                      <a:spcPts val="200"/>
-                    </a:spcBef>
-                    <a:spcAft>
-                      <a:spcPts val="200"/>
-                    </a:spcAft>
-                  </a:pPr>
-                  <a:r>
-                    <a:rPr lang="en-US" sz="1100" dirty="0"/>
-                    <a:t>total_cases</a:t>
-                  </a:r>
-                </a:p>
-                <a:p>
-                  <a:pPr>
-                    <a:spcBef>
-                      <a:spcPts val="200"/>
-                    </a:spcBef>
-                    <a:spcAft>
-                      <a:spcPts val="200"/>
-                    </a:spcAft>
-                  </a:pPr>
-                  <a:r>
-                    <a:rPr lang="en-US" sz="1100" dirty="0"/>
-                    <a:t>new_cases</a:t>
-                  </a:r>
-                </a:p>
-                <a:p>
-                  <a:pPr>
-                    <a:spcBef>
-                      <a:spcPts val="200"/>
-                    </a:spcBef>
-                    <a:spcAft>
-                      <a:spcPts val="200"/>
-                    </a:spcAft>
-                  </a:pPr>
-                  <a:r>
-                    <a:rPr lang="en-US" sz="1100" dirty="0"/>
-                    <a:t>death</a:t>
-                  </a:r>
-                </a:p>
-                <a:p>
-                  <a:pPr>
-                    <a:spcBef>
-                      <a:spcPts val="200"/>
-                    </a:spcBef>
-                    <a:spcAft>
-                      <a:spcPts val="200"/>
-                    </a:spcAft>
-                  </a:pPr>
-                  <a:r>
-                    <a:rPr lang="en-US" sz="1100" b="1" dirty="0"/>
-                    <a:t>zipcode</a:t>
-                  </a:r>
-                </a:p>
-                <a:p>
-                  <a:pPr>
-                    <a:spcBef>
-                      <a:spcPts val="200"/>
-                    </a:spcBef>
-                    <a:spcAft>
-                      <a:spcPts val="200"/>
-                    </a:spcAft>
-                  </a:pPr>
-                  <a:r>
-                    <a:rPr lang="en-US" sz="1100" b="1" dirty="0"/>
-                    <a:t>city_name</a:t>
-                  </a:r>
-                </a:p>
-                <a:p>
-                  <a:endParaRPr lang="en-US" dirty="0"/>
-                </a:p>
-              </p:txBody>
-            </p:sp>
-            <p:sp>
-              <p:nvSpPr>
-                <p:cNvPr id="64" name="TextBox 63">
-                  <a:extLst>
-                    <a:ext uri="{FF2B5EF4-FFF2-40B4-BE49-F238E27FC236}">
-                      <a16:creationId xmlns:a16="http://schemas.microsoft.com/office/drawing/2014/main" id="{82BA06C1-AD3D-4978-92BC-0CEB1542F75E}"/>
-                    </a:ext>
-                  </a:extLst>
-                </p:cNvPr>
-                <p:cNvSpPr txBox="1"/>
-                <p:nvPr/>
-              </p:nvSpPr>
-              <p:spPr>
-                <a:xfrm>
-                  <a:off x="7474524" y="3675472"/>
-                  <a:ext cx="1249209" cy="1897916"/>
-                </a:xfrm>
-                <a:prstGeom prst="rect">
-                  <a:avLst/>
-                </a:prstGeom>
-                <a:noFill/>
-              </p:spPr>
-              <p:txBody>
-                <a:bodyPr wrap="square" rtlCol="0">
-                  <a:spAutoFit/>
-                </a:bodyPr>
-                <a:lstStyle/>
-                <a:p>
-                  <a:pPr>
-                    <a:spcBef>
-                      <a:spcPts val="200"/>
-                    </a:spcBef>
-                    <a:spcAft>
-                      <a:spcPts val="200"/>
-                    </a:spcAft>
-                  </a:pPr>
-                  <a:r>
-                    <a:rPr lang="en-US" sz="1100" dirty="0"/>
-                    <a:t>INTEGER</a:t>
-                  </a:r>
-                </a:p>
-                <a:p>
-                  <a:pPr>
-                    <a:spcBef>
-                      <a:spcPts val="200"/>
-                    </a:spcBef>
-                    <a:spcAft>
-                      <a:spcPts val="200"/>
-                    </a:spcAft>
-                  </a:pPr>
-                  <a:r>
-                    <a:rPr lang="en-US" sz="1100" dirty="0"/>
-                    <a:t>REAL</a:t>
-                  </a:r>
-                </a:p>
-                <a:p>
-                  <a:pPr>
-                    <a:spcBef>
-                      <a:spcPts val="200"/>
-                    </a:spcBef>
-                    <a:spcAft>
-                      <a:spcPts val="200"/>
-                    </a:spcAft>
-                  </a:pPr>
-                  <a:r>
-                    <a:rPr lang="en-US" sz="1100" dirty="0"/>
-                    <a:t>INTEGER</a:t>
-                  </a:r>
-                </a:p>
-                <a:p>
-                  <a:pPr>
-                    <a:spcBef>
-                      <a:spcPts val="200"/>
-                    </a:spcBef>
-                    <a:spcAft>
-                      <a:spcPts val="200"/>
-                    </a:spcAft>
-                  </a:pPr>
-                  <a:r>
-                    <a:rPr lang="en-US" sz="1100" dirty="0"/>
-                    <a:t>INTEGER</a:t>
-                  </a:r>
-                </a:p>
-                <a:p>
-                  <a:pPr>
-                    <a:spcBef>
-                      <a:spcPts val="200"/>
-                    </a:spcBef>
-                    <a:spcAft>
-                      <a:spcPts val="200"/>
-                    </a:spcAft>
-                  </a:pPr>
-                  <a:r>
-                    <a:rPr lang="en-US" sz="1100" dirty="0"/>
-                    <a:t>INTEGER</a:t>
-                  </a:r>
-                </a:p>
-                <a:p>
-                  <a:pPr>
-                    <a:spcBef>
-                      <a:spcPts val="200"/>
-                    </a:spcBef>
-                    <a:spcAft>
-                      <a:spcPts val="200"/>
-                    </a:spcAft>
-                  </a:pPr>
-                  <a:r>
-                    <a:rPr lang="en-US" sz="1100" dirty="0"/>
-                    <a:t>CHAR(5)</a:t>
-                  </a:r>
-                </a:p>
-                <a:p>
-                  <a:pPr>
-                    <a:spcBef>
-                      <a:spcPts val="200"/>
-                    </a:spcBef>
-                    <a:spcAft>
-                      <a:spcPts val="200"/>
-                    </a:spcAft>
-                  </a:pPr>
-                  <a:r>
-                    <a:rPr lang="en-US" sz="1100" dirty="0"/>
-                    <a:t>CHAR(30)</a:t>
-                  </a:r>
-                </a:p>
-              </p:txBody>
-            </p:sp>
-          </p:grpSp>
-          <p:grpSp>
-            <p:nvGrpSpPr>
-              <p:cNvPr id="80" name="Group 79">
-                <a:extLst>
-                  <a:ext uri="{FF2B5EF4-FFF2-40B4-BE49-F238E27FC236}">
-                    <a16:creationId xmlns:a16="http://schemas.microsoft.com/office/drawing/2014/main" id="{83A6EA7D-3462-49EC-894B-2B6547435E07}"/>
-                  </a:ext>
-                </a:extLst>
-              </p:cNvPr>
-              <p:cNvGrpSpPr/>
-              <p:nvPr/>
-            </p:nvGrpSpPr>
-            <p:grpSpPr>
-              <a:xfrm>
-                <a:off x="8701536" y="711868"/>
-                <a:ext cx="1969105" cy="1652124"/>
-                <a:chOff x="1588575" y="849086"/>
-                <a:chExt cx="2936772" cy="2500604"/>
-              </a:xfrm>
-            </p:grpSpPr>
-            <p:sp>
-              <p:nvSpPr>
-                <p:cNvPr id="81" name="Rectangle 80">
-                  <a:extLst>
-                    <a:ext uri="{FF2B5EF4-FFF2-40B4-BE49-F238E27FC236}">
-                      <a16:creationId xmlns:a16="http://schemas.microsoft.com/office/drawing/2014/main" id="{19300A8E-76F1-447D-B51D-8FC66B404FBD}"/>
-                    </a:ext>
-                  </a:extLst>
-                </p:cNvPr>
-                <p:cNvSpPr/>
-                <p:nvPr/>
-              </p:nvSpPr>
-              <p:spPr>
-                <a:xfrm>
-                  <a:off x="1614196" y="849086"/>
-                  <a:ext cx="2911151" cy="2500604"/>
-                </a:xfrm>
-                <a:prstGeom prst="rect">
-                  <a:avLst/>
-                </a:prstGeom>
-                <a:noFill/>
-                <a:ln w="28575">
-                  <a:solidFill>
-                    <a:schemeClr val="tx1"/>
-                  </a:solidFill>
-                </a:ln>
-              </p:spPr>
-              <p:style>
-                <a:lnRef idx="2">
-                  <a:schemeClr val="accent1">
-                    <a:shade val="50000"/>
-                  </a:schemeClr>
-                </a:lnRef>
-                <a:fillRef idx="1">
-                  <a:schemeClr val="accent1"/>
-                </a:fillRef>
-                <a:effectRef idx="0">
-                  <a:schemeClr val="accent1"/>
-                </a:effectRef>
-                <a:fontRef idx="minor">
-                  <a:schemeClr val="lt1"/>
-                </a:fontRef>
-              </p:style>
-              <p:txBody>
-                <a:bodyPr rtlCol="0" anchor="ctr"/>
-                <a:lstStyle/>
-                <a:p>
-                  <a:pPr algn="ctr"/>
-                  <a:endParaRPr lang="en-US"/>
-                </a:p>
-              </p:txBody>
-            </p:sp>
-            <p:cxnSp>
-              <p:nvCxnSpPr>
-                <p:cNvPr id="82" name="Straight Connector 81">
-                  <a:extLst>
-                    <a:ext uri="{FF2B5EF4-FFF2-40B4-BE49-F238E27FC236}">
-                      <a16:creationId xmlns:a16="http://schemas.microsoft.com/office/drawing/2014/main" id="{8093E6E8-C5A7-45E5-A7A1-74F7B8EAF3CD}"/>
-                    </a:ext>
-                  </a:extLst>
-                </p:cNvPr>
-                <p:cNvCxnSpPr>
-                  <a:cxnSpLocks/>
-                </p:cNvCxnSpPr>
-                <p:nvPr/>
-              </p:nvCxnSpPr>
-              <p:spPr>
-                <a:xfrm>
-                  <a:off x="1614196" y="1418253"/>
-                  <a:ext cx="2911151" cy="0"/>
-                </a:xfrm>
-                <a:prstGeom prst="line">
-                  <a:avLst/>
-                </a:prstGeom>
-                <a:ln w="28575">
-                  <a:solidFill>
-                    <a:schemeClr val="tx1"/>
-                  </a:solidFill>
-                </a:ln>
-              </p:spPr>
-              <p:style>
-                <a:lnRef idx="1">
-                  <a:schemeClr val="accent1"/>
-                </a:lnRef>
-                <a:fillRef idx="0">
-                  <a:schemeClr val="accent1"/>
-                </a:fillRef>
-                <a:effectRef idx="0">
-                  <a:schemeClr val="accent1"/>
-                </a:effectRef>
-                <a:fontRef idx="minor">
-                  <a:schemeClr val="tx1"/>
-                </a:fontRef>
-              </p:style>
-            </p:cxnSp>
-            <p:sp>
-              <p:nvSpPr>
-                <p:cNvPr id="83" name="TextBox 82">
-                  <a:extLst>
-                    <a:ext uri="{FF2B5EF4-FFF2-40B4-BE49-F238E27FC236}">
-                      <a16:creationId xmlns:a16="http://schemas.microsoft.com/office/drawing/2014/main" id="{37F78B07-09E1-4A30-8626-35433FF289B2}"/>
-                    </a:ext>
-                  </a:extLst>
-                </p:cNvPr>
-                <p:cNvSpPr txBox="1"/>
-                <p:nvPr/>
-              </p:nvSpPr>
-              <p:spPr>
-                <a:xfrm>
-                  <a:off x="2413758" y="851464"/>
-                  <a:ext cx="1455575" cy="388594"/>
-                </a:xfrm>
-                <a:prstGeom prst="rect">
-                  <a:avLst/>
-                </a:prstGeom>
-                <a:noFill/>
-              </p:spPr>
-              <p:txBody>
-                <a:bodyPr wrap="square" rtlCol="0">
-                  <a:spAutoFit/>
-                </a:bodyPr>
-                <a:lstStyle/>
-                <a:p>
-                  <a:r>
-                    <a:rPr lang="en-US" dirty="0"/>
-                    <a:t>hospital</a:t>
-                  </a:r>
-                </a:p>
-              </p:txBody>
-            </p:sp>
-            <p:cxnSp>
-              <p:nvCxnSpPr>
-                <p:cNvPr id="84" name="Straight Connector 83">
-                  <a:extLst>
-                    <a:ext uri="{FF2B5EF4-FFF2-40B4-BE49-F238E27FC236}">
-                      <a16:creationId xmlns:a16="http://schemas.microsoft.com/office/drawing/2014/main" id="{F4337204-3607-41F4-B0E7-D34683E2C270}"/>
-                    </a:ext>
-                  </a:extLst>
-                </p:cNvPr>
-                <p:cNvCxnSpPr>
-                  <a:endCxn id="81" idx="2"/>
-                </p:cNvCxnSpPr>
-                <p:nvPr/>
-              </p:nvCxnSpPr>
-              <p:spPr>
-                <a:xfrm>
-                  <a:off x="3069771" y="1418253"/>
-                  <a:ext cx="1" cy="1931437"/>
-                </a:xfrm>
-                <a:prstGeom prst="line">
-                  <a:avLst/>
-                </a:prstGeom>
-                <a:ln w="19050">
-                  <a:solidFill>
-                    <a:schemeClr val="tx1"/>
-                  </a:solidFill>
-                </a:ln>
-              </p:spPr>
-              <p:style>
-                <a:lnRef idx="1">
-                  <a:schemeClr val="accent1"/>
-                </a:lnRef>
-                <a:fillRef idx="0">
-                  <a:schemeClr val="accent1"/>
-                </a:fillRef>
-                <a:effectRef idx="0">
-                  <a:schemeClr val="accent1"/>
-                </a:effectRef>
-                <a:fontRef idx="minor">
-                  <a:schemeClr val="tx1"/>
-                </a:fontRef>
-              </p:style>
-            </p:cxnSp>
-            <p:sp>
-              <p:nvSpPr>
-                <p:cNvPr id="85" name="TextBox 84">
-                  <a:extLst>
-                    <a:ext uri="{FF2B5EF4-FFF2-40B4-BE49-F238E27FC236}">
-                      <a16:creationId xmlns:a16="http://schemas.microsoft.com/office/drawing/2014/main" id="{B78F652F-8E18-4397-8ABE-7B007EA2B3F5}"/>
-                    </a:ext>
-                  </a:extLst>
-                </p:cNvPr>
-                <p:cNvSpPr txBox="1"/>
-                <p:nvPr/>
-              </p:nvSpPr>
-              <p:spPr>
-                <a:xfrm>
-                  <a:off x="1588575" y="1517630"/>
-                  <a:ext cx="2170480" cy="1731376"/>
-                </a:xfrm>
-                <a:prstGeom prst="rect">
-                  <a:avLst/>
-                </a:prstGeom>
-                <a:noFill/>
-              </p:spPr>
-              <p:txBody>
-                <a:bodyPr wrap="square" rtlCol="0">
-                  <a:spAutoFit/>
-                </a:bodyPr>
-                <a:lstStyle/>
-                <a:p>
-                  <a:pPr>
-                    <a:spcBef>
-                      <a:spcPts val="200"/>
-                    </a:spcBef>
-                    <a:spcAft>
-                      <a:spcPts val="200"/>
-                    </a:spcAft>
-                  </a:pPr>
-                  <a:r>
-                    <a:rPr lang="en-US" sz="1100" dirty="0"/>
-                    <a:t>facility_id </a:t>
-                  </a:r>
-                </a:p>
-                <a:p>
-                  <a:pPr>
-                    <a:spcBef>
-                      <a:spcPts val="200"/>
-                    </a:spcBef>
-                    <a:spcAft>
-                      <a:spcPts val="200"/>
-                    </a:spcAft>
-                  </a:pPr>
-                  <a:r>
-                    <a:rPr lang="en-US" sz="1100" dirty="0"/>
-                    <a:t>facility_name</a:t>
-                  </a:r>
-                </a:p>
-                <a:p>
-                  <a:pPr>
-                    <a:spcBef>
-                      <a:spcPts val="200"/>
-                    </a:spcBef>
-                    <a:spcAft>
-                      <a:spcPts val="200"/>
-                    </a:spcAft>
-                  </a:pPr>
-                  <a:r>
-                    <a:rPr lang="en-US" sz="1100" dirty="0"/>
-                    <a:t>zipcode</a:t>
-                  </a:r>
-                </a:p>
-                <a:p>
-                  <a:pPr>
-                    <a:spcBef>
-                      <a:spcPts val="200"/>
-                    </a:spcBef>
-                    <a:spcAft>
-                      <a:spcPts val="200"/>
-                    </a:spcAft>
-                  </a:pPr>
-                  <a:r>
-                    <a:rPr lang="en-US" sz="1100" dirty="0"/>
-                    <a:t>ownership</a:t>
-                  </a:r>
-                </a:p>
-                <a:p>
-                  <a:pPr>
-                    <a:spcBef>
-                      <a:spcPts val="200"/>
-                    </a:spcBef>
-                    <a:spcAft>
-                      <a:spcPts val="200"/>
-                    </a:spcAft>
-                  </a:pPr>
-                  <a:r>
-                    <a:rPr lang="en-US" sz="1100" dirty="0"/>
-                    <a:t>hospital_rating</a:t>
-                  </a:r>
-                </a:p>
-              </p:txBody>
-            </p:sp>
-            <p:sp>
-              <p:nvSpPr>
-                <p:cNvPr id="86" name="TextBox 85">
-                  <a:extLst>
-                    <a:ext uri="{FF2B5EF4-FFF2-40B4-BE49-F238E27FC236}">
-                      <a16:creationId xmlns:a16="http://schemas.microsoft.com/office/drawing/2014/main" id="{4EC4855D-8BCB-4EE3-A6B5-E9F8D03E0782}"/>
-                    </a:ext>
-                  </a:extLst>
-                </p:cNvPr>
-                <p:cNvSpPr txBox="1"/>
-                <p:nvPr/>
-              </p:nvSpPr>
-              <p:spPr>
-                <a:xfrm>
-                  <a:off x="3216517" y="1502574"/>
-                  <a:ext cx="1222300" cy="1731376"/>
-                </a:xfrm>
-                <a:prstGeom prst="rect">
-                  <a:avLst/>
-                </a:prstGeom>
-                <a:noFill/>
-              </p:spPr>
-              <p:txBody>
-                <a:bodyPr wrap="square" rtlCol="0">
-                  <a:spAutoFit/>
-                </a:bodyPr>
-                <a:lstStyle/>
-                <a:p>
-                  <a:pPr>
-                    <a:spcBef>
-                      <a:spcPts val="200"/>
-                    </a:spcBef>
-                    <a:spcAft>
-                      <a:spcPts val="200"/>
-                    </a:spcAft>
-                  </a:pPr>
-                  <a:r>
-                    <a:rPr lang="en-US" sz="1100" dirty="0"/>
-                    <a:t>CHAR(10)</a:t>
-                  </a:r>
-                </a:p>
-                <a:p>
-                  <a:pPr>
-                    <a:spcBef>
-                      <a:spcPts val="200"/>
-                    </a:spcBef>
-                    <a:spcAft>
-                      <a:spcPts val="200"/>
-                    </a:spcAft>
-                  </a:pPr>
-                  <a:r>
-                    <a:rPr lang="en-US" sz="1100" dirty="0"/>
-                    <a:t>CHAR(50)</a:t>
-                  </a:r>
-                </a:p>
-                <a:p>
-                  <a:pPr>
-                    <a:spcBef>
-                      <a:spcPts val="200"/>
-                    </a:spcBef>
-                    <a:spcAft>
-                      <a:spcPts val="200"/>
-                    </a:spcAft>
-                  </a:pPr>
-                  <a:r>
-                    <a:rPr lang="en-US" sz="1100" dirty="0"/>
-                    <a:t>CHAR(10)</a:t>
-                  </a:r>
-                </a:p>
-                <a:p>
-                  <a:pPr>
-                    <a:spcBef>
-                      <a:spcPts val="200"/>
-                    </a:spcBef>
-                    <a:spcAft>
-                      <a:spcPts val="200"/>
-                    </a:spcAft>
-                  </a:pPr>
-                  <a:r>
-                    <a:rPr lang="en-US" sz="1100" dirty="0"/>
-                    <a:t>CHAR(50)</a:t>
-                  </a:r>
-                </a:p>
-                <a:p>
-                  <a:pPr>
-                    <a:spcBef>
-                      <a:spcPts val="200"/>
-                    </a:spcBef>
-                    <a:spcAft>
-                      <a:spcPts val="200"/>
-                    </a:spcAft>
-                  </a:pPr>
-                  <a:r>
-                    <a:rPr lang="en-US" sz="1100" dirty="0"/>
-                    <a:t>ENUM</a:t>
-                  </a:r>
-                </a:p>
-              </p:txBody>
-            </p:sp>
-          </p:grpSp>
-          <p:grpSp>
-            <p:nvGrpSpPr>
-              <p:cNvPr id="95" name="Group 94">
-                <a:extLst>
-                  <a:ext uri="{FF2B5EF4-FFF2-40B4-BE49-F238E27FC236}">
-                    <a16:creationId xmlns:a16="http://schemas.microsoft.com/office/drawing/2014/main" id="{58961050-01D5-4E6B-8DC0-FB429829D777}"/>
-                  </a:ext>
-                </a:extLst>
-              </p:cNvPr>
-              <p:cNvGrpSpPr/>
-              <p:nvPr/>
-            </p:nvGrpSpPr>
-            <p:grpSpPr>
-              <a:xfrm>
-                <a:off x="6366395" y="1150352"/>
-                <a:ext cx="1756660" cy="775155"/>
-                <a:chOff x="6592435" y="4711550"/>
-                <a:chExt cx="1988198" cy="718850"/>
-              </a:xfrm>
-            </p:grpSpPr>
-            <p:cxnSp>
-              <p:nvCxnSpPr>
-                <p:cNvPr id="87" name="Straight Arrow Connector 86">
-                  <a:extLst>
-                    <a:ext uri="{FF2B5EF4-FFF2-40B4-BE49-F238E27FC236}">
-                      <a16:creationId xmlns:a16="http://schemas.microsoft.com/office/drawing/2014/main" id="{B6AE370A-12D0-4172-A0CD-837706193FB2}"/>
-                    </a:ext>
-                  </a:extLst>
-                </p:cNvPr>
-                <p:cNvCxnSpPr>
-                  <a:cxnSpLocks/>
-                </p:cNvCxnSpPr>
-                <p:nvPr/>
-              </p:nvCxnSpPr>
-              <p:spPr>
-                <a:xfrm flipH="1" flipV="1">
-                  <a:off x="6592435" y="5070977"/>
-                  <a:ext cx="658969" cy="6827"/>
-                </a:xfrm>
-                <a:prstGeom prst="straightConnector1">
-                  <a:avLst/>
-                </a:prstGeom>
-                <a:ln w="28575">
-                  <a:solidFill>
-                    <a:schemeClr val="tx1"/>
-                  </a:solidFill>
-                  <a:tailEnd type="triangle"/>
-                </a:ln>
-              </p:spPr>
-              <p:style>
-                <a:lnRef idx="1">
-                  <a:schemeClr val="accent1"/>
-                </a:lnRef>
-                <a:fillRef idx="0">
-                  <a:schemeClr val="accent1"/>
-                </a:fillRef>
-                <a:effectRef idx="0">
-                  <a:schemeClr val="accent1"/>
-                </a:effectRef>
-                <a:fontRef idx="minor">
-                  <a:schemeClr val="tx1"/>
-                </a:fontRef>
-              </p:style>
-            </p:cxnSp>
-            <p:sp>
-              <p:nvSpPr>
-                <p:cNvPr id="89" name="Flowchart: Decision 88">
-                  <a:extLst>
-                    <a:ext uri="{FF2B5EF4-FFF2-40B4-BE49-F238E27FC236}">
-                      <a16:creationId xmlns:a16="http://schemas.microsoft.com/office/drawing/2014/main" id="{3D655AC9-77A9-4A26-8E6E-A1E2224ADBD9}"/>
-                    </a:ext>
-                  </a:extLst>
-                </p:cNvPr>
-                <p:cNvSpPr/>
-                <p:nvPr/>
-              </p:nvSpPr>
-              <p:spPr>
-                <a:xfrm>
-                  <a:off x="7261074" y="4711550"/>
-                  <a:ext cx="1319559" cy="718850"/>
-                </a:xfrm>
-                <a:prstGeom prst="flowChartDecision">
-                  <a:avLst/>
-                </a:prstGeom>
-                <a:noFill/>
-                <a:ln w="28575">
-                  <a:solidFill>
-                    <a:schemeClr val="tx1"/>
-                  </a:solidFill>
-                </a:ln>
-              </p:spPr>
-              <p:style>
-                <a:lnRef idx="2">
-                  <a:schemeClr val="accent1">
-                    <a:shade val="50000"/>
-                  </a:schemeClr>
-                </a:lnRef>
-                <a:fillRef idx="1">
-                  <a:schemeClr val="accent1"/>
-                </a:fillRef>
-                <a:effectRef idx="0">
-                  <a:schemeClr val="accent1"/>
-                </a:effectRef>
-                <a:fontRef idx="minor">
-                  <a:schemeClr val="lt1"/>
-                </a:fontRef>
-              </p:style>
-              <p:txBody>
-                <a:bodyPr rtlCol="0" anchor="ctr"/>
-                <a:lstStyle/>
-                <a:p>
-                  <a:pPr algn="ctr"/>
-                  <a:endParaRPr lang="en-US"/>
-                </a:p>
-              </p:txBody>
-            </p:sp>
-            <p:sp>
-              <p:nvSpPr>
-                <p:cNvPr id="94" name="TextBox 93">
-                  <a:extLst>
-                    <a:ext uri="{FF2B5EF4-FFF2-40B4-BE49-F238E27FC236}">
-                      <a16:creationId xmlns:a16="http://schemas.microsoft.com/office/drawing/2014/main" id="{D4D74796-6771-47B8-B1BD-BE8261C22080}"/>
-                    </a:ext>
-                  </a:extLst>
-                </p:cNvPr>
-                <p:cNvSpPr txBox="1"/>
-                <p:nvPr/>
-              </p:nvSpPr>
-              <p:spPr>
-                <a:xfrm>
-                  <a:off x="7475400" y="4918637"/>
-                  <a:ext cx="967088" cy="285421"/>
-                </a:xfrm>
-                <a:prstGeom prst="rect">
-                  <a:avLst/>
-                </a:prstGeom>
-                <a:noFill/>
-              </p:spPr>
-              <p:txBody>
-                <a:bodyPr wrap="none" rtlCol="0">
-                  <a:spAutoFit/>
-                </a:bodyPr>
-                <a:lstStyle/>
-                <a:p>
-                  <a:r>
-                    <a:rPr lang="en-US" sz="1400" dirty="0"/>
-                    <a:t>locate_in</a:t>
-                  </a:r>
-                </a:p>
-              </p:txBody>
-            </p:sp>
-          </p:grpSp>
-          <p:grpSp>
-            <p:nvGrpSpPr>
-              <p:cNvPr id="41" name="Group 40">
-                <a:extLst>
-                  <a:ext uri="{FF2B5EF4-FFF2-40B4-BE49-F238E27FC236}">
-                    <a16:creationId xmlns:a16="http://schemas.microsoft.com/office/drawing/2014/main" id="{3C412429-C934-4BB8-ACFD-B434F715A54F}"/>
-                  </a:ext>
-                </a:extLst>
-              </p:cNvPr>
-              <p:cNvGrpSpPr/>
-              <p:nvPr/>
-            </p:nvGrpSpPr>
-            <p:grpSpPr>
-              <a:xfrm flipV="1">
-                <a:off x="8123055" y="1524400"/>
-                <a:ext cx="578481" cy="27057"/>
-                <a:chOff x="4313853" y="3411864"/>
-                <a:chExt cx="1782147" cy="20246"/>
-              </a:xfrm>
-            </p:grpSpPr>
-            <p:cxnSp>
-              <p:nvCxnSpPr>
-                <p:cNvPr id="42" name="Straight Connector 41">
-                  <a:extLst>
-                    <a:ext uri="{FF2B5EF4-FFF2-40B4-BE49-F238E27FC236}">
-                      <a16:creationId xmlns:a16="http://schemas.microsoft.com/office/drawing/2014/main" id="{9B01BE54-74AE-4B43-B045-47112B39DF65}"/>
-                    </a:ext>
-                  </a:extLst>
-                </p:cNvPr>
-                <p:cNvCxnSpPr/>
-                <p:nvPr/>
-              </p:nvCxnSpPr>
-              <p:spPr>
-                <a:xfrm>
-                  <a:off x="4313853" y="3432110"/>
-                  <a:ext cx="1782147" cy="0"/>
-                </a:xfrm>
-                <a:prstGeom prst="line">
-                  <a:avLst/>
-                </a:prstGeom>
-                <a:ln w="9525">
-                  <a:solidFill>
-                    <a:schemeClr val="tx1"/>
-                  </a:solidFill>
-                </a:ln>
-              </p:spPr>
-              <p:style>
-                <a:lnRef idx="1">
-                  <a:schemeClr val="accent1"/>
-                </a:lnRef>
-                <a:fillRef idx="0">
-                  <a:schemeClr val="accent1"/>
-                </a:fillRef>
-                <a:effectRef idx="0">
-                  <a:schemeClr val="accent1"/>
-                </a:effectRef>
-                <a:fontRef idx="minor">
-                  <a:schemeClr val="tx1"/>
-                </a:fontRef>
-              </p:style>
-            </p:cxnSp>
-            <p:cxnSp>
-              <p:nvCxnSpPr>
-                <p:cNvPr id="43" name="Straight Connector 42">
-                  <a:extLst>
-                    <a:ext uri="{FF2B5EF4-FFF2-40B4-BE49-F238E27FC236}">
-                      <a16:creationId xmlns:a16="http://schemas.microsoft.com/office/drawing/2014/main" id="{07B72B65-8572-480D-9C27-429DE5A499F3}"/>
-                    </a:ext>
-                  </a:extLst>
-                </p:cNvPr>
-                <p:cNvCxnSpPr/>
-                <p:nvPr/>
-              </p:nvCxnSpPr>
-              <p:spPr>
-                <a:xfrm>
-                  <a:off x="4313853" y="3411864"/>
-                  <a:ext cx="1782147" cy="0"/>
-                </a:xfrm>
-                <a:prstGeom prst="line">
-                  <a:avLst/>
-                </a:prstGeom>
-                <a:ln w="9525">
-                  <a:solidFill>
-                    <a:schemeClr val="tx1"/>
-                  </a:solidFill>
-                </a:ln>
-              </p:spPr>
-              <p:style>
-                <a:lnRef idx="1">
-                  <a:schemeClr val="accent1"/>
-                </a:lnRef>
-                <a:fillRef idx="0">
-                  <a:schemeClr val="accent1"/>
-                </a:fillRef>
-                <a:effectRef idx="0">
-                  <a:schemeClr val="accent1"/>
-                </a:effectRef>
-                <a:fontRef idx="minor">
-                  <a:schemeClr val="tx1"/>
-                </a:fontRef>
-              </p:style>
-            </p:cxnSp>
-          </p:grpSp>
-          <p:grpSp>
-            <p:nvGrpSpPr>
-              <p:cNvPr id="45" name="Group 44">
-                <a:extLst>
-                  <a:ext uri="{FF2B5EF4-FFF2-40B4-BE49-F238E27FC236}">
-                    <a16:creationId xmlns:a16="http://schemas.microsoft.com/office/drawing/2014/main" id="{63CB62BE-C327-4A86-9A14-3595B3C49CD1}"/>
-                  </a:ext>
-                </a:extLst>
-              </p:cNvPr>
-              <p:cNvGrpSpPr/>
-              <p:nvPr/>
-            </p:nvGrpSpPr>
-            <p:grpSpPr>
-              <a:xfrm>
-                <a:off x="405884" y="3370197"/>
-                <a:ext cx="1417216" cy="811561"/>
-                <a:chOff x="1940768" y="1203649"/>
-                <a:chExt cx="2547256" cy="1259632"/>
-              </a:xfrm>
-            </p:grpSpPr>
-            <p:sp>
-              <p:nvSpPr>
-                <p:cNvPr id="46" name="Flowchart: Decision 45">
-                  <a:extLst>
-                    <a:ext uri="{FF2B5EF4-FFF2-40B4-BE49-F238E27FC236}">
-                      <a16:creationId xmlns:a16="http://schemas.microsoft.com/office/drawing/2014/main" id="{411FD556-79A8-4B22-BF66-B06E81AD3A7F}"/>
-                    </a:ext>
-                  </a:extLst>
-                </p:cNvPr>
-                <p:cNvSpPr/>
-                <p:nvPr/>
-              </p:nvSpPr>
-              <p:spPr>
-                <a:xfrm>
-                  <a:off x="1940768" y="1203649"/>
-                  <a:ext cx="2547256" cy="1259632"/>
-                </a:xfrm>
-                <a:prstGeom prst="flowChartDecision">
-                  <a:avLst/>
-                </a:prstGeom>
-                <a:noFill/>
-                <a:ln w="28575">
-                  <a:solidFill>
-                    <a:schemeClr val="tx1"/>
-                  </a:solidFill>
-                </a:ln>
-              </p:spPr>
-              <p:style>
-                <a:lnRef idx="2">
-                  <a:schemeClr val="accent1">
-                    <a:shade val="50000"/>
-                  </a:schemeClr>
-                </a:lnRef>
-                <a:fillRef idx="1">
-                  <a:schemeClr val="accent1"/>
-                </a:fillRef>
-                <a:effectRef idx="0">
-                  <a:schemeClr val="accent1"/>
-                </a:effectRef>
-                <a:fontRef idx="minor">
-                  <a:schemeClr val="lt1"/>
-                </a:fontRef>
-              </p:style>
-              <p:txBody>
-                <a:bodyPr rtlCol="0" anchor="ctr"/>
-                <a:lstStyle/>
-                <a:p>
-                  <a:pPr algn="ctr"/>
-                  <a:endParaRPr lang="en-US"/>
-                </a:p>
-              </p:txBody>
-            </p:sp>
-            <p:sp>
-              <p:nvSpPr>
-                <p:cNvPr id="47" name="TextBox 46">
-                  <a:extLst>
-                    <a:ext uri="{FF2B5EF4-FFF2-40B4-BE49-F238E27FC236}">
-                      <a16:creationId xmlns:a16="http://schemas.microsoft.com/office/drawing/2014/main" id="{40096E6C-C0EE-4BB9-B106-A1BABFD9CCF6}"/>
-                    </a:ext>
-                  </a:extLst>
-                </p:cNvPr>
-                <p:cNvSpPr txBox="1"/>
-                <p:nvPr/>
-              </p:nvSpPr>
-              <p:spPr>
-                <a:xfrm>
-                  <a:off x="2309866" y="1599377"/>
-                  <a:ext cx="1809058" cy="406048"/>
-                </a:xfrm>
-                <a:prstGeom prst="rect">
-                  <a:avLst/>
-                </a:prstGeom>
-                <a:noFill/>
-              </p:spPr>
-              <p:txBody>
-                <a:bodyPr wrap="square" rtlCol="0">
-                  <a:spAutoFit/>
-                </a:bodyPr>
-                <a:lstStyle/>
-                <a:p>
-                  <a:r>
-                    <a:rPr lang="en-US" altLang="zh-CN" sz="1100" dirty="0"/>
-                    <a:t>policy_publish</a:t>
-                  </a:r>
-                  <a:endParaRPr lang="en-US" sz="1100" dirty="0"/>
-                </a:p>
-              </p:txBody>
-            </p:sp>
-          </p:grpSp>
-          <p:grpSp>
-            <p:nvGrpSpPr>
-              <p:cNvPr id="6" name="Group 5">
-                <a:extLst>
-                  <a:ext uri="{FF2B5EF4-FFF2-40B4-BE49-F238E27FC236}">
-                    <a16:creationId xmlns:a16="http://schemas.microsoft.com/office/drawing/2014/main" id="{4EBB41F0-C040-4BF3-AC35-DF849031F842}"/>
-                  </a:ext>
-                </a:extLst>
-              </p:cNvPr>
-              <p:cNvGrpSpPr/>
-              <p:nvPr/>
-            </p:nvGrpSpPr>
-            <p:grpSpPr>
-              <a:xfrm>
-                <a:off x="8644501" y="4215642"/>
-                <a:ext cx="2205444" cy="1906660"/>
-                <a:chOff x="8338664" y="3483147"/>
-                <a:chExt cx="2767389" cy="2239763"/>
-              </a:xfrm>
-            </p:grpSpPr>
-            <p:grpSp>
-              <p:nvGrpSpPr>
-                <p:cNvPr id="49" name="Group 48">
-                  <a:extLst>
-                    <a:ext uri="{FF2B5EF4-FFF2-40B4-BE49-F238E27FC236}">
-                      <a16:creationId xmlns:a16="http://schemas.microsoft.com/office/drawing/2014/main" id="{10DD4D72-D642-4840-B44D-A9837DFA960A}"/>
+                      <a16:creationId xmlns:a16="http://schemas.microsoft.com/office/drawing/2014/main" id="{610C57F9-AD7E-4A2F-9BAE-0EE9929F3B01}"/>
                     </a:ext>
                   </a:extLst>
                 </p:cNvPr>
@@ -9027,18 +7290,18 @@
               </p:nvGrpSpPr>
               <p:grpSpPr>
                 <a:xfrm>
-                  <a:off x="8410232" y="3552383"/>
-                  <a:ext cx="2633117" cy="2101291"/>
-                  <a:chOff x="1433945" y="868865"/>
-                  <a:chExt cx="3353446" cy="2866941"/>
+                  <a:off x="4036978" y="5245869"/>
+                  <a:ext cx="2177208" cy="1831676"/>
+                  <a:chOff x="1614196" y="849086"/>
+                  <a:chExt cx="2911151" cy="2500604"/>
                 </a:xfrm>
               </p:grpSpPr>
               <p:sp>
                 <p:nvSpPr>
-                  <p:cNvPr id="57" name="Rectangle 56">
+                  <p:cNvPr id="75" name="Rectangle 74">
                     <a:extLst>
                       <a:ext uri="{FF2B5EF4-FFF2-40B4-BE49-F238E27FC236}">
-                        <a16:creationId xmlns:a16="http://schemas.microsoft.com/office/drawing/2014/main" id="{520B633A-46D0-457D-9527-40FD9A34EBF1}"/>
+                        <a16:creationId xmlns:a16="http://schemas.microsoft.com/office/drawing/2014/main" id="{FDA00C38-ABC8-471F-A890-F55D51175AD5}"/>
                       </a:ext>
                     </a:extLst>
                   </p:cNvPr>
@@ -9047,8 +7310,8 @@
                 </p:nvSpPr>
                 <p:spPr>
                   <a:xfrm>
-                    <a:off x="1433945" y="868865"/>
-                    <a:ext cx="3325993" cy="2866941"/>
+                    <a:off x="1614196" y="849086"/>
+                    <a:ext cx="2911151" cy="2500604"/>
                   </a:xfrm>
                   <a:prstGeom prst="rect">
                     <a:avLst/>
@@ -9087,10 +7350,10 @@
               </p:sp>
               <p:cxnSp>
                 <p:nvCxnSpPr>
-                  <p:cNvPr id="58" name="Straight Connector 57">
+                  <p:cNvPr id="76" name="Straight Connector 75">
                     <a:extLst>
                       <a:ext uri="{FF2B5EF4-FFF2-40B4-BE49-F238E27FC236}">
-                        <a16:creationId xmlns:a16="http://schemas.microsoft.com/office/drawing/2014/main" id="{D8CA3CE2-0A83-4622-BE80-A24484D92BCE}"/>
+                        <a16:creationId xmlns:a16="http://schemas.microsoft.com/office/drawing/2014/main" id="{83214991-0D79-49DB-BE86-E395A594F04D}"/>
                       </a:ext>
                     </a:extLst>
                   </p:cNvPr>
@@ -9101,8 +7364,8 @@
                 </p:nvCxnSpPr>
                 <p:spPr>
                   <a:xfrm>
-                    <a:off x="1461398" y="1428586"/>
-                    <a:ext cx="3325993" cy="0"/>
+                    <a:off x="1614196" y="1418253"/>
+                    <a:ext cx="2911151" cy="0"/>
                   </a:xfrm>
                   <a:prstGeom prst="line">
                     <a:avLst/>
@@ -9130,10 +7393,10 @@
               </p:cxnSp>
               <p:sp>
                 <p:nvSpPr>
-                  <p:cNvPr id="59" name="TextBox 58">
+                  <p:cNvPr id="77" name="TextBox 76">
                     <a:extLst>
                       <a:ext uri="{FF2B5EF4-FFF2-40B4-BE49-F238E27FC236}">
-                        <a16:creationId xmlns:a16="http://schemas.microsoft.com/office/drawing/2014/main" id="{F1876838-DFA5-4D05-8EBF-C987A8B912F8}"/>
+                        <a16:creationId xmlns:a16="http://schemas.microsoft.com/office/drawing/2014/main" id="{FD3B7CCA-9C0B-4C48-9AAE-6068D746C807}"/>
                       </a:ext>
                     </a:extLst>
                   </p:cNvPr>
@@ -9142,8 +7405,8 @@
                 </p:nvSpPr>
                 <p:spPr>
                   <a:xfrm>
-                    <a:off x="2290901" y="923954"/>
-                    <a:ext cx="1455577" cy="369332"/>
+                    <a:off x="2631233" y="949004"/>
+                    <a:ext cx="1455575" cy="369332"/>
                   </a:xfrm>
                   <a:prstGeom prst="rect">
                     <a:avLst/>
@@ -9158,29 +7421,29 @@
                   <a:p>
                     <a:r>
                       <a:rPr lang="en-US" dirty="0"/>
-                      <a:t>patient</a:t>
+                      <a:t>user</a:t>
                     </a:r>
                   </a:p>
                 </p:txBody>
               </p:sp>
               <p:cxnSp>
                 <p:nvCxnSpPr>
-                  <p:cNvPr id="60" name="Straight Connector 59">
+                  <p:cNvPr id="78" name="Straight Connector 77">
                     <a:extLst>
                       <a:ext uri="{FF2B5EF4-FFF2-40B4-BE49-F238E27FC236}">
-                        <a16:creationId xmlns:a16="http://schemas.microsoft.com/office/drawing/2014/main" id="{B56D4686-D00A-4529-8A7E-24DB3619771F}"/>
+                        <a16:creationId xmlns:a16="http://schemas.microsoft.com/office/drawing/2014/main" id="{988CA8F5-1752-48B3-A212-CBFBCEAC9577}"/>
                       </a:ext>
                     </a:extLst>
                   </p:cNvPr>
                   <p:cNvCxnSpPr>
-                    <a:cxnSpLocks/>
+                    <a:endCxn id="75" idx="2"/>
                   </p:cNvCxnSpPr>
                   <p:nvPr/>
                 </p:nvCxnSpPr>
                 <p:spPr>
                   <a:xfrm>
-                    <a:off x="3143998" y="1428586"/>
-                    <a:ext cx="0" cy="2307220"/>
+                    <a:off x="3069771" y="1418253"/>
+                    <a:ext cx="1" cy="1931437"/>
                   </a:xfrm>
                   <a:prstGeom prst="line">
                     <a:avLst/>
@@ -9208,10 +7471,10 @@
               </p:cxnSp>
               <p:sp>
                 <p:nvSpPr>
-                  <p:cNvPr id="61" name="TextBox 60">
+                  <p:cNvPr id="79" name="TextBox 78">
                     <a:extLst>
                       <a:ext uri="{FF2B5EF4-FFF2-40B4-BE49-F238E27FC236}">
-                        <a16:creationId xmlns:a16="http://schemas.microsoft.com/office/drawing/2014/main" id="{963169C7-C3B5-4785-B444-B59F652C1E32}"/>
+                        <a16:creationId xmlns:a16="http://schemas.microsoft.com/office/drawing/2014/main" id="{C1739495-448D-4977-B50C-691F165D78AB}"/>
                       </a:ext>
                     </a:extLst>
                   </p:cNvPr>
@@ -9220,8 +7483,8 @@
                 </p:nvSpPr>
                 <p:spPr>
                   <a:xfrm>
-                    <a:off x="1510205" y="1776791"/>
-                    <a:ext cx="1929995" cy="1504516"/>
+                    <a:off x="1772815" y="1558212"/>
+                    <a:ext cx="1222300" cy="1553921"/>
                   </a:xfrm>
                   <a:prstGeom prst="rect">
                     <a:avLst/>
@@ -9234,47 +7497,57 @@
                   </a:bodyPr>
                   <a:lstStyle/>
                   <a:p>
+                    <a:pPr>
+                      <a:lnSpc>
+                        <a:spcPct val="150000"/>
+                      </a:lnSpc>
+                    </a:pPr>
                     <a:r>
                       <a:rPr lang="en-US" sz="1100" b="1" dirty="0"/>
-                      <a:t>id</a:t>
+                      <a:t>username</a:t>
                     </a:r>
                   </a:p>
                   <a:p>
+                    <a:pPr>
+                      <a:lnSpc>
+                        <a:spcPct val="150000"/>
+                      </a:lnSpc>
+                    </a:pPr>
                     <a:r>
                       <a:rPr lang="en-US" sz="1100" dirty="0"/>
                       <a:t>age</a:t>
                     </a:r>
                   </a:p>
                   <a:p>
+                    <a:pPr>
+                      <a:lnSpc>
+                        <a:spcPct val="150000"/>
+                      </a:lnSpc>
+                    </a:pPr>
+                    <a:r>
+                      <a:rPr lang="en-US" sz="1100" dirty="0"/>
+                      <a:t>gender</a:t>
+                    </a:r>
+                  </a:p>
+                  <a:p>
+                    <a:pPr>
+                      <a:lnSpc>
+                        <a:spcPct val="150000"/>
+                      </a:lnSpc>
+                    </a:pPr>
                     <a:r>
                       <a:rPr lang="en-US" sz="1100" dirty="0"/>
                       <a:t>race</a:t>
-                    </a:r>
-                  </a:p>
-                  <a:p>
-                    <a:r>
-                      <a:rPr lang="en-US" sz="1100" b="1" dirty="0"/>
-                      <a:t>admission_</a:t>
-                    </a:r>
-                    <a:r>
-                      <a:rPr lang="en-US" altLang="zh-CN" sz="1100" b="1" dirty="0"/>
-                      <a:t>date</a:t>
-                    </a:r>
-                  </a:p>
-                  <a:p>
-                    <a:r>
-                      <a:rPr lang="en-US" sz="1100" dirty="0"/>
-                      <a:t>discharge_date</a:t>
                     </a:r>
                   </a:p>
                 </p:txBody>
               </p:sp>
               <p:sp>
                 <p:nvSpPr>
-                  <p:cNvPr id="63" name="TextBox 62">
+                  <p:cNvPr id="88" name="TextBox 87">
                     <a:extLst>
                       <a:ext uri="{FF2B5EF4-FFF2-40B4-BE49-F238E27FC236}">
-                        <a16:creationId xmlns:a16="http://schemas.microsoft.com/office/drawing/2014/main" id="{18DB2259-0A90-4487-BF1E-65C6121B8154}"/>
+                        <a16:creationId xmlns:a16="http://schemas.microsoft.com/office/drawing/2014/main" id="{E369EC24-B0B5-4BF0-98EC-352AF892D990}"/>
                       </a:ext>
                     </a:extLst>
                   </p:cNvPr>
@@ -9283,8 +7556,8 @@
                 </p:nvSpPr>
                 <p:spPr>
                   <a:xfrm>
-                    <a:off x="3288601" y="1766684"/>
-                    <a:ext cx="1471337" cy="1504516"/>
+                    <a:off x="3248277" y="1573144"/>
+                    <a:ext cx="1222300" cy="1553921"/>
                   </a:xfrm>
                   <a:prstGeom prst="rect">
                     <a:avLst/>
@@ -9297,117 +7570,58 @@
                   </a:bodyPr>
                   <a:lstStyle/>
                   <a:p>
+                    <a:pPr>
+                      <a:lnSpc>
+                        <a:spcPct val="150000"/>
+                      </a:lnSpc>
+                    </a:pPr>
+                    <a:r>
+                      <a:rPr lang="en-US" sz="1100" dirty="0"/>
+                      <a:t>CHAR(50)</a:t>
+                    </a:r>
+                  </a:p>
+                  <a:p>
+                    <a:pPr>
+                      <a:lnSpc>
+                        <a:spcPct val="150000"/>
+                      </a:lnSpc>
+                    </a:pPr>
                     <a:r>
                       <a:rPr lang="en-US" sz="1100" dirty="0"/>
                       <a:t>INTEGER</a:t>
                     </a:r>
                   </a:p>
                   <a:p>
+                    <a:pPr>
+                      <a:lnSpc>
+                        <a:spcPct val="150000"/>
+                      </a:lnSpc>
+                    </a:pPr>
                     <a:r>
                       <a:rPr lang="en-US" sz="1100" dirty="0"/>
-                      <a:t>INTEGER</a:t>
+                      <a:t>ENUM</a:t>
                     </a:r>
                   </a:p>
                   <a:p>
+                    <a:pPr>
+                      <a:lnSpc>
+                        <a:spcPct val="150000"/>
+                      </a:lnSpc>
+                    </a:pPr>
                     <a:r>
                       <a:rPr lang="en-US" sz="1100" dirty="0"/>
-                      <a:t>CHAR(20)</a:t>
-                    </a:r>
-                  </a:p>
-                  <a:p>
-                    <a:r>
-                      <a:rPr lang="en-US" sz="1100" dirty="0"/>
-                      <a:t>TIMESTAMP</a:t>
-                    </a:r>
-                  </a:p>
-                  <a:p>
-                    <a:r>
-                      <a:rPr lang="en-US" sz="1100" dirty="0"/>
-                      <a:t>TIMESTAMP</a:t>
+                      <a:t>ENUM</a:t>
                     </a:r>
                   </a:p>
                 </p:txBody>
               </p:sp>
             </p:grpSp>
-            <p:sp>
-              <p:nvSpPr>
-                <p:cNvPr id="5" name="Rectangle 4">
+            <p:grpSp>
+              <p:nvGrpSpPr>
+                <p:cNvPr id="90" name="Group 89">
                   <a:extLst>
                     <a:ext uri="{FF2B5EF4-FFF2-40B4-BE49-F238E27FC236}">
-                      <a16:creationId xmlns:a16="http://schemas.microsoft.com/office/drawing/2014/main" id="{20B9B7F6-C5AD-4608-AA1E-0926CC656EE5}"/>
-                    </a:ext>
-                  </a:extLst>
-                </p:cNvPr>
-                <p:cNvSpPr/>
-                <p:nvPr/>
-              </p:nvSpPr>
-              <p:spPr>
-                <a:xfrm>
-                  <a:off x="8338664" y="3483147"/>
-                  <a:ext cx="2767389" cy="2239763"/>
-                </a:xfrm>
-                <a:prstGeom prst="rect">
-                  <a:avLst/>
-                </a:prstGeom>
-                <a:noFill/>
-                <a:ln w="19050">
-                  <a:solidFill>
-                    <a:schemeClr val="tx1"/>
-                  </a:solidFill>
-                </a:ln>
-              </p:spPr>
-              <p:style>
-                <a:lnRef idx="2">
-                  <a:schemeClr val="accent1">
-                    <a:shade val="50000"/>
-                  </a:schemeClr>
-                </a:lnRef>
-                <a:fillRef idx="1">
-                  <a:schemeClr val="accent1"/>
-                </a:fillRef>
-                <a:effectRef idx="0">
-                  <a:schemeClr val="accent1"/>
-                </a:effectRef>
-                <a:fontRef idx="minor">
-                  <a:schemeClr val="lt1"/>
-                </a:fontRef>
-              </p:style>
-              <p:txBody>
-                <a:bodyPr rtlCol="0" anchor="ctr"/>
-                <a:lstStyle/>
-                <a:p>
-                  <a:pPr algn="ctr"/>
-                  <a:endParaRPr lang="en-US"/>
-                </a:p>
-              </p:txBody>
-            </p:sp>
-          </p:grpSp>
-          <p:grpSp>
-            <p:nvGrpSpPr>
-              <p:cNvPr id="93" name="Group 92">
-                <a:extLst>
-                  <a:ext uri="{FF2B5EF4-FFF2-40B4-BE49-F238E27FC236}">
-                    <a16:creationId xmlns:a16="http://schemas.microsoft.com/office/drawing/2014/main" id="{5E5CBF86-47C0-417C-AC00-9D4FBF68C28E}"/>
-                  </a:ext>
-                </a:extLst>
-              </p:cNvPr>
-              <p:cNvGrpSpPr/>
-              <p:nvPr/>
-            </p:nvGrpSpPr>
-            <p:grpSpPr>
-              <a:xfrm>
-                <a:off x="8990690" y="2836701"/>
-                <a:ext cx="1409365" cy="906232"/>
-                <a:chOff x="6660563" y="1012260"/>
-                <a:chExt cx="2957475" cy="1428407"/>
-              </a:xfrm>
-            </p:grpSpPr>
-            <p:grpSp>
-              <p:nvGrpSpPr>
-                <p:cNvPr id="96" name="Group 95">
-                  <a:extLst>
-                    <a:ext uri="{FF2B5EF4-FFF2-40B4-BE49-F238E27FC236}">
-                      <a16:creationId xmlns:a16="http://schemas.microsoft.com/office/drawing/2014/main" id="{EFD125A8-5770-489F-A583-8DDC72F0FE36}"/>
+                      <a16:creationId xmlns:a16="http://schemas.microsoft.com/office/drawing/2014/main" id="{BE021EA1-8FF7-4EEA-8C91-51FDFF424C25}"/>
                     </a:ext>
                   </a:extLst>
                 </p:cNvPr>
@@ -9416,18 +7630,18 @@
               </p:nvGrpSpPr>
               <p:grpSpPr>
                 <a:xfrm>
-                  <a:off x="6861111" y="1101012"/>
-                  <a:ext cx="2547256" cy="1259632"/>
+                  <a:off x="2786205" y="5841768"/>
+                  <a:ext cx="923225" cy="658367"/>
                   <a:chOff x="1940768" y="1203649"/>
                   <a:chExt cx="2547256" cy="1259632"/>
                 </a:xfrm>
               </p:grpSpPr>
               <p:sp>
                 <p:nvSpPr>
-                  <p:cNvPr id="98" name="Flowchart: Decision 97">
+                  <p:cNvPr id="91" name="Flowchart: Decision 90">
                     <a:extLst>
                       <a:ext uri="{FF2B5EF4-FFF2-40B4-BE49-F238E27FC236}">
-                        <a16:creationId xmlns:a16="http://schemas.microsoft.com/office/drawing/2014/main" id="{494A2EE6-DA9D-4DF8-902E-4D4FDD9B21F3}"/>
+                        <a16:creationId xmlns:a16="http://schemas.microsoft.com/office/drawing/2014/main" id="{52BE1FBD-3460-4785-A081-22E2DE0733BB}"/>
                       </a:ext>
                     </a:extLst>
                   </p:cNvPr>
@@ -9476,10 +7690,10 @@
               </p:sp>
               <p:sp>
                 <p:nvSpPr>
-                  <p:cNvPr id="99" name="TextBox 98">
+                  <p:cNvPr id="92" name="TextBox 91">
                     <a:extLst>
                       <a:ext uri="{FF2B5EF4-FFF2-40B4-BE49-F238E27FC236}">
-                        <a16:creationId xmlns:a16="http://schemas.microsoft.com/office/drawing/2014/main" id="{80F8A029-2D3D-4728-A98A-741C71BE2CDD}"/>
+                        <a16:creationId xmlns:a16="http://schemas.microsoft.com/office/drawing/2014/main" id="{DF62B66D-42DC-4B52-8952-6C1FB131C76E}"/>
                       </a:ext>
                     </a:extLst>
                   </p:cNvPr>
@@ -9488,8 +7702,8 @@
                 </p:nvSpPr>
                 <p:spPr>
                   <a:xfrm>
-                    <a:off x="2123203" y="1622856"/>
-                    <a:ext cx="2182387" cy="418638"/>
+                    <a:off x="2268267" y="1487080"/>
+                    <a:ext cx="2065707" cy="681555"/>
                   </a:xfrm>
                   <a:prstGeom prst="rect">
                     <a:avLst/>
@@ -9503,153 +7717,38 @@
                   <a:lstStyle/>
                   <a:p>
                     <a:r>
-                      <a:rPr lang="en-US" sz="1100" dirty="0"/>
-                      <a:t>hospitalization</a:t>
+                      <a:rPr lang="en-US" altLang="zh-CN" sz="800" dirty="0"/>
+                      <a:t>comment_publish</a:t>
                     </a:r>
+                    <a:endParaRPr lang="en-US" sz="800" dirty="0"/>
                   </a:p>
                 </p:txBody>
               </p:sp>
             </p:grpSp>
-            <p:sp>
-              <p:nvSpPr>
-                <p:cNvPr id="97" name="Flowchart: Decision 96">
+            <p:cxnSp>
+              <p:nvCxnSpPr>
+                <p:cNvPr id="8" name="Straight Connector 7">
                   <a:extLst>
                     <a:ext uri="{FF2B5EF4-FFF2-40B4-BE49-F238E27FC236}">
-                      <a16:creationId xmlns:a16="http://schemas.microsoft.com/office/drawing/2014/main" id="{F69DEF9D-0346-4096-9F90-E828A240A8E1}"/>
+                      <a16:creationId xmlns:a16="http://schemas.microsoft.com/office/drawing/2014/main" id="{1341DA77-46A4-4E1B-BEA7-07149689AAD6}"/>
                     </a:ext>
                   </a:extLst>
                 </p:cNvPr>
-                <p:cNvSpPr/>
-                <p:nvPr/>
-              </p:nvSpPr>
-              <p:spPr>
-                <a:xfrm>
-                  <a:off x="6660563" y="1012260"/>
-                  <a:ext cx="2957475" cy="1428407"/>
-                </a:xfrm>
-                <a:prstGeom prst="flowChartDecision">
-                  <a:avLst/>
-                </a:prstGeom>
-                <a:noFill/>
-                <a:ln w="28575">
-                  <a:solidFill>
-                    <a:schemeClr val="tx1"/>
-                  </a:solidFill>
-                </a:ln>
-              </p:spPr>
-              <p:style>
-                <a:lnRef idx="2">
-                  <a:schemeClr val="accent1">
-                    <a:shade val="50000"/>
-                  </a:schemeClr>
-                </a:lnRef>
-                <a:fillRef idx="1">
-                  <a:schemeClr val="accent1"/>
-                </a:fillRef>
-                <a:effectRef idx="0">
-                  <a:schemeClr val="accent1"/>
-                </a:effectRef>
-                <a:fontRef idx="minor">
-                  <a:schemeClr val="lt1"/>
-                </a:fontRef>
-              </p:style>
-              <p:txBody>
-                <a:bodyPr rtlCol="0" anchor="ctr"/>
-                <a:lstStyle/>
-                <a:p>
-                  <a:pPr algn="ctr"/>
-                  <a:endParaRPr lang="en-US"/>
-                </a:p>
-              </p:txBody>
-            </p:sp>
-          </p:grpSp>
-          <p:cxnSp>
-            <p:nvCxnSpPr>
-              <p:cNvPr id="13" name="Straight Arrow Connector 12">
-                <a:extLst>
-                  <a:ext uri="{FF2B5EF4-FFF2-40B4-BE49-F238E27FC236}">
-                    <a16:creationId xmlns:a16="http://schemas.microsoft.com/office/drawing/2014/main" id="{BDA2C176-58CA-43E9-A962-24850F9375CE}"/>
-                  </a:ext>
-                </a:extLst>
-              </p:cNvPr>
-              <p:cNvCxnSpPr>
-                <a:cxnSpLocks/>
-                <a:stCxn id="97" idx="0"/>
-                <a:endCxn id="81" idx="2"/>
-              </p:cNvCxnSpPr>
-              <p:nvPr/>
-            </p:nvCxnSpPr>
-            <p:spPr>
-              <a:xfrm flipH="1" flipV="1">
-                <a:off x="9694678" y="2363992"/>
-                <a:ext cx="695" cy="472709"/>
-              </a:xfrm>
-              <a:prstGeom prst="straightConnector1">
-                <a:avLst/>
-              </a:prstGeom>
-              <a:ln w="28575">
-                <a:solidFill>
-                  <a:schemeClr val="tx1"/>
-                </a:solidFill>
-                <a:tailEnd type="triangle"/>
-              </a:ln>
-            </p:spPr>
-            <p:style>
-              <a:lnRef idx="1">
-                <a:schemeClr val="accent1"/>
-              </a:lnRef>
-              <a:fillRef idx="0">
-                <a:schemeClr val="accent1"/>
-              </a:fillRef>
-              <a:effectRef idx="0">
-                <a:schemeClr val="accent1"/>
-              </a:effectRef>
-              <a:fontRef idx="minor">
-                <a:schemeClr val="tx1"/>
-              </a:fontRef>
-            </p:style>
-          </p:cxnSp>
-          <p:grpSp>
-            <p:nvGrpSpPr>
-              <p:cNvPr id="100" name="Group 99">
-                <a:extLst>
-                  <a:ext uri="{FF2B5EF4-FFF2-40B4-BE49-F238E27FC236}">
-                    <a16:creationId xmlns:a16="http://schemas.microsoft.com/office/drawing/2014/main" id="{AB3418C4-9738-4C75-8BED-768D19DB40CA}"/>
-                  </a:ext>
-                </a:extLst>
-              </p:cNvPr>
-              <p:cNvGrpSpPr/>
-              <p:nvPr/>
-            </p:nvGrpSpPr>
-            <p:grpSpPr>
-              <a:xfrm rot="5400000" flipV="1">
-                <a:off x="9403986" y="3960658"/>
-                <a:ext cx="578482" cy="50208"/>
-                <a:chOff x="4313853" y="3403202"/>
-                <a:chExt cx="1782148" cy="37569"/>
-              </a:xfrm>
-            </p:grpSpPr>
-            <p:cxnSp>
-              <p:nvCxnSpPr>
-                <p:cNvPr id="101" name="Straight Connector 100">
-                  <a:extLst>
-                    <a:ext uri="{FF2B5EF4-FFF2-40B4-BE49-F238E27FC236}">
-                      <a16:creationId xmlns:a16="http://schemas.microsoft.com/office/drawing/2014/main" id="{F05915E5-4B32-47CC-9720-E2358A95BFF4}"/>
-                    </a:ext>
-                  </a:extLst>
-                </p:cNvPr>
-                <p:cNvCxnSpPr/>
+                <p:cNvCxnSpPr>
+                  <a:stCxn id="68" idx="3"/>
+                  <a:endCxn id="91" idx="1"/>
+                </p:cNvCxnSpPr>
                 <p:nvPr/>
               </p:nvCxnSpPr>
               <p:spPr>
                 <a:xfrm>
-                  <a:off x="4313853" y="3440771"/>
-                  <a:ext cx="1782148" cy="0"/>
+                  <a:off x="2436845" y="6170952"/>
+                  <a:ext cx="349360" cy="0"/>
                 </a:xfrm>
                 <a:prstGeom prst="line">
                   <a:avLst/>
                 </a:prstGeom>
-                <a:ln w="9525">
+                <a:ln w="28575">
                   <a:solidFill>
                     <a:schemeClr val="tx1"/>
                   </a:solidFill>
@@ -9672,28 +7771,31 @@
             </p:cxnSp>
             <p:cxnSp>
               <p:nvCxnSpPr>
-                <p:cNvPr id="102" name="Straight Connector 101">
+                <p:cNvPr id="10" name="Straight Arrow Connector 9">
                   <a:extLst>
                     <a:ext uri="{FF2B5EF4-FFF2-40B4-BE49-F238E27FC236}">
-                      <a16:creationId xmlns:a16="http://schemas.microsoft.com/office/drawing/2014/main" id="{9871053F-7005-44E4-B3BF-0D1249622CD4}"/>
+                      <a16:creationId xmlns:a16="http://schemas.microsoft.com/office/drawing/2014/main" id="{69D1982D-28C7-4DF6-8ECD-E429CDCC9D2E}"/>
                     </a:ext>
                   </a:extLst>
                 </p:cNvPr>
-                <p:cNvCxnSpPr/>
+                <p:cNvCxnSpPr>
+                  <a:stCxn id="91" idx="3"/>
+                </p:cNvCxnSpPr>
                 <p:nvPr/>
               </p:nvCxnSpPr>
               <p:spPr>
-                <a:xfrm>
-                  <a:off x="4313856" y="3403202"/>
-                  <a:ext cx="1782145" cy="0"/>
+                <a:xfrm flipV="1">
+                  <a:off x="3709430" y="6170951"/>
+                  <a:ext cx="327548" cy="1"/>
                 </a:xfrm>
-                <a:prstGeom prst="line">
+                <a:prstGeom prst="straightConnector1">
                   <a:avLst/>
                 </a:prstGeom>
-                <a:ln w="9525">
+                <a:ln w="28575">
                   <a:solidFill>
                     <a:schemeClr val="tx1"/>
                   </a:solidFill>
+                  <a:tailEnd type="triangle"/>
                 </a:ln>
               </p:spPr>
               <p:style>
@@ -9714,10 +7816,10 @@
           </p:grpSp>
           <p:grpSp>
             <p:nvGrpSpPr>
-              <p:cNvPr id="15" name="Group 14">
+              <p:cNvPr id="19" name="Group 18">
                 <a:extLst>
                   <a:ext uri="{FF2B5EF4-FFF2-40B4-BE49-F238E27FC236}">
-                    <a16:creationId xmlns:a16="http://schemas.microsoft.com/office/drawing/2014/main" id="{6BAC24FD-0239-4168-820C-AB8F8C5D582F}"/>
+                    <a16:creationId xmlns:a16="http://schemas.microsoft.com/office/drawing/2014/main" id="{589BE3FD-4660-41AC-B32F-8AFCBF4E0E7D}"/>
                   </a:ext>
                 </a:extLst>
               </p:cNvPr>
@@ -9726,18 +7828,18 @@
             </p:nvGrpSpPr>
             <p:grpSpPr>
               <a:xfrm>
-                <a:off x="2662816" y="2874156"/>
-                <a:ext cx="2205444" cy="1906659"/>
-                <a:chOff x="2509950" y="2828321"/>
-                <a:chExt cx="2205444" cy="1906659"/>
+                <a:off x="405884" y="559696"/>
+                <a:ext cx="10444061" cy="6030816"/>
+                <a:chOff x="405884" y="559696"/>
+                <a:chExt cx="10444061" cy="6030816"/>
               </a:xfrm>
             </p:grpSpPr>
             <p:grpSp>
               <p:nvGrpSpPr>
-                <p:cNvPr id="103" name="Group 102">
+                <p:cNvPr id="65" name="Group 64">
                   <a:extLst>
                     <a:ext uri="{FF2B5EF4-FFF2-40B4-BE49-F238E27FC236}">
-                      <a16:creationId xmlns:a16="http://schemas.microsoft.com/office/drawing/2014/main" id="{1F284D21-E2D9-47D7-89D9-82E47704867A}"/>
+                      <a16:creationId xmlns:a16="http://schemas.microsoft.com/office/drawing/2014/main" id="{74A5FB32-1175-4B17-8647-7079D8AD088C}"/>
                     </a:ext>
                   </a:extLst>
                 </p:cNvPr>
@@ -9746,18 +7848,494 @@
               </p:nvGrpSpPr>
               <p:grpSpPr>
                 <a:xfrm>
-                  <a:off x="2555902" y="2888245"/>
-                  <a:ext cx="2090395" cy="1777420"/>
-                  <a:chOff x="1614196" y="849086"/>
-                  <a:chExt cx="2911151" cy="2500604"/>
+                  <a:off x="4349413" y="559696"/>
+                  <a:ext cx="2057168" cy="2392433"/>
+                  <a:chOff x="5877453" y="3068835"/>
+                  <a:chExt cx="2911151" cy="2864666"/>
+                </a:xfrm>
+              </p:grpSpPr>
+              <p:grpSp>
+                <p:nvGrpSpPr>
+                  <p:cNvPr id="51" name="Group 50">
+                    <a:extLst>
+                      <a:ext uri="{FF2B5EF4-FFF2-40B4-BE49-F238E27FC236}">
+                        <a16:creationId xmlns:a16="http://schemas.microsoft.com/office/drawing/2014/main" id="{97CB04CB-6DC4-4B19-8AC5-9890BFB08EB4}"/>
+                      </a:ext>
+                    </a:extLst>
+                  </p:cNvPr>
+                  <p:cNvGrpSpPr/>
+                  <p:nvPr/>
+                </p:nvGrpSpPr>
+                <p:grpSpPr>
+                  <a:xfrm>
+                    <a:off x="5877453" y="3068835"/>
+                    <a:ext cx="2911151" cy="2500603"/>
+                    <a:chOff x="1614196" y="849086"/>
+                    <a:chExt cx="2911151" cy="2500604"/>
+                  </a:xfrm>
+                </p:grpSpPr>
+                <p:sp>
+                  <p:nvSpPr>
+                    <p:cNvPr id="53" name="Rectangle 52">
+                      <a:extLst>
+                        <a:ext uri="{FF2B5EF4-FFF2-40B4-BE49-F238E27FC236}">
+                          <a16:creationId xmlns:a16="http://schemas.microsoft.com/office/drawing/2014/main" id="{4D7870D5-603A-4435-9949-1217E39A8B0D}"/>
+                        </a:ext>
+                      </a:extLst>
+                    </p:cNvPr>
+                    <p:cNvSpPr/>
+                    <p:nvPr/>
+                  </p:nvSpPr>
+                  <p:spPr>
+                    <a:xfrm>
+                      <a:off x="1614196" y="849086"/>
+                      <a:ext cx="2911151" cy="2500604"/>
+                    </a:xfrm>
+                    <a:prstGeom prst="rect">
+                      <a:avLst/>
+                    </a:prstGeom>
+                    <a:noFill/>
+                    <a:ln w="28575">
+                      <a:solidFill>
+                        <a:schemeClr val="tx1"/>
+                      </a:solidFill>
+                    </a:ln>
+                  </p:spPr>
+                  <p:style>
+                    <a:lnRef idx="2">
+                      <a:schemeClr val="accent1">
+                        <a:shade val="50000"/>
+                      </a:schemeClr>
+                    </a:lnRef>
+                    <a:fillRef idx="1">
+                      <a:schemeClr val="accent1"/>
+                    </a:fillRef>
+                    <a:effectRef idx="0">
+                      <a:schemeClr val="accent1"/>
+                    </a:effectRef>
+                    <a:fontRef idx="minor">
+                      <a:schemeClr val="lt1"/>
+                    </a:fontRef>
+                  </p:style>
+                  <p:txBody>
+                    <a:bodyPr rtlCol="0" anchor="ctr"/>
+                    <a:lstStyle/>
+                    <a:p>
+                      <a:pPr algn="ctr"/>
+                      <a:endParaRPr lang="en-US"/>
+                    </a:p>
+                  </p:txBody>
+                </p:sp>
+                <p:cxnSp>
+                  <p:nvCxnSpPr>
+                    <p:cNvPr id="54" name="Straight Connector 53">
+                      <a:extLst>
+                        <a:ext uri="{FF2B5EF4-FFF2-40B4-BE49-F238E27FC236}">
+                          <a16:creationId xmlns:a16="http://schemas.microsoft.com/office/drawing/2014/main" id="{9229272C-1646-495C-B1C6-D1B582E8FFC7}"/>
+                        </a:ext>
+                      </a:extLst>
+                    </p:cNvPr>
+                    <p:cNvCxnSpPr>
+                      <a:cxnSpLocks/>
+                    </p:cNvCxnSpPr>
+                    <p:nvPr/>
+                  </p:nvCxnSpPr>
+                  <p:spPr>
+                    <a:xfrm>
+                      <a:off x="1614196" y="1418253"/>
+                      <a:ext cx="2911151" cy="0"/>
+                    </a:xfrm>
+                    <a:prstGeom prst="line">
+                      <a:avLst/>
+                    </a:prstGeom>
+                    <a:ln w="28575">
+                      <a:solidFill>
+                        <a:schemeClr val="tx1"/>
+                      </a:solidFill>
+                    </a:ln>
+                  </p:spPr>
+                  <p:style>
+                    <a:lnRef idx="1">
+                      <a:schemeClr val="accent1"/>
+                    </a:lnRef>
+                    <a:fillRef idx="0">
+                      <a:schemeClr val="accent1"/>
+                    </a:fillRef>
+                    <a:effectRef idx="0">
+                      <a:schemeClr val="accent1"/>
+                    </a:effectRef>
+                    <a:fontRef idx="minor">
+                      <a:schemeClr val="tx1"/>
+                    </a:fontRef>
+                  </p:style>
+                </p:cxnSp>
+                <p:sp>
+                  <p:nvSpPr>
+                    <p:cNvPr id="55" name="TextBox 54">
+                      <a:extLst>
+                        <a:ext uri="{FF2B5EF4-FFF2-40B4-BE49-F238E27FC236}">
+                          <a16:creationId xmlns:a16="http://schemas.microsoft.com/office/drawing/2014/main" id="{4F93B254-5EB1-40B5-A467-B28F4751FFA0}"/>
+                        </a:ext>
+                      </a:extLst>
+                    </p:cNvPr>
+                    <p:cNvSpPr txBox="1"/>
+                    <p:nvPr/>
+                  </p:nvSpPr>
+                  <p:spPr>
+                    <a:xfrm>
+                      <a:off x="2702033" y="933454"/>
+                      <a:ext cx="1455575" cy="369331"/>
+                    </a:xfrm>
+                    <a:prstGeom prst="rect">
+                      <a:avLst/>
+                    </a:prstGeom>
+                    <a:noFill/>
+                  </p:spPr>
+                  <p:txBody>
+                    <a:bodyPr wrap="square" rtlCol="0">
+                      <a:spAutoFit/>
+                    </a:bodyPr>
+                    <a:lstStyle/>
+                    <a:p>
+                      <a:r>
+                        <a:rPr lang="en-US" dirty="0"/>
+                        <a:t>city</a:t>
+                      </a:r>
+                    </a:p>
+                  </p:txBody>
+                </p:sp>
+                <p:cxnSp>
+                  <p:nvCxnSpPr>
+                    <p:cNvPr id="56" name="Straight Connector 55">
+                      <a:extLst>
+                        <a:ext uri="{FF2B5EF4-FFF2-40B4-BE49-F238E27FC236}">
+                          <a16:creationId xmlns:a16="http://schemas.microsoft.com/office/drawing/2014/main" id="{05F398BB-557C-4B42-85AF-DB9F6CB18809}"/>
+                        </a:ext>
+                      </a:extLst>
+                    </p:cNvPr>
+                    <p:cNvCxnSpPr>
+                      <a:endCxn id="53" idx="2"/>
+                    </p:cNvCxnSpPr>
+                    <p:nvPr/>
+                  </p:nvCxnSpPr>
+                  <p:spPr>
+                    <a:xfrm>
+                      <a:off x="3069771" y="1418253"/>
+                      <a:ext cx="1" cy="1931437"/>
+                    </a:xfrm>
+                    <a:prstGeom prst="line">
+                      <a:avLst/>
+                    </a:prstGeom>
+                    <a:ln w="19050">
+                      <a:solidFill>
+                        <a:schemeClr val="tx1"/>
+                      </a:solidFill>
+                    </a:ln>
+                  </p:spPr>
+                  <p:style>
+                    <a:lnRef idx="1">
+                      <a:schemeClr val="accent1"/>
+                    </a:lnRef>
+                    <a:fillRef idx="0">
+                      <a:schemeClr val="accent1"/>
+                    </a:fillRef>
+                    <a:effectRef idx="0">
+                      <a:schemeClr val="accent1"/>
+                    </a:effectRef>
+                    <a:fontRef idx="minor">
+                      <a:schemeClr val="tx1"/>
+                    </a:fontRef>
+                  </p:style>
+                </p:cxnSp>
+              </p:grpSp>
+              <p:sp>
+                <p:nvSpPr>
+                  <p:cNvPr id="62" name="TextBox 61">
+                    <a:extLst>
+                      <a:ext uri="{FF2B5EF4-FFF2-40B4-BE49-F238E27FC236}">
+                        <a16:creationId xmlns:a16="http://schemas.microsoft.com/office/drawing/2014/main" id="{E9E1B86D-8E7E-45FE-96E6-5D756105F4A5}"/>
+                      </a:ext>
+                    </a:extLst>
+                  </p:cNvPr>
+                  <p:cNvSpPr txBox="1"/>
+                  <p:nvPr/>
+                </p:nvSpPr>
+                <p:spPr>
+                  <a:xfrm>
+                    <a:off x="5966987" y="3673200"/>
+                    <a:ext cx="1520453" cy="2260301"/>
+                  </a:xfrm>
+                  <a:prstGeom prst="rect">
+                    <a:avLst/>
+                  </a:prstGeom>
+                  <a:noFill/>
+                </p:spPr>
+                <p:txBody>
+                  <a:bodyPr wrap="square" rtlCol="0">
+                    <a:spAutoFit/>
+                  </a:bodyPr>
+                  <a:lstStyle/>
+                  <a:p>
+                    <a:pPr>
+                      <a:spcBef>
+                        <a:spcPts val="200"/>
+                      </a:spcBef>
+                      <a:spcAft>
+                        <a:spcPts val="200"/>
+                      </a:spcAft>
+                    </a:pPr>
+                    <a:r>
+                      <a:rPr lang="en-US" sz="1100" dirty="0"/>
+                      <a:t>population</a:t>
+                    </a:r>
+                  </a:p>
+                  <a:p>
+                    <a:pPr>
+                      <a:spcBef>
+                        <a:spcPts val="200"/>
+                      </a:spcBef>
+                      <a:spcAft>
+                        <a:spcPts val="200"/>
+                      </a:spcAft>
+                    </a:pPr>
+                    <a:r>
+                      <a:rPr lang="en-US" altLang="zh-CN" sz="1100" dirty="0"/>
+                      <a:t>a</a:t>
+                    </a:r>
+                    <a:r>
+                      <a:rPr lang="en-US" sz="1100" dirty="0"/>
+                      <a:t>vg_salary</a:t>
+                    </a:r>
+                  </a:p>
+                  <a:p>
+                    <a:pPr>
+                      <a:spcBef>
+                        <a:spcPts val="200"/>
+                      </a:spcBef>
+                      <a:spcAft>
+                        <a:spcPts val="200"/>
+                      </a:spcAft>
+                    </a:pPr>
+                    <a:r>
+                      <a:rPr lang="en-US" sz="1100" dirty="0"/>
+                      <a:t>total_cases</a:t>
+                    </a:r>
+                  </a:p>
+                  <a:p>
+                    <a:pPr>
+                      <a:spcBef>
+                        <a:spcPts val="200"/>
+                      </a:spcBef>
+                      <a:spcAft>
+                        <a:spcPts val="200"/>
+                      </a:spcAft>
+                    </a:pPr>
+                    <a:r>
+                      <a:rPr lang="en-US" sz="1100" dirty="0"/>
+                      <a:t>new_cases</a:t>
+                    </a:r>
+                  </a:p>
+                  <a:p>
+                    <a:pPr>
+                      <a:spcBef>
+                        <a:spcPts val="200"/>
+                      </a:spcBef>
+                      <a:spcAft>
+                        <a:spcPts val="200"/>
+                      </a:spcAft>
+                    </a:pPr>
+                    <a:r>
+                      <a:rPr lang="en-US" sz="1100" dirty="0"/>
+                      <a:t>death</a:t>
+                    </a:r>
+                  </a:p>
+                  <a:p>
+                    <a:pPr>
+                      <a:spcBef>
+                        <a:spcPts val="200"/>
+                      </a:spcBef>
+                      <a:spcAft>
+                        <a:spcPts val="200"/>
+                      </a:spcAft>
+                    </a:pPr>
+                    <a:r>
+                      <a:rPr lang="en-US" sz="1100" b="1" dirty="0"/>
+                      <a:t>zipcode</a:t>
+                    </a:r>
+                  </a:p>
+                  <a:p>
+                    <a:pPr>
+                      <a:spcBef>
+                        <a:spcPts val="200"/>
+                      </a:spcBef>
+                      <a:spcAft>
+                        <a:spcPts val="200"/>
+                      </a:spcAft>
+                    </a:pPr>
+                    <a:r>
+                      <a:rPr lang="en-US" sz="1100" b="1" dirty="0"/>
+                      <a:t>city_name</a:t>
+                    </a:r>
+                  </a:p>
+                  <a:p>
+                    <a:endParaRPr lang="en-US" dirty="0"/>
+                  </a:p>
+                </p:txBody>
+              </p:sp>
+              <p:sp>
+                <p:nvSpPr>
+                  <p:cNvPr id="64" name="TextBox 63">
+                    <a:extLst>
+                      <a:ext uri="{FF2B5EF4-FFF2-40B4-BE49-F238E27FC236}">
+                        <a16:creationId xmlns:a16="http://schemas.microsoft.com/office/drawing/2014/main" id="{82BA06C1-AD3D-4978-92BC-0CEB1542F75E}"/>
+                      </a:ext>
+                    </a:extLst>
+                  </p:cNvPr>
+                  <p:cNvSpPr txBox="1"/>
+                  <p:nvPr/>
+                </p:nvSpPr>
+                <p:spPr>
+                  <a:xfrm>
+                    <a:off x="7474524" y="3675472"/>
+                    <a:ext cx="1249209" cy="1897916"/>
+                  </a:xfrm>
+                  <a:prstGeom prst="rect">
+                    <a:avLst/>
+                  </a:prstGeom>
+                  <a:noFill/>
+                </p:spPr>
+                <p:txBody>
+                  <a:bodyPr wrap="square" rtlCol="0">
+                    <a:spAutoFit/>
+                  </a:bodyPr>
+                  <a:lstStyle/>
+                  <a:p>
+                    <a:pPr>
+                      <a:spcBef>
+                        <a:spcPts val="200"/>
+                      </a:spcBef>
+                      <a:spcAft>
+                        <a:spcPts val="200"/>
+                      </a:spcAft>
+                    </a:pPr>
+                    <a:r>
+                      <a:rPr lang="en-US" sz="1100" dirty="0"/>
+                      <a:t>INTEGER</a:t>
+                    </a:r>
+                  </a:p>
+                  <a:p>
+                    <a:pPr>
+                      <a:spcBef>
+                        <a:spcPts val="200"/>
+                      </a:spcBef>
+                      <a:spcAft>
+                        <a:spcPts val="200"/>
+                      </a:spcAft>
+                    </a:pPr>
+                    <a:r>
+                      <a:rPr lang="en-US" sz="1100" dirty="0"/>
+                      <a:t>REAL</a:t>
+                    </a:r>
+                  </a:p>
+                  <a:p>
+                    <a:pPr>
+                      <a:spcBef>
+                        <a:spcPts val="200"/>
+                      </a:spcBef>
+                      <a:spcAft>
+                        <a:spcPts val="200"/>
+                      </a:spcAft>
+                    </a:pPr>
+                    <a:r>
+                      <a:rPr lang="en-US" sz="1100" dirty="0"/>
+                      <a:t>INTEGER</a:t>
+                    </a:r>
+                  </a:p>
+                  <a:p>
+                    <a:pPr>
+                      <a:spcBef>
+                        <a:spcPts val="200"/>
+                      </a:spcBef>
+                      <a:spcAft>
+                        <a:spcPts val="200"/>
+                      </a:spcAft>
+                    </a:pPr>
+                    <a:r>
+                      <a:rPr lang="en-US" sz="1100" dirty="0"/>
+                      <a:t>INTEGER</a:t>
+                    </a:r>
+                  </a:p>
+                  <a:p>
+                    <a:pPr>
+                      <a:spcBef>
+                        <a:spcPts val="200"/>
+                      </a:spcBef>
+                      <a:spcAft>
+                        <a:spcPts val="200"/>
+                      </a:spcAft>
+                    </a:pPr>
+                    <a:r>
+                      <a:rPr lang="en-US" sz="1100" dirty="0"/>
+                      <a:t>INTEGER</a:t>
+                    </a:r>
+                  </a:p>
+                  <a:p>
+                    <a:pPr>
+                      <a:spcBef>
+                        <a:spcPts val="200"/>
+                      </a:spcBef>
+                      <a:spcAft>
+                        <a:spcPts val="200"/>
+                      </a:spcAft>
+                    </a:pPr>
+                    <a:r>
+                      <a:rPr lang="en-US" sz="1100" dirty="0"/>
+                      <a:t>CHAR(5)</a:t>
+                    </a:r>
+                  </a:p>
+                  <a:p>
+                    <a:pPr>
+                      <a:spcBef>
+                        <a:spcPts val="200"/>
+                      </a:spcBef>
+                      <a:spcAft>
+                        <a:spcPts val="200"/>
+                      </a:spcAft>
+                    </a:pPr>
+                    <a:r>
+                      <a:rPr lang="en-US" sz="1100" dirty="0"/>
+                      <a:t>CHAR(30)</a:t>
+                    </a:r>
+                  </a:p>
+                </p:txBody>
+              </p:sp>
+            </p:grpSp>
+            <p:grpSp>
+              <p:nvGrpSpPr>
+                <p:cNvPr id="80" name="Group 79">
+                  <a:extLst>
+                    <a:ext uri="{FF2B5EF4-FFF2-40B4-BE49-F238E27FC236}">
+                      <a16:creationId xmlns:a16="http://schemas.microsoft.com/office/drawing/2014/main" id="{83A6EA7D-3462-49EC-894B-2B6547435E07}"/>
+                    </a:ext>
+                  </a:extLst>
+                </p:cNvPr>
+                <p:cNvGrpSpPr/>
+                <p:nvPr/>
+              </p:nvGrpSpPr>
+              <p:grpSpPr>
+                <a:xfrm>
+                  <a:off x="8701536" y="711868"/>
+                  <a:ext cx="1969105" cy="1652124"/>
+                  <a:chOff x="1588575" y="849086"/>
+                  <a:chExt cx="2936772" cy="2500604"/>
                 </a:xfrm>
               </p:grpSpPr>
               <p:sp>
                 <p:nvSpPr>
-                  <p:cNvPr id="104" name="Rectangle 103">
+                  <p:cNvPr id="81" name="Rectangle 80">
                     <a:extLst>
                       <a:ext uri="{FF2B5EF4-FFF2-40B4-BE49-F238E27FC236}">
-                        <a16:creationId xmlns:a16="http://schemas.microsoft.com/office/drawing/2014/main" id="{3B2E1796-1775-4E69-AECE-E270CAF2A0EB}"/>
+                        <a16:creationId xmlns:a16="http://schemas.microsoft.com/office/drawing/2014/main" id="{19300A8E-76F1-447D-B51D-8FC66B404FBD}"/>
                       </a:ext>
                     </a:extLst>
                   </p:cNvPr>
@@ -9806,10 +8384,10 @@
               </p:sp>
               <p:cxnSp>
                 <p:nvCxnSpPr>
-                  <p:cNvPr id="105" name="Straight Connector 104">
+                  <p:cNvPr id="82" name="Straight Connector 81">
                     <a:extLst>
                       <a:ext uri="{FF2B5EF4-FFF2-40B4-BE49-F238E27FC236}">
-                        <a16:creationId xmlns:a16="http://schemas.microsoft.com/office/drawing/2014/main" id="{627447A9-7315-4363-851F-7D59B67BD2DE}"/>
+                        <a16:creationId xmlns:a16="http://schemas.microsoft.com/office/drawing/2014/main" id="{8093E6E8-C5A7-45E5-A7A1-74F7B8EAF3CD}"/>
                       </a:ext>
                     </a:extLst>
                   </p:cNvPr>
@@ -9849,10 +8427,10 @@
               </p:cxnSp>
               <p:sp>
                 <p:nvSpPr>
-                  <p:cNvPr id="106" name="TextBox 105">
+                  <p:cNvPr id="83" name="TextBox 82">
                     <a:extLst>
                       <a:ext uri="{FF2B5EF4-FFF2-40B4-BE49-F238E27FC236}">
-                        <a16:creationId xmlns:a16="http://schemas.microsoft.com/office/drawing/2014/main" id="{7B3D518D-7930-4BD3-8FEE-ED8C6D575A1C}"/>
+                        <a16:creationId xmlns:a16="http://schemas.microsoft.com/office/drawing/2014/main" id="{37F78B07-09E1-4A30-8626-35433FF289B2}"/>
                       </a:ext>
                     </a:extLst>
                   </p:cNvPr>
@@ -9861,8 +8439,8 @@
                 </p:nvSpPr>
                 <p:spPr>
                   <a:xfrm>
-                    <a:off x="2459605" y="888240"/>
-                    <a:ext cx="1455576" cy="574407"/>
+                    <a:off x="2413758" y="851464"/>
+                    <a:ext cx="1455575" cy="388594"/>
                   </a:xfrm>
                   <a:prstGeom prst="rect">
                     <a:avLst/>
@@ -9877,22 +8455,22 @@
                   <a:p>
                     <a:r>
                       <a:rPr lang="en-US" dirty="0"/>
-                      <a:t>policy</a:t>
+                      <a:t>hospital</a:t>
                     </a:r>
                   </a:p>
                 </p:txBody>
               </p:sp>
               <p:cxnSp>
                 <p:nvCxnSpPr>
-                  <p:cNvPr id="107" name="Straight Connector 106">
+                  <p:cNvPr id="84" name="Straight Connector 83">
                     <a:extLst>
                       <a:ext uri="{FF2B5EF4-FFF2-40B4-BE49-F238E27FC236}">
-                        <a16:creationId xmlns:a16="http://schemas.microsoft.com/office/drawing/2014/main" id="{8CAA01A8-D529-4F66-9AF4-F9045D74B23B}"/>
+                        <a16:creationId xmlns:a16="http://schemas.microsoft.com/office/drawing/2014/main" id="{F4337204-3607-41F4-B0E7-D34683E2C270}"/>
                       </a:ext>
                     </a:extLst>
                   </p:cNvPr>
                   <p:cNvCxnSpPr>
-                    <a:endCxn id="104" idx="2"/>
+                    <a:endCxn id="81" idx="2"/>
                   </p:cNvCxnSpPr>
                   <p:nvPr/>
                 </p:nvCxnSpPr>
@@ -9927,10 +8505,10 @@
               </p:cxnSp>
               <p:sp>
                 <p:nvSpPr>
-                  <p:cNvPr id="108" name="TextBox 107">
+                  <p:cNvPr id="85" name="TextBox 84">
                     <a:extLst>
                       <a:ext uri="{FF2B5EF4-FFF2-40B4-BE49-F238E27FC236}">
-                        <a16:creationId xmlns:a16="http://schemas.microsoft.com/office/drawing/2014/main" id="{AAE095A6-3EF1-43BB-A8EB-5D7DBC31D0F3}"/>
+                        <a16:creationId xmlns:a16="http://schemas.microsoft.com/office/drawing/2014/main" id="{B78F652F-8E18-4397-8ABE-7B007EA2B3F5}"/>
                       </a:ext>
                     </a:extLst>
                   </p:cNvPr>
@@ -9939,8 +8517,8 @@
                 </p:nvSpPr>
                 <p:spPr>
                   <a:xfrm>
-                    <a:off x="1679318" y="1675736"/>
-                    <a:ext cx="1371613" cy="1164687"/>
+                    <a:off x="1588575" y="1517630"/>
+                    <a:ext cx="2170480" cy="1731376"/>
                   </a:xfrm>
                   <a:prstGeom prst="rect">
                     <a:avLst/>
@@ -9954,45 +8532,82 @@
                   <a:lstStyle/>
                   <a:p>
                     <a:pPr>
-                      <a:lnSpc>
-                        <a:spcPct val="150000"/>
-                      </a:lnSpc>
+                      <a:spcBef>
+                        <a:spcPts val="200"/>
+                      </a:spcBef>
+                      <a:spcAft>
+                        <a:spcPts val="200"/>
+                      </a:spcAft>
                     </a:pPr>
                     <a:r>
                       <a:rPr lang="en-US" sz="1100" dirty="0"/>
-                      <a:t>Created_time</a:t>
+                      <a:t>facility_id </a:t>
                     </a:r>
                   </a:p>
                   <a:p>
                     <a:pPr>
-                      <a:lnSpc>
-                        <a:spcPct val="150000"/>
-                      </a:lnSpc>
+                      <a:spcBef>
+                        <a:spcPts val="200"/>
+                      </a:spcBef>
+                      <a:spcAft>
+                        <a:spcPts val="200"/>
+                      </a:spcAft>
                     </a:pPr>
                     <a:r>
                       <a:rPr lang="en-US" sz="1100" dirty="0"/>
-                      <a:t>policy_tpye</a:t>
+                      <a:t>facility_name</a:t>
                     </a:r>
                   </a:p>
                   <a:p>
                     <a:pPr>
-                      <a:lnSpc>
-                        <a:spcPct val="150000"/>
-                      </a:lnSpc>
+                      <a:spcBef>
+                        <a:spcPts val="200"/>
+                      </a:spcBef>
+                      <a:spcAft>
+                        <a:spcPts val="200"/>
+                      </a:spcAft>
                     </a:pPr>
                     <a:r>
                       <a:rPr lang="en-US" sz="1100" dirty="0"/>
-                      <a:t>details</a:t>
+                      <a:t>zipcode</a:t>
+                    </a:r>
+                  </a:p>
+                  <a:p>
+                    <a:pPr>
+                      <a:spcBef>
+                        <a:spcPts val="200"/>
+                      </a:spcBef>
+                      <a:spcAft>
+                        <a:spcPts val="200"/>
+                      </a:spcAft>
+                    </a:pPr>
+                    <a:r>
+                      <a:rPr lang="en-US" sz="1100" dirty="0"/>
+                      <a:t>ownership</a:t>
+                    </a:r>
+                  </a:p>
+                  <a:p>
+                    <a:pPr>
+                      <a:spcBef>
+                        <a:spcPts val="200"/>
+                      </a:spcBef>
+                      <a:spcAft>
+                        <a:spcPts val="200"/>
+                      </a:spcAft>
+                    </a:pPr>
+                    <a:r>
+                      <a:rPr lang="en-US" sz="1100" dirty="0"/>
+                      <a:t>hospital_rating</a:t>
                     </a:r>
                   </a:p>
                 </p:txBody>
               </p:sp>
               <p:sp>
                 <p:nvSpPr>
-                  <p:cNvPr id="109" name="TextBox 108">
+                  <p:cNvPr id="86" name="TextBox 85">
                     <a:extLst>
                       <a:ext uri="{FF2B5EF4-FFF2-40B4-BE49-F238E27FC236}">
-                        <a16:creationId xmlns:a16="http://schemas.microsoft.com/office/drawing/2014/main" id="{930D29BA-19A8-4376-A684-C764D1090B2E}"/>
+                        <a16:creationId xmlns:a16="http://schemas.microsoft.com/office/drawing/2014/main" id="{4EC4855D-8BCB-4EE3-A6B5-E9F8D03E0782}"/>
                       </a:ext>
                     </a:extLst>
                   </p:cNvPr>
@@ -10001,8 +8616,8 @@
                 </p:nvSpPr>
                 <p:spPr>
                   <a:xfrm>
-                    <a:off x="3133766" y="1668929"/>
-                    <a:ext cx="1222299" cy="1164687"/>
+                    <a:off x="3216517" y="1502574"/>
+                    <a:ext cx="1222300" cy="1731376"/>
                   </a:xfrm>
                   <a:prstGeom prst="rect">
                     <a:avLst/>
@@ -10016,183 +8631,1038 @@
                   <a:lstStyle/>
                   <a:p>
                     <a:pPr>
-                      <a:lnSpc>
-                        <a:spcPct val="150000"/>
-                      </a:lnSpc>
+                      <a:spcBef>
+                        <a:spcPts val="200"/>
+                      </a:spcBef>
+                      <a:spcAft>
+                        <a:spcPts val="200"/>
+                      </a:spcAft>
                     </a:pPr>
                     <a:r>
                       <a:rPr lang="en-US" sz="1100" dirty="0"/>
-                      <a:t>timestamp</a:t>
+                      <a:t>CHAR(10)</a:t>
                     </a:r>
                   </a:p>
                   <a:p>
                     <a:pPr>
-                      <a:lnSpc>
-                        <a:spcPct val="150000"/>
-                      </a:lnSpc>
+                      <a:spcBef>
+                        <a:spcPts val="200"/>
+                      </a:spcBef>
+                      <a:spcAft>
+                        <a:spcPts val="200"/>
+                      </a:spcAft>
+                    </a:pPr>
+                    <a:r>
+                      <a:rPr lang="en-US" sz="1100" dirty="0"/>
+                      <a:t>CHAR(50)</a:t>
+                    </a:r>
+                  </a:p>
+                  <a:p>
+                    <a:pPr>
+                      <a:spcBef>
+                        <a:spcPts val="200"/>
+                      </a:spcBef>
+                      <a:spcAft>
+                        <a:spcPts val="200"/>
+                      </a:spcAft>
+                    </a:pPr>
+                    <a:r>
+                      <a:rPr lang="en-US" sz="1100" dirty="0"/>
+                      <a:t>CHAR(10)</a:t>
+                    </a:r>
+                  </a:p>
+                  <a:p>
+                    <a:pPr>
+                      <a:spcBef>
+                        <a:spcPts val="200"/>
+                      </a:spcBef>
+                      <a:spcAft>
+                        <a:spcPts val="200"/>
+                      </a:spcAft>
+                    </a:pPr>
+                    <a:r>
+                      <a:rPr lang="en-US" sz="1100" dirty="0"/>
+                      <a:t>CHAR(50)</a:t>
+                    </a:r>
+                  </a:p>
+                  <a:p>
+                    <a:pPr>
+                      <a:spcBef>
+                        <a:spcPts val="200"/>
+                      </a:spcBef>
+                      <a:spcAft>
+                        <a:spcPts val="200"/>
+                      </a:spcAft>
                     </a:pPr>
                     <a:r>
                       <a:rPr lang="en-US" sz="1100" dirty="0"/>
                       <a:t>ENUM</a:t>
                     </a:r>
                   </a:p>
+                </p:txBody>
+              </p:sp>
+            </p:grpSp>
+            <p:grpSp>
+              <p:nvGrpSpPr>
+                <p:cNvPr id="95" name="Group 94">
+                  <a:extLst>
+                    <a:ext uri="{FF2B5EF4-FFF2-40B4-BE49-F238E27FC236}">
+                      <a16:creationId xmlns:a16="http://schemas.microsoft.com/office/drawing/2014/main" id="{58961050-01D5-4E6B-8DC0-FB429829D777}"/>
+                    </a:ext>
+                  </a:extLst>
+                </p:cNvPr>
+                <p:cNvGrpSpPr/>
+                <p:nvPr/>
+              </p:nvGrpSpPr>
+              <p:grpSpPr>
+                <a:xfrm>
+                  <a:off x="6366395" y="1150352"/>
+                  <a:ext cx="1756660" cy="775155"/>
+                  <a:chOff x="6592435" y="4711550"/>
+                  <a:chExt cx="1988198" cy="718850"/>
+                </a:xfrm>
+              </p:grpSpPr>
+              <p:cxnSp>
+                <p:nvCxnSpPr>
+                  <p:cNvPr id="87" name="Straight Arrow Connector 86">
+                    <a:extLst>
+                      <a:ext uri="{FF2B5EF4-FFF2-40B4-BE49-F238E27FC236}">
+                        <a16:creationId xmlns:a16="http://schemas.microsoft.com/office/drawing/2014/main" id="{B6AE370A-12D0-4172-A0CD-837706193FB2}"/>
+                      </a:ext>
+                    </a:extLst>
+                  </p:cNvPr>
+                  <p:cNvCxnSpPr>
+                    <a:cxnSpLocks/>
+                  </p:cNvCxnSpPr>
+                  <p:nvPr/>
+                </p:nvCxnSpPr>
+                <p:spPr>
+                  <a:xfrm flipH="1" flipV="1">
+                    <a:off x="6592435" y="5070977"/>
+                    <a:ext cx="658969" cy="6827"/>
+                  </a:xfrm>
+                  <a:prstGeom prst="straightConnector1">
+                    <a:avLst/>
+                  </a:prstGeom>
+                  <a:ln w="28575">
+                    <a:solidFill>
+                      <a:schemeClr val="tx1"/>
+                    </a:solidFill>
+                    <a:tailEnd type="triangle"/>
+                  </a:ln>
+                </p:spPr>
+                <p:style>
+                  <a:lnRef idx="1">
+                    <a:schemeClr val="accent1"/>
+                  </a:lnRef>
+                  <a:fillRef idx="0">
+                    <a:schemeClr val="accent1"/>
+                  </a:fillRef>
+                  <a:effectRef idx="0">
+                    <a:schemeClr val="accent1"/>
+                  </a:effectRef>
+                  <a:fontRef idx="minor">
+                    <a:schemeClr val="tx1"/>
+                  </a:fontRef>
+                </p:style>
+              </p:cxnSp>
+              <p:sp>
+                <p:nvSpPr>
+                  <p:cNvPr id="89" name="Flowchart: Decision 88">
+                    <a:extLst>
+                      <a:ext uri="{FF2B5EF4-FFF2-40B4-BE49-F238E27FC236}">
+                        <a16:creationId xmlns:a16="http://schemas.microsoft.com/office/drawing/2014/main" id="{3D655AC9-77A9-4A26-8E6E-A1E2224ADBD9}"/>
+                      </a:ext>
+                    </a:extLst>
+                  </p:cNvPr>
+                  <p:cNvSpPr/>
+                  <p:nvPr/>
+                </p:nvSpPr>
+                <p:spPr>
+                  <a:xfrm>
+                    <a:off x="7261074" y="4711550"/>
+                    <a:ext cx="1319559" cy="718850"/>
+                  </a:xfrm>
+                  <a:prstGeom prst="flowChartDecision">
+                    <a:avLst/>
+                  </a:prstGeom>
+                  <a:noFill/>
+                  <a:ln w="28575">
+                    <a:solidFill>
+                      <a:schemeClr val="tx1"/>
+                    </a:solidFill>
+                  </a:ln>
+                </p:spPr>
+                <p:style>
+                  <a:lnRef idx="2">
+                    <a:schemeClr val="accent1">
+                      <a:shade val="50000"/>
+                    </a:schemeClr>
+                  </a:lnRef>
+                  <a:fillRef idx="1">
+                    <a:schemeClr val="accent1"/>
+                  </a:fillRef>
+                  <a:effectRef idx="0">
+                    <a:schemeClr val="accent1"/>
+                  </a:effectRef>
+                  <a:fontRef idx="minor">
+                    <a:schemeClr val="lt1"/>
+                  </a:fontRef>
+                </p:style>
+                <p:txBody>
+                  <a:bodyPr rtlCol="0" anchor="ctr"/>
+                  <a:lstStyle/>
                   <a:p>
-                    <a:pPr>
-                      <a:lnSpc>
-                        <a:spcPct val="150000"/>
-                      </a:lnSpc>
-                    </a:pPr>
+                    <a:pPr algn="ctr"/>
+                    <a:endParaRPr lang="en-US"/>
+                  </a:p>
+                </p:txBody>
+              </p:sp>
+              <p:sp>
+                <p:nvSpPr>
+                  <p:cNvPr id="94" name="TextBox 93">
+                    <a:extLst>
+                      <a:ext uri="{FF2B5EF4-FFF2-40B4-BE49-F238E27FC236}">
+                        <a16:creationId xmlns:a16="http://schemas.microsoft.com/office/drawing/2014/main" id="{D4D74796-6771-47B8-B1BD-BE8261C22080}"/>
+                      </a:ext>
+                    </a:extLst>
+                  </p:cNvPr>
+                  <p:cNvSpPr txBox="1"/>
+                  <p:nvPr/>
+                </p:nvSpPr>
+                <p:spPr>
+                  <a:xfrm>
+                    <a:off x="7475400" y="4918637"/>
+                    <a:ext cx="967088" cy="285421"/>
+                  </a:xfrm>
+                  <a:prstGeom prst="rect">
+                    <a:avLst/>
+                  </a:prstGeom>
+                  <a:noFill/>
+                </p:spPr>
+                <p:txBody>
+                  <a:bodyPr wrap="none" rtlCol="0">
+                    <a:spAutoFit/>
+                  </a:bodyPr>
+                  <a:lstStyle/>
+                  <a:p>
                     <a:r>
-                      <a:rPr lang="en-US" sz="1100" dirty="0"/>
-                      <a:t>char(2000)</a:t>
+                      <a:rPr lang="en-US" sz="1400" dirty="0"/>
+                      <a:t>locate_in</a:t>
                     </a:r>
                   </a:p>
                 </p:txBody>
               </p:sp>
             </p:grpSp>
-            <p:sp>
-              <p:nvSpPr>
-                <p:cNvPr id="14" name="Rectangle 13">
+            <p:grpSp>
+              <p:nvGrpSpPr>
+                <p:cNvPr id="41" name="Group 40">
                   <a:extLst>
                     <a:ext uri="{FF2B5EF4-FFF2-40B4-BE49-F238E27FC236}">
-                      <a16:creationId xmlns:a16="http://schemas.microsoft.com/office/drawing/2014/main" id="{09D3C933-7ACC-4098-A611-2BFB35488A8D}"/>
+                      <a16:creationId xmlns:a16="http://schemas.microsoft.com/office/drawing/2014/main" id="{3C412429-C934-4BB8-ACFD-B434F715A54F}"/>
                     </a:ext>
                   </a:extLst>
                 </p:cNvPr>
-                <p:cNvSpPr/>
+                <p:cNvGrpSpPr/>
                 <p:nvPr/>
-              </p:nvSpPr>
+              </p:nvGrpSpPr>
+              <p:grpSpPr>
+                <a:xfrm flipV="1">
+                  <a:off x="8123055" y="1524400"/>
+                  <a:ext cx="578481" cy="27057"/>
+                  <a:chOff x="4313853" y="3411864"/>
+                  <a:chExt cx="1782147" cy="20246"/>
+                </a:xfrm>
+              </p:grpSpPr>
+              <p:cxnSp>
+                <p:nvCxnSpPr>
+                  <p:cNvPr id="42" name="Straight Connector 41">
+                    <a:extLst>
+                      <a:ext uri="{FF2B5EF4-FFF2-40B4-BE49-F238E27FC236}">
+                        <a16:creationId xmlns:a16="http://schemas.microsoft.com/office/drawing/2014/main" id="{9B01BE54-74AE-4B43-B045-47112B39DF65}"/>
+                      </a:ext>
+                    </a:extLst>
+                  </p:cNvPr>
+                  <p:cNvCxnSpPr/>
+                  <p:nvPr/>
+                </p:nvCxnSpPr>
+                <p:spPr>
+                  <a:xfrm>
+                    <a:off x="4313853" y="3432110"/>
+                    <a:ext cx="1782147" cy="0"/>
+                  </a:xfrm>
+                  <a:prstGeom prst="line">
+                    <a:avLst/>
+                  </a:prstGeom>
+                  <a:ln w="9525">
+                    <a:solidFill>
+                      <a:schemeClr val="tx1"/>
+                    </a:solidFill>
+                  </a:ln>
+                </p:spPr>
+                <p:style>
+                  <a:lnRef idx="1">
+                    <a:schemeClr val="accent1"/>
+                  </a:lnRef>
+                  <a:fillRef idx="0">
+                    <a:schemeClr val="accent1"/>
+                  </a:fillRef>
+                  <a:effectRef idx="0">
+                    <a:schemeClr val="accent1"/>
+                  </a:effectRef>
+                  <a:fontRef idx="minor">
+                    <a:schemeClr val="tx1"/>
+                  </a:fontRef>
+                </p:style>
+              </p:cxnSp>
+              <p:cxnSp>
+                <p:nvCxnSpPr>
+                  <p:cNvPr id="43" name="Straight Connector 42">
+                    <a:extLst>
+                      <a:ext uri="{FF2B5EF4-FFF2-40B4-BE49-F238E27FC236}">
+                        <a16:creationId xmlns:a16="http://schemas.microsoft.com/office/drawing/2014/main" id="{07B72B65-8572-480D-9C27-429DE5A499F3}"/>
+                      </a:ext>
+                    </a:extLst>
+                  </p:cNvPr>
+                  <p:cNvCxnSpPr/>
+                  <p:nvPr/>
+                </p:nvCxnSpPr>
+                <p:spPr>
+                  <a:xfrm>
+                    <a:off x="4313853" y="3411864"/>
+                    <a:ext cx="1782147" cy="0"/>
+                  </a:xfrm>
+                  <a:prstGeom prst="line">
+                    <a:avLst/>
+                  </a:prstGeom>
+                  <a:ln w="9525">
+                    <a:solidFill>
+                      <a:schemeClr val="tx1"/>
+                    </a:solidFill>
+                  </a:ln>
+                </p:spPr>
+                <p:style>
+                  <a:lnRef idx="1">
+                    <a:schemeClr val="accent1"/>
+                  </a:lnRef>
+                  <a:fillRef idx="0">
+                    <a:schemeClr val="accent1"/>
+                  </a:fillRef>
+                  <a:effectRef idx="0">
+                    <a:schemeClr val="accent1"/>
+                  </a:effectRef>
+                  <a:fontRef idx="minor">
+                    <a:schemeClr val="tx1"/>
+                  </a:fontRef>
+                </p:style>
+              </p:cxnSp>
+            </p:grpSp>
+            <p:grpSp>
+              <p:nvGrpSpPr>
+                <p:cNvPr id="45" name="Group 44">
+                  <a:extLst>
+                    <a:ext uri="{FF2B5EF4-FFF2-40B4-BE49-F238E27FC236}">
+                      <a16:creationId xmlns:a16="http://schemas.microsoft.com/office/drawing/2014/main" id="{63CB62BE-C327-4A86-9A14-3595B3C49CD1}"/>
+                    </a:ext>
+                  </a:extLst>
+                </p:cNvPr>
+                <p:cNvGrpSpPr/>
+                <p:nvPr/>
+              </p:nvGrpSpPr>
+              <p:grpSpPr>
+                <a:xfrm>
+                  <a:off x="405884" y="3370197"/>
+                  <a:ext cx="1417216" cy="811561"/>
+                  <a:chOff x="1940768" y="1203649"/>
+                  <a:chExt cx="2547256" cy="1259632"/>
+                </a:xfrm>
+              </p:grpSpPr>
+              <p:sp>
+                <p:nvSpPr>
+                  <p:cNvPr id="46" name="Flowchart: Decision 45">
+                    <a:extLst>
+                      <a:ext uri="{FF2B5EF4-FFF2-40B4-BE49-F238E27FC236}">
+                        <a16:creationId xmlns:a16="http://schemas.microsoft.com/office/drawing/2014/main" id="{411FD556-79A8-4B22-BF66-B06E81AD3A7F}"/>
+                      </a:ext>
+                    </a:extLst>
+                  </p:cNvPr>
+                  <p:cNvSpPr/>
+                  <p:nvPr/>
+                </p:nvSpPr>
+                <p:spPr>
+                  <a:xfrm>
+                    <a:off x="1940768" y="1203649"/>
+                    <a:ext cx="2547256" cy="1259632"/>
+                  </a:xfrm>
+                  <a:prstGeom prst="flowChartDecision">
+                    <a:avLst/>
+                  </a:prstGeom>
+                  <a:noFill/>
+                  <a:ln w="28575">
+                    <a:solidFill>
+                      <a:schemeClr val="tx1"/>
+                    </a:solidFill>
+                  </a:ln>
+                </p:spPr>
+                <p:style>
+                  <a:lnRef idx="2">
+                    <a:schemeClr val="accent1">
+                      <a:shade val="50000"/>
+                    </a:schemeClr>
+                  </a:lnRef>
+                  <a:fillRef idx="1">
+                    <a:schemeClr val="accent1"/>
+                  </a:fillRef>
+                  <a:effectRef idx="0">
+                    <a:schemeClr val="accent1"/>
+                  </a:effectRef>
+                  <a:fontRef idx="minor">
+                    <a:schemeClr val="lt1"/>
+                  </a:fontRef>
+                </p:style>
+                <p:txBody>
+                  <a:bodyPr rtlCol="0" anchor="ctr"/>
+                  <a:lstStyle/>
+                  <a:p>
+                    <a:pPr algn="ctr"/>
+                    <a:endParaRPr lang="en-US"/>
+                  </a:p>
+                </p:txBody>
+              </p:sp>
+              <p:sp>
+                <p:nvSpPr>
+                  <p:cNvPr id="47" name="TextBox 46">
+                    <a:extLst>
+                      <a:ext uri="{FF2B5EF4-FFF2-40B4-BE49-F238E27FC236}">
+                        <a16:creationId xmlns:a16="http://schemas.microsoft.com/office/drawing/2014/main" id="{40096E6C-C0EE-4BB9-B106-A1BABFD9CCF6}"/>
+                      </a:ext>
+                    </a:extLst>
+                  </p:cNvPr>
+                  <p:cNvSpPr txBox="1"/>
+                  <p:nvPr/>
+                </p:nvSpPr>
+                <p:spPr>
+                  <a:xfrm>
+                    <a:off x="2309866" y="1599377"/>
+                    <a:ext cx="1809058" cy="406048"/>
+                  </a:xfrm>
+                  <a:prstGeom prst="rect">
+                    <a:avLst/>
+                  </a:prstGeom>
+                  <a:noFill/>
+                </p:spPr>
+                <p:txBody>
+                  <a:bodyPr wrap="square" rtlCol="0">
+                    <a:spAutoFit/>
+                  </a:bodyPr>
+                  <a:lstStyle/>
+                  <a:p>
+                    <a:r>
+                      <a:rPr lang="en-US" altLang="zh-CN" sz="1100" dirty="0"/>
+                      <a:t>policy_publish</a:t>
+                    </a:r>
+                    <a:endParaRPr lang="en-US" sz="1100" dirty="0"/>
+                  </a:p>
+                </p:txBody>
+              </p:sp>
+            </p:grpSp>
+            <p:grpSp>
+              <p:nvGrpSpPr>
+                <p:cNvPr id="6" name="Group 5">
+                  <a:extLst>
+                    <a:ext uri="{FF2B5EF4-FFF2-40B4-BE49-F238E27FC236}">
+                      <a16:creationId xmlns:a16="http://schemas.microsoft.com/office/drawing/2014/main" id="{4EBB41F0-C040-4BF3-AC35-DF849031F842}"/>
+                    </a:ext>
+                  </a:extLst>
+                </p:cNvPr>
+                <p:cNvGrpSpPr/>
+                <p:nvPr/>
+              </p:nvGrpSpPr>
+              <p:grpSpPr>
+                <a:xfrm>
+                  <a:off x="8644501" y="4215642"/>
+                  <a:ext cx="2205444" cy="1906660"/>
+                  <a:chOff x="8338664" y="3483147"/>
+                  <a:chExt cx="2767389" cy="2239763"/>
+                </a:xfrm>
+              </p:grpSpPr>
+              <p:grpSp>
+                <p:nvGrpSpPr>
+                  <p:cNvPr id="49" name="Group 48">
+                    <a:extLst>
+                      <a:ext uri="{FF2B5EF4-FFF2-40B4-BE49-F238E27FC236}">
+                        <a16:creationId xmlns:a16="http://schemas.microsoft.com/office/drawing/2014/main" id="{10DD4D72-D642-4840-B44D-A9837DFA960A}"/>
+                      </a:ext>
+                    </a:extLst>
+                  </p:cNvPr>
+                  <p:cNvGrpSpPr/>
+                  <p:nvPr/>
+                </p:nvGrpSpPr>
+                <p:grpSpPr>
+                  <a:xfrm>
+                    <a:off x="8410232" y="3552383"/>
+                    <a:ext cx="2633117" cy="2101291"/>
+                    <a:chOff x="1433945" y="868865"/>
+                    <a:chExt cx="3353446" cy="2866941"/>
+                  </a:xfrm>
+                </p:grpSpPr>
+                <p:sp>
+                  <p:nvSpPr>
+                    <p:cNvPr id="57" name="Rectangle 56">
+                      <a:extLst>
+                        <a:ext uri="{FF2B5EF4-FFF2-40B4-BE49-F238E27FC236}">
+                          <a16:creationId xmlns:a16="http://schemas.microsoft.com/office/drawing/2014/main" id="{520B633A-46D0-457D-9527-40FD9A34EBF1}"/>
+                        </a:ext>
+                      </a:extLst>
+                    </p:cNvPr>
+                    <p:cNvSpPr/>
+                    <p:nvPr/>
+                  </p:nvSpPr>
+                  <p:spPr>
+                    <a:xfrm>
+                      <a:off x="1433945" y="868865"/>
+                      <a:ext cx="3325993" cy="2866941"/>
+                    </a:xfrm>
+                    <a:prstGeom prst="rect">
+                      <a:avLst/>
+                    </a:prstGeom>
+                    <a:noFill/>
+                    <a:ln w="28575">
+                      <a:solidFill>
+                        <a:schemeClr val="tx1"/>
+                      </a:solidFill>
+                    </a:ln>
+                  </p:spPr>
+                  <p:style>
+                    <a:lnRef idx="2">
+                      <a:schemeClr val="accent1">
+                        <a:shade val="50000"/>
+                      </a:schemeClr>
+                    </a:lnRef>
+                    <a:fillRef idx="1">
+                      <a:schemeClr val="accent1"/>
+                    </a:fillRef>
+                    <a:effectRef idx="0">
+                      <a:schemeClr val="accent1"/>
+                    </a:effectRef>
+                    <a:fontRef idx="minor">
+                      <a:schemeClr val="lt1"/>
+                    </a:fontRef>
+                  </p:style>
+                  <p:txBody>
+                    <a:bodyPr rtlCol="0" anchor="ctr"/>
+                    <a:lstStyle/>
+                    <a:p>
+                      <a:pPr algn="ctr"/>
+                      <a:endParaRPr lang="en-US"/>
+                    </a:p>
+                  </p:txBody>
+                </p:sp>
+                <p:cxnSp>
+                  <p:nvCxnSpPr>
+                    <p:cNvPr id="58" name="Straight Connector 57">
+                      <a:extLst>
+                        <a:ext uri="{FF2B5EF4-FFF2-40B4-BE49-F238E27FC236}">
+                          <a16:creationId xmlns:a16="http://schemas.microsoft.com/office/drawing/2014/main" id="{D8CA3CE2-0A83-4622-BE80-A24484D92BCE}"/>
+                        </a:ext>
+                      </a:extLst>
+                    </p:cNvPr>
+                    <p:cNvCxnSpPr>
+                      <a:cxnSpLocks/>
+                    </p:cNvCxnSpPr>
+                    <p:nvPr/>
+                  </p:nvCxnSpPr>
+                  <p:spPr>
+                    <a:xfrm>
+                      <a:off x="1461398" y="1428586"/>
+                      <a:ext cx="3325993" cy="0"/>
+                    </a:xfrm>
+                    <a:prstGeom prst="line">
+                      <a:avLst/>
+                    </a:prstGeom>
+                    <a:ln w="28575">
+                      <a:solidFill>
+                        <a:schemeClr val="tx1"/>
+                      </a:solidFill>
+                    </a:ln>
+                  </p:spPr>
+                  <p:style>
+                    <a:lnRef idx="1">
+                      <a:schemeClr val="accent1"/>
+                    </a:lnRef>
+                    <a:fillRef idx="0">
+                      <a:schemeClr val="accent1"/>
+                    </a:fillRef>
+                    <a:effectRef idx="0">
+                      <a:schemeClr val="accent1"/>
+                    </a:effectRef>
+                    <a:fontRef idx="minor">
+                      <a:schemeClr val="tx1"/>
+                    </a:fontRef>
+                  </p:style>
+                </p:cxnSp>
+                <p:sp>
+                  <p:nvSpPr>
+                    <p:cNvPr id="59" name="TextBox 58">
+                      <a:extLst>
+                        <a:ext uri="{FF2B5EF4-FFF2-40B4-BE49-F238E27FC236}">
+                          <a16:creationId xmlns:a16="http://schemas.microsoft.com/office/drawing/2014/main" id="{F1876838-DFA5-4D05-8EBF-C987A8B912F8}"/>
+                        </a:ext>
+                      </a:extLst>
+                    </p:cNvPr>
+                    <p:cNvSpPr txBox="1"/>
+                    <p:nvPr/>
+                  </p:nvSpPr>
+                  <p:spPr>
+                    <a:xfrm>
+                      <a:off x="2290901" y="923954"/>
+                      <a:ext cx="1455577" cy="369332"/>
+                    </a:xfrm>
+                    <a:prstGeom prst="rect">
+                      <a:avLst/>
+                    </a:prstGeom>
+                    <a:noFill/>
+                  </p:spPr>
+                  <p:txBody>
+                    <a:bodyPr wrap="square" rtlCol="0">
+                      <a:spAutoFit/>
+                    </a:bodyPr>
+                    <a:lstStyle/>
+                    <a:p>
+                      <a:r>
+                        <a:rPr lang="en-US" dirty="0"/>
+                        <a:t>patient</a:t>
+                      </a:r>
+                    </a:p>
+                  </p:txBody>
+                </p:sp>
+                <p:cxnSp>
+                  <p:nvCxnSpPr>
+                    <p:cNvPr id="60" name="Straight Connector 59">
+                      <a:extLst>
+                        <a:ext uri="{FF2B5EF4-FFF2-40B4-BE49-F238E27FC236}">
+                          <a16:creationId xmlns:a16="http://schemas.microsoft.com/office/drawing/2014/main" id="{B56D4686-D00A-4529-8A7E-24DB3619771F}"/>
+                        </a:ext>
+                      </a:extLst>
+                    </p:cNvPr>
+                    <p:cNvCxnSpPr>
+                      <a:cxnSpLocks/>
+                    </p:cNvCxnSpPr>
+                    <p:nvPr/>
+                  </p:nvCxnSpPr>
+                  <p:spPr>
+                    <a:xfrm>
+                      <a:off x="3143998" y="1428586"/>
+                      <a:ext cx="0" cy="2307220"/>
+                    </a:xfrm>
+                    <a:prstGeom prst="line">
+                      <a:avLst/>
+                    </a:prstGeom>
+                    <a:ln w="19050">
+                      <a:solidFill>
+                        <a:schemeClr val="tx1"/>
+                      </a:solidFill>
+                    </a:ln>
+                  </p:spPr>
+                  <p:style>
+                    <a:lnRef idx="1">
+                      <a:schemeClr val="accent1"/>
+                    </a:lnRef>
+                    <a:fillRef idx="0">
+                      <a:schemeClr val="accent1"/>
+                    </a:fillRef>
+                    <a:effectRef idx="0">
+                      <a:schemeClr val="accent1"/>
+                    </a:effectRef>
+                    <a:fontRef idx="minor">
+                      <a:schemeClr val="tx1"/>
+                    </a:fontRef>
+                  </p:style>
+                </p:cxnSp>
+                <p:sp>
+                  <p:nvSpPr>
+                    <p:cNvPr id="61" name="TextBox 60">
+                      <a:extLst>
+                        <a:ext uri="{FF2B5EF4-FFF2-40B4-BE49-F238E27FC236}">
+                          <a16:creationId xmlns:a16="http://schemas.microsoft.com/office/drawing/2014/main" id="{963169C7-C3B5-4785-B444-B59F652C1E32}"/>
+                        </a:ext>
+                      </a:extLst>
+                    </p:cNvPr>
+                    <p:cNvSpPr txBox="1"/>
+                    <p:nvPr/>
+                  </p:nvSpPr>
+                  <p:spPr>
+                    <a:xfrm>
+                      <a:off x="1510205" y="1776791"/>
+                      <a:ext cx="1929995" cy="1504516"/>
+                    </a:xfrm>
+                    <a:prstGeom prst="rect">
+                      <a:avLst/>
+                    </a:prstGeom>
+                    <a:noFill/>
+                  </p:spPr>
+                  <p:txBody>
+                    <a:bodyPr wrap="square" rtlCol="0">
+                      <a:spAutoFit/>
+                    </a:bodyPr>
+                    <a:lstStyle/>
+                    <a:p>
+                      <a:r>
+                        <a:rPr lang="en-US" sz="1100" b="1" dirty="0"/>
+                        <a:t>id</a:t>
+                      </a:r>
+                    </a:p>
+                    <a:p>
+                      <a:r>
+                        <a:rPr lang="en-US" sz="1100" dirty="0"/>
+                        <a:t>age</a:t>
+                      </a:r>
+                    </a:p>
+                    <a:p>
+                      <a:r>
+                        <a:rPr lang="en-US" sz="1100" dirty="0"/>
+                        <a:t>race</a:t>
+                      </a:r>
+                    </a:p>
+                    <a:p>
+                      <a:r>
+                        <a:rPr lang="en-US" sz="1100" b="1" dirty="0"/>
+                        <a:t>admission_</a:t>
+                      </a:r>
+                      <a:r>
+                        <a:rPr lang="en-US" altLang="zh-CN" sz="1100" b="1" dirty="0"/>
+                        <a:t>date</a:t>
+                      </a:r>
+                    </a:p>
+                    <a:p>
+                      <a:r>
+                        <a:rPr lang="en-US" sz="1100" dirty="0"/>
+                        <a:t>discharge_date</a:t>
+                      </a:r>
+                    </a:p>
+                  </p:txBody>
+                </p:sp>
+                <p:sp>
+                  <p:nvSpPr>
+                    <p:cNvPr id="63" name="TextBox 62">
+                      <a:extLst>
+                        <a:ext uri="{FF2B5EF4-FFF2-40B4-BE49-F238E27FC236}">
+                          <a16:creationId xmlns:a16="http://schemas.microsoft.com/office/drawing/2014/main" id="{18DB2259-0A90-4487-BF1E-65C6121B8154}"/>
+                        </a:ext>
+                      </a:extLst>
+                    </p:cNvPr>
+                    <p:cNvSpPr txBox="1"/>
+                    <p:nvPr/>
+                  </p:nvSpPr>
+                  <p:spPr>
+                    <a:xfrm>
+                      <a:off x="3288601" y="1766684"/>
+                      <a:ext cx="1471337" cy="1504516"/>
+                    </a:xfrm>
+                    <a:prstGeom prst="rect">
+                      <a:avLst/>
+                    </a:prstGeom>
+                    <a:noFill/>
+                  </p:spPr>
+                  <p:txBody>
+                    <a:bodyPr wrap="square" rtlCol="0">
+                      <a:spAutoFit/>
+                    </a:bodyPr>
+                    <a:lstStyle/>
+                    <a:p>
+                      <a:r>
+                        <a:rPr lang="en-US" sz="1100" dirty="0"/>
+                        <a:t>INTEGER</a:t>
+                      </a:r>
+                    </a:p>
+                    <a:p>
+                      <a:r>
+                        <a:rPr lang="en-US" sz="1100" dirty="0"/>
+                        <a:t>INTEGER</a:t>
+                      </a:r>
+                    </a:p>
+                    <a:p>
+                      <a:r>
+                        <a:rPr lang="en-US" sz="1100" dirty="0"/>
+                        <a:t>CHAR(20)</a:t>
+                      </a:r>
+                    </a:p>
+                    <a:p>
+                      <a:r>
+                        <a:rPr lang="en-US" sz="1100" dirty="0"/>
+                        <a:t>TIMESTAMP</a:t>
+                      </a:r>
+                    </a:p>
+                    <a:p>
+                      <a:r>
+                        <a:rPr lang="en-US" sz="1100" dirty="0"/>
+                        <a:t>TIMESTAMP</a:t>
+                      </a:r>
+                    </a:p>
+                  </p:txBody>
+                </p:sp>
+              </p:grpSp>
+              <p:sp>
+                <p:nvSpPr>
+                  <p:cNvPr id="5" name="Rectangle 4">
+                    <a:extLst>
+                      <a:ext uri="{FF2B5EF4-FFF2-40B4-BE49-F238E27FC236}">
+                        <a16:creationId xmlns:a16="http://schemas.microsoft.com/office/drawing/2014/main" id="{20B9B7F6-C5AD-4608-AA1E-0926CC656EE5}"/>
+                      </a:ext>
+                    </a:extLst>
+                  </p:cNvPr>
+                  <p:cNvSpPr/>
+                  <p:nvPr/>
+                </p:nvSpPr>
+                <p:spPr>
+                  <a:xfrm>
+                    <a:off x="8338664" y="3483147"/>
+                    <a:ext cx="2767389" cy="2239763"/>
+                  </a:xfrm>
+                  <a:prstGeom prst="rect">
+                    <a:avLst/>
+                  </a:prstGeom>
+                  <a:noFill/>
+                  <a:ln w="19050">
+                    <a:solidFill>
+                      <a:schemeClr val="tx1"/>
+                    </a:solidFill>
+                  </a:ln>
+                </p:spPr>
+                <p:style>
+                  <a:lnRef idx="2">
+                    <a:schemeClr val="accent1">
+                      <a:shade val="50000"/>
+                    </a:schemeClr>
+                  </a:lnRef>
+                  <a:fillRef idx="1">
+                    <a:schemeClr val="accent1"/>
+                  </a:fillRef>
+                  <a:effectRef idx="0">
+                    <a:schemeClr val="accent1"/>
+                  </a:effectRef>
+                  <a:fontRef idx="minor">
+                    <a:schemeClr val="lt1"/>
+                  </a:fontRef>
+                </p:style>
+                <p:txBody>
+                  <a:bodyPr rtlCol="0" anchor="ctr"/>
+                  <a:lstStyle/>
+                  <a:p>
+                    <a:pPr algn="ctr"/>
+                    <a:endParaRPr lang="en-US"/>
+                  </a:p>
+                </p:txBody>
+              </p:sp>
+            </p:grpSp>
+            <p:grpSp>
+              <p:nvGrpSpPr>
+                <p:cNvPr id="93" name="Group 92">
+                  <a:extLst>
+                    <a:ext uri="{FF2B5EF4-FFF2-40B4-BE49-F238E27FC236}">
+                      <a16:creationId xmlns:a16="http://schemas.microsoft.com/office/drawing/2014/main" id="{5E5CBF86-47C0-417C-AC00-9D4FBF68C28E}"/>
+                    </a:ext>
+                  </a:extLst>
+                </p:cNvPr>
+                <p:cNvGrpSpPr/>
+                <p:nvPr/>
+              </p:nvGrpSpPr>
+              <p:grpSpPr>
+                <a:xfrm>
+                  <a:off x="8988515" y="2839108"/>
+                  <a:ext cx="1409365" cy="906232"/>
+                  <a:chOff x="6655998" y="1016053"/>
+                  <a:chExt cx="2957475" cy="1428407"/>
+                </a:xfrm>
+              </p:grpSpPr>
+              <p:grpSp>
+                <p:nvGrpSpPr>
+                  <p:cNvPr id="96" name="Group 95">
+                    <a:extLst>
+                      <a:ext uri="{FF2B5EF4-FFF2-40B4-BE49-F238E27FC236}">
+                        <a16:creationId xmlns:a16="http://schemas.microsoft.com/office/drawing/2014/main" id="{EFD125A8-5770-489F-A583-8DDC72F0FE36}"/>
+                      </a:ext>
+                    </a:extLst>
+                  </p:cNvPr>
+                  <p:cNvGrpSpPr/>
+                  <p:nvPr/>
+                </p:nvGrpSpPr>
+                <p:grpSpPr>
+                  <a:xfrm>
+                    <a:off x="6861111" y="1101012"/>
+                    <a:ext cx="2547256" cy="1259632"/>
+                    <a:chOff x="1940768" y="1203649"/>
+                    <a:chExt cx="2547256" cy="1259632"/>
+                  </a:xfrm>
+                </p:grpSpPr>
+                <p:sp>
+                  <p:nvSpPr>
+                    <p:cNvPr id="98" name="Flowchart: Decision 97">
+                      <a:extLst>
+                        <a:ext uri="{FF2B5EF4-FFF2-40B4-BE49-F238E27FC236}">
+                          <a16:creationId xmlns:a16="http://schemas.microsoft.com/office/drawing/2014/main" id="{494A2EE6-DA9D-4DF8-902E-4D4FDD9B21F3}"/>
+                        </a:ext>
+                      </a:extLst>
+                    </p:cNvPr>
+                    <p:cNvSpPr/>
+                    <p:nvPr/>
+                  </p:nvSpPr>
+                  <p:spPr>
+                    <a:xfrm>
+                      <a:off x="1940768" y="1203649"/>
+                      <a:ext cx="2547256" cy="1259632"/>
+                    </a:xfrm>
+                    <a:prstGeom prst="flowChartDecision">
+                      <a:avLst/>
+                    </a:prstGeom>
+                    <a:noFill/>
+                    <a:ln w="28575">
+                      <a:solidFill>
+                        <a:schemeClr val="tx1"/>
+                      </a:solidFill>
+                    </a:ln>
+                  </p:spPr>
+                  <p:style>
+                    <a:lnRef idx="2">
+                      <a:schemeClr val="accent1">
+                        <a:shade val="50000"/>
+                      </a:schemeClr>
+                    </a:lnRef>
+                    <a:fillRef idx="1">
+                      <a:schemeClr val="accent1"/>
+                    </a:fillRef>
+                    <a:effectRef idx="0">
+                      <a:schemeClr val="accent1"/>
+                    </a:effectRef>
+                    <a:fontRef idx="minor">
+                      <a:schemeClr val="lt1"/>
+                    </a:fontRef>
+                  </p:style>
+                  <p:txBody>
+                    <a:bodyPr rtlCol="0" anchor="ctr"/>
+                    <a:lstStyle/>
+                    <a:p>
+                      <a:pPr algn="ctr"/>
+                      <a:endParaRPr lang="en-US"/>
+                    </a:p>
+                  </p:txBody>
+                </p:sp>
+                <p:sp>
+                  <p:nvSpPr>
+                    <p:cNvPr id="99" name="TextBox 98">
+                      <a:extLst>
+                        <a:ext uri="{FF2B5EF4-FFF2-40B4-BE49-F238E27FC236}">
+                          <a16:creationId xmlns:a16="http://schemas.microsoft.com/office/drawing/2014/main" id="{80F8A029-2D3D-4728-A98A-741C71BE2CDD}"/>
+                        </a:ext>
+                      </a:extLst>
+                    </p:cNvPr>
+                    <p:cNvSpPr txBox="1"/>
+                    <p:nvPr/>
+                  </p:nvSpPr>
+                  <p:spPr>
+                    <a:xfrm>
+                      <a:off x="2123203" y="1622856"/>
+                      <a:ext cx="2182387" cy="418638"/>
+                    </a:xfrm>
+                    <a:prstGeom prst="rect">
+                      <a:avLst/>
+                    </a:prstGeom>
+                    <a:noFill/>
+                  </p:spPr>
+                  <p:txBody>
+                    <a:bodyPr wrap="square" rtlCol="0">
+                      <a:spAutoFit/>
+                    </a:bodyPr>
+                    <a:lstStyle/>
+                    <a:p>
+                      <a:r>
+                        <a:rPr lang="en-US" sz="1100" dirty="0"/>
+                        <a:t>hospitalization</a:t>
+                      </a:r>
+                    </a:p>
+                  </p:txBody>
+                </p:sp>
+              </p:grpSp>
+              <p:sp>
+                <p:nvSpPr>
+                  <p:cNvPr id="97" name="Flowchart: Decision 96">
+                    <a:extLst>
+                      <a:ext uri="{FF2B5EF4-FFF2-40B4-BE49-F238E27FC236}">
+                        <a16:creationId xmlns:a16="http://schemas.microsoft.com/office/drawing/2014/main" id="{F69DEF9D-0346-4096-9F90-E828A240A8E1}"/>
+                      </a:ext>
+                    </a:extLst>
+                  </p:cNvPr>
+                  <p:cNvSpPr/>
+                  <p:nvPr/>
+                </p:nvSpPr>
+                <p:spPr>
+                  <a:xfrm>
+                    <a:off x="6655998" y="1016053"/>
+                    <a:ext cx="2957475" cy="1428407"/>
+                  </a:xfrm>
+                  <a:prstGeom prst="flowChartDecision">
+                    <a:avLst/>
+                  </a:prstGeom>
+                  <a:noFill/>
+                  <a:ln w="28575">
+                    <a:solidFill>
+                      <a:schemeClr val="tx1"/>
+                    </a:solidFill>
+                  </a:ln>
+                </p:spPr>
+                <p:style>
+                  <a:lnRef idx="2">
+                    <a:schemeClr val="accent1">
+                      <a:shade val="50000"/>
+                    </a:schemeClr>
+                  </a:lnRef>
+                  <a:fillRef idx="1">
+                    <a:schemeClr val="accent1"/>
+                  </a:fillRef>
+                  <a:effectRef idx="0">
+                    <a:schemeClr val="accent1"/>
+                  </a:effectRef>
+                  <a:fontRef idx="minor">
+                    <a:schemeClr val="lt1"/>
+                  </a:fontRef>
+                </p:style>
+                <p:txBody>
+                  <a:bodyPr rtlCol="0" anchor="ctr"/>
+                  <a:lstStyle/>
+                  <a:p>
+                    <a:pPr algn="ctr"/>
+                    <a:endParaRPr lang="en-US" dirty="0"/>
+                  </a:p>
+                </p:txBody>
+              </p:sp>
+            </p:grpSp>
+            <p:cxnSp>
+              <p:nvCxnSpPr>
+                <p:cNvPr id="13" name="Straight Arrow Connector 12">
+                  <a:extLst>
+                    <a:ext uri="{FF2B5EF4-FFF2-40B4-BE49-F238E27FC236}">
+                      <a16:creationId xmlns:a16="http://schemas.microsoft.com/office/drawing/2014/main" id="{BDA2C176-58CA-43E9-A962-24850F9375CE}"/>
+                    </a:ext>
+                  </a:extLst>
+                </p:cNvPr>
+                <p:cNvCxnSpPr>
+                  <a:cxnSpLocks/>
+                </p:cNvCxnSpPr>
+                <p:nvPr/>
+              </p:nvCxnSpPr>
               <p:spPr>
-                <a:xfrm flipH="1">
-                  <a:off x="2509950" y="2828321"/>
-                  <a:ext cx="2205444" cy="1906659"/>
+                <a:xfrm flipV="1">
+                  <a:off x="9703433" y="2363992"/>
+                  <a:ext cx="0" cy="502398"/>
                 </a:xfrm>
-                <a:prstGeom prst="rect">
+                <a:prstGeom prst="straightConnector1">
                   <a:avLst/>
                 </a:prstGeom>
-                <a:noFill/>
-                <a:ln w="19050">
+                <a:ln w="28575">
                   <a:solidFill>
                     <a:schemeClr val="tx1"/>
                   </a:solidFill>
-                </a:ln>
-              </p:spPr>
-              <p:style>
-                <a:lnRef idx="2">
-                  <a:schemeClr val="accent1">
-                    <a:shade val="50000"/>
-                  </a:schemeClr>
-                </a:lnRef>
-                <a:fillRef idx="1">
-                  <a:schemeClr val="accent1"/>
-                </a:fillRef>
-                <a:effectRef idx="0">
-                  <a:schemeClr val="accent1"/>
-                </a:effectRef>
-                <a:fontRef idx="minor">
-                  <a:schemeClr val="lt1"/>
-                </a:fontRef>
-              </p:style>
-              <p:txBody>
-                <a:bodyPr rtlCol="0" anchor="ctr"/>
-                <a:lstStyle/>
-                <a:p>
-                  <a:pPr algn="ctr"/>
-                  <a:endParaRPr lang="en-US"/>
-                </a:p>
-              </p:txBody>
-            </p:sp>
-          </p:grpSp>
-          <p:cxnSp>
-            <p:nvCxnSpPr>
-              <p:cNvPr id="17" name="Straight Arrow Connector 16">
-                <a:extLst>
-                  <a:ext uri="{FF2B5EF4-FFF2-40B4-BE49-F238E27FC236}">
-                    <a16:creationId xmlns:a16="http://schemas.microsoft.com/office/drawing/2014/main" id="{2038DEDF-ADB8-4913-94A7-B2D350B41FE2}"/>
-                  </a:ext>
-                </a:extLst>
-              </p:cNvPr>
-              <p:cNvCxnSpPr>
-                <a:cxnSpLocks/>
-                <a:stCxn id="46" idx="0"/>
-                <a:endCxn id="33" idx="2"/>
-              </p:cNvCxnSpPr>
-              <p:nvPr/>
-            </p:nvCxnSpPr>
-            <p:spPr>
-              <a:xfrm flipV="1">
-                <a:off x="1114492" y="2198778"/>
-                <a:ext cx="9329" cy="1171419"/>
-              </a:xfrm>
-              <a:prstGeom prst="straightConnector1">
-                <a:avLst/>
-              </a:prstGeom>
-              <a:ln w="28575">
-                <a:solidFill>
-                  <a:schemeClr val="tx1"/>
-                </a:solidFill>
-                <a:tailEnd type="triangle"/>
-              </a:ln>
-            </p:spPr>
-            <p:style>
-              <a:lnRef idx="1">
-                <a:schemeClr val="accent1"/>
-              </a:lnRef>
-              <a:fillRef idx="0">
-                <a:schemeClr val="accent1"/>
-              </a:fillRef>
-              <a:effectRef idx="0">
-                <a:schemeClr val="accent1"/>
-              </a:effectRef>
-              <a:fontRef idx="minor">
-                <a:schemeClr val="tx1"/>
-              </a:fontRef>
-            </p:style>
-          </p:cxnSp>
-          <p:grpSp>
-            <p:nvGrpSpPr>
-              <p:cNvPr id="111" name="Group 110">
-                <a:extLst>
-                  <a:ext uri="{FF2B5EF4-FFF2-40B4-BE49-F238E27FC236}">
-                    <a16:creationId xmlns:a16="http://schemas.microsoft.com/office/drawing/2014/main" id="{E6735630-AA51-4C63-86F4-79E55561CC32}"/>
-                  </a:ext>
-                </a:extLst>
-              </p:cNvPr>
-              <p:cNvGrpSpPr/>
-              <p:nvPr/>
-            </p:nvGrpSpPr>
-            <p:grpSpPr>
-              <a:xfrm>
-                <a:off x="1806029" y="3750410"/>
-                <a:ext cx="875683" cy="45719"/>
-                <a:chOff x="4313853" y="3397900"/>
-                <a:chExt cx="1782147" cy="34210"/>
-              </a:xfrm>
-            </p:grpSpPr>
-            <p:cxnSp>
-              <p:nvCxnSpPr>
-                <p:cNvPr id="112" name="Straight Connector 111">
-                  <a:extLst>
-                    <a:ext uri="{FF2B5EF4-FFF2-40B4-BE49-F238E27FC236}">
-                      <a16:creationId xmlns:a16="http://schemas.microsoft.com/office/drawing/2014/main" id="{07F1979D-0231-4DE6-B580-1B3E19CBDB97}"/>
-                    </a:ext>
-                  </a:extLst>
-                </p:cNvPr>
-                <p:cNvCxnSpPr/>
-                <p:nvPr/>
-              </p:nvCxnSpPr>
-              <p:spPr>
-                <a:xfrm>
-                  <a:off x="4313853" y="3432110"/>
-                  <a:ext cx="1782147" cy="0"/>
-                </a:xfrm>
-                <a:prstGeom prst="line">
-                  <a:avLst/>
-                </a:prstGeom>
-                <a:ln w="9525">
-                  <a:solidFill>
-                    <a:schemeClr val="tx1"/>
-                  </a:solidFill>
+                  <a:tailEnd type="triangle"/>
                 </a:ln>
               </p:spPr>
               <p:style>
@@ -10210,30 +9680,529 @@
                 </a:fontRef>
               </p:style>
             </p:cxnSp>
-            <p:cxnSp>
-              <p:nvCxnSpPr>
-                <p:cNvPr id="113" name="Straight Connector 112">
+            <p:grpSp>
+              <p:nvGrpSpPr>
+                <p:cNvPr id="100" name="Group 99">
                   <a:extLst>
                     <a:ext uri="{FF2B5EF4-FFF2-40B4-BE49-F238E27FC236}">
-                      <a16:creationId xmlns:a16="http://schemas.microsoft.com/office/drawing/2014/main" id="{402D600A-0060-4C57-B3E5-2B1B91E5FA8A}"/>
+                      <a16:creationId xmlns:a16="http://schemas.microsoft.com/office/drawing/2014/main" id="{AB3418C4-9738-4C75-8BED-768D19DB40CA}"/>
                     </a:ext>
                   </a:extLst>
                 </p:cNvPr>
-                <p:cNvCxnSpPr/>
+                <p:cNvGrpSpPr/>
+                <p:nvPr/>
+              </p:nvGrpSpPr>
+              <p:grpSpPr>
+                <a:xfrm rot="5400000" flipV="1">
+                  <a:off x="9403986" y="3960658"/>
+                  <a:ext cx="578482" cy="50208"/>
+                  <a:chOff x="4313853" y="3403202"/>
+                  <a:chExt cx="1782148" cy="37569"/>
+                </a:xfrm>
+              </p:grpSpPr>
+              <p:cxnSp>
+                <p:nvCxnSpPr>
+                  <p:cNvPr id="101" name="Straight Connector 100">
+                    <a:extLst>
+                      <a:ext uri="{FF2B5EF4-FFF2-40B4-BE49-F238E27FC236}">
+                        <a16:creationId xmlns:a16="http://schemas.microsoft.com/office/drawing/2014/main" id="{F05915E5-4B32-47CC-9720-E2358A95BFF4}"/>
+                      </a:ext>
+                    </a:extLst>
+                  </p:cNvPr>
+                  <p:cNvCxnSpPr/>
+                  <p:nvPr/>
+                </p:nvCxnSpPr>
+                <p:spPr>
+                  <a:xfrm>
+                    <a:off x="4313853" y="3440771"/>
+                    <a:ext cx="1782148" cy="0"/>
+                  </a:xfrm>
+                  <a:prstGeom prst="line">
+                    <a:avLst/>
+                  </a:prstGeom>
+                  <a:ln w="9525">
+                    <a:solidFill>
+                      <a:schemeClr val="tx1"/>
+                    </a:solidFill>
+                  </a:ln>
+                </p:spPr>
+                <p:style>
+                  <a:lnRef idx="1">
+                    <a:schemeClr val="accent1"/>
+                  </a:lnRef>
+                  <a:fillRef idx="0">
+                    <a:schemeClr val="accent1"/>
+                  </a:fillRef>
+                  <a:effectRef idx="0">
+                    <a:schemeClr val="accent1"/>
+                  </a:effectRef>
+                  <a:fontRef idx="minor">
+                    <a:schemeClr val="tx1"/>
+                  </a:fontRef>
+                </p:style>
+              </p:cxnSp>
+              <p:cxnSp>
+                <p:nvCxnSpPr>
+                  <p:cNvPr id="102" name="Straight Connector 101">
+                    <a:extLst>
+                      <a:ext uri="{FF2B5EF4-FFF2-40B4-BE49-F238E27FC236}">
+                        <a16:creationId xmlns:a16="http://schemas.microsoft.com/office/drawing/2014/main" id="{9871053F-7005-44E4-B3BF-0D1249622CD4}"/>
+                      </a:ext>
+                    </a:extLst>
+                  </p:cNvPr>
+                  <p:cNvCxnSpPr/>
+                  <p:nvPr/>
+                </p:nvCxnSpPr>
+                <p:spPr>
+                  <a:xfrm>
+                    <a:off x="4313856" y="3403202"/>
+                    <a:ext cx="1782145" cy="0"/>
+                  </a:xfrm>
+                  <a:prstGeom prst="line">
+                    <a:avLst/>
+                  </a:prstGeom>
+                  <a:ln w="9525">
+                    <a:solidFill>
+                      <a:schemeClr val="tx1"/>
+                    </a:solidFill>
+                  </a:ln>
+                </p:spPr>
+                <p:style>
+                  <a:lnRef idx="1">
+                    <a:schemeClr val="accent1"/>
+                  </a:lnRef>
+                  <a:fillRef idx="0">
+                    <a:schemeClr val="accent1"/>
+                  </a:fillRef>
+                  <a:effectRef idx="0">
+                    <a:schemeClr val="accent1"/>
+                  </a:effectRef>
+                  <a:fontRef idx="minor">
+                    <a:schemeClr val="tx1"/>
+                  </a:fontRef>
+                </p:style>
+              </p:cxnSp>
+            </p:grpSp>
+            <p:grpSp>
+              <p:nvGrpSpPr>
+                <p:cNvPr id="15" name="Group 14">
+                  <a:extLst>
+                    <a:ext uri="{FF2B5EF4-FFF2-40B4-BE49-F238E27FC236}">
+                      <a16:creationId xmlns:a16="http://schemas.microsoft.com/office/drawing/2014/main" id="{6BAC24FD-0239-4168-820C-AB8F8C5D582F}"/>
+                    </a:ext>
+                  </a:extLst>
+                </p:cNvPr>
+                <p:cNvGrpSpPr/>
+                <p:nvPr/>
+              </p:nvGrpSpPr>
+              <p:grpSpPr>
+                <a:xfrm>
+                  <a:off x="2662816" y="2874156"/>
+                  <a:ext cx="2205444" cy="1906659"/>
+                  <a:chOff x="2509950" y="2828321"/>
+                  <a:chExt cx="2205444" cy="1906659"/>
+                </a:xfrm>
+              </p:grpSpPr>
+              <p:grpSp>
+                <p:nvGrpSpPr>
+                  <p:cNvPr id="103" name="Group 102">
+                    <a:extLst>
+                      <a:ext uri="{FF2B5EF4-FFF2-40B4-BE49-F238E27FC236}">
+                        <a16:creationId xmlns:a16="http://schemas.microsoft.com/office/drawing/2014/main" id="{1F284D21-E2D9-47D7-89D9-82E47704867A}"/>
+                      </a:ext>
+                    </a:extLst>
+                  </p:cNvPr>
+                  <p:cNvGrpSpPr/>
+                  <p:nvPr/>
+                </p:nvGrpSpPr>
+                <p:grpSpPr>
+                  <a:xfrm>
+                    <a:off x="2555902" y="2888245"/>
+                    <a:ext cx="2090395" cy="1777420"/>
+                    <a:chOff x="1614196" y="849086"/>
+                    <a:chExt cx="2911151" cy="2500604"/>
+                  </a:xfrm>
+                </p:grpSpPr>
+                <p:sp>
+                  <p:nvSpPr>
+                    <p:cNvPr id="104" name="Rectangle 103">
+                      <a:extLst>
+                        <a:ext uri="{FF2B5EF4-FFF2-40B4-BE49-F238E27FC236}">
+                          <a16:creationId xmlns:a16="http://schemas.microsoft.com/office/drawing/2014/main" id="{3B2E1796-1775-4E69-AECE-E270CAF2A0EB}"/>
+                        </a:ext>
+                      </a:extLst>
+                    </p:cNvPr>
+                    <p:cNvSpPr/>
+                    <p:nvPr/>
+                  </p:nvSpPr>
+                  <p:spPr>
+                    <a:xfrm>
+                      <a:off x="1614196" y="849086"/>
+                      <a:ext cx="2911151" cy="2500604"/>
+                    </a:xfrm>
+                    <a:prstGeom prst="rect">
+                      <a:avLst/>
+                    </a:prstGeom>
+                    <a:noFill/>
+                    <a:ln w="28575">
+                      <a:solidFill>
+                        <a:schemeClr val="tx1"/>
+                      </a:solidFill>
+                    </a:ln>
+                  </p:spPr>
+                  <p:style>
+                    <a:lnRef idx="2">
+                      <a:schemeClr val="accent1">
+                        <a:shade val="50000"/>
+                      </a:schemeClr>
+                    </a:lnRef>
+                    <a:fillRef idx="1">
+                      <a:schemeClr val="accent1"/>
+                    </a:fillRef>
+                    <a:effectRef idx="0">
+                      <a:schemeClr val="accent1"/>
+                    </a:effectRef>
+                    <a:fontRef idx="minor">
+                      <a:schemeClr val="lt1"/>
+                    </a:fontRef>
+                  </p:style>
+                  <p:txBody>
+                    <a:bodyPr rtlCol="0" anchor="ctr"/>
+                    <a:lstStyle/>
+                    <a:p>
+                      <a:pPr algn="ctr"/>
+                      <a:endParaRPr lang="en-US"/>
+                    </a:p>
+                  </p:txBody>
+                </p:sp>
+                <p:cxnSp>
+                  <p:nvCxnSpPr>
+                    <p:cNvPr id="105" name="Straight Connector 104">
+                      <a:extLst>
+                        <a:ext uri="{FF2B5EF4-FFF2-40B4-BE49-F238E27FC236}">
+                          <a16:creationId xmlns:a16="http://schemas.microsoft.com/office/drawing/2014/main" id="{627447A9-7315-4363-851F-7D59B67BD2DE}"/>
+                        </a:ext>
+                      </a:extLst>
+                    </p:cNvPr>
+                    <p:cNvCxnSpPr>
+                      <a:cxnSpLocks/>
+                    </p:cNvCxnSpPr>
+                    <p:nvPr/>
+                  </p:nvCxnSpPr>
+                  <p:spPr>
+                    <a:xfrm>
+                      <a:off x="1614196" y="1418253"/>
+                      <a:ext cx="2911151" cy="0"/>
+                    </a:xfrm>
+                    <a:prstGeom prst="line">
+                      <a:avLst/>
+                    </a:prstGeom>
+                    <a:ln w="28575">
+                      <a:solidFill>
+                        <a:schemeClr val="tx1"/>
+                      </a:solidFill>
+                    </a:ln>
+                  </p:spPr>
+                  <p:style>
+                    <a:lnRef idx="1">
+                      <a:schemeClr val="accent1"/>
+                    </a:lnRef>
+                    <a:fillRef idx="0">
+                      <a:schemeClr val="accent1"/>
+                    </a:fillRef>
+                    <a:effectRef idx="0">
+                      <a:schemeClr val="accent1"/>
+                    </a:effectRef>
+                    <a:fontRef idx="minor">
+                      <a:schemeClr val="tx1"/>
+                    </a:fontRef>
+                  </p:style>
+                </p:cxnSp>
+                <p:sp>
+                  <p:nvSpPr>
+                    <p:cNvPr id="106" name="TextBox 105">
+                      <a:extLst>
+                        <a:ext uri="{FF2B5EF4-FFF2-40B4-BE49-F238E27FC236}">
+                          <a16:creationId xmlns:a16="http://schemas.microsoft.com/office/drawing/2014/main" id="{7B3D518D-7930-4BD3-8FEE-ED8C6D575A1C}"/>
+                        </a:ext>
+                      </a:extLst>
+                    </p:cNvPr>
+                    <p:cNvSpPr txBox="1"/>
+                    <p:nvPr/>
+                  </p:nvSpPr>
+                  <p:spPr>
+                    <a:xfrm>
+                      <a:off x="2459605" y="888240"/>
+                      <a:ext cx="1455576" cy="574407"/>
+                    </a:xfrm>
+                    <a:prstGeom prst="rect">
+                      <a:avLst/>
+                    </a:prstGeom>
+                    <a:noFill/>
+                  </p:spPr>
+                  <p:txBody>
+                    <a:bodyPr wrap="square" rtlCol="0">
+                      <a:spAutoFit/>
+                    </a:bodyPr>
+                    <a:lstStyle/>
+                    <a:p>
+                      <a:r>
+                        <a:rPr lang="en-US" dirty="0"/>
+                        <a:t>policy</a:t>
+                      </a:r>
+                    </a:p>
+                  </p:txBody>
+                </p:sp>
+                <p:cxnSp>
+                  <p:nvCxnSpPr>
+                    <p:cNvPr id="107" name="Straight Connector 106">
+                      <a:extLst>
+                        <a:ext uri="{FF2B5EF4-FFF2-40B4-BE49-F238E27FC236}">
+                          <a16:creationId xmlns:a16="http://schemas.microsoft.com/office/drawing/2014/main" id="{8CAA01A8-D529-4F66-9AF4-F9045D74B23B}"/>
+                        </a:ext>
+                      </a:extLst>
+                    </p:cNvPr>
+                    <p:cNvCxnSpPr>
+                      <a:endCxn id="104" idx="2"/>
+                    </p:cNvCxnSpPr>
+                    <p:nvPr/>
+                  </p:nvCxnSpPr>
+                  <p:spPr>
+                    <a:xfrm>
+                      <a:off x="3069771" y="1418253"/>
+                      <a:ext cx="1" cy="1931437"/>
+                    </a:xfrm>
+                    <a:prstGeom prst="line">
+                      <a:avLst/>
+                    </a:prstGeom>
+                    <a:ln w="19050">
+                      <a:solidFill>
+                        <a:schemeClr val="tx1"/>
+                      </a:solidFill>
+                    </a:ln>
+                  </p:spPr>
+                  <p:style>
+                    <a:lnRef idx="1">
+                      <a:schemeClr val="accent1"/>
+                    </a:lnRef>
+                    <a:fillRef idx="0">
+                      <a:schemeClr val="accent1"/>
+                    </a:fillRef>
+                    <a:effectRef idx="0">
+                      <a:schemeClr val="accent1"/>
+                    </a:effectRef>
+                    <a:fontRef idx="minor">
+                      <a:schemeClr val="tx1"/>
+                    </a:fontRef>
+                  </p:style>
+                </p:cxnSp>
+                <p:sp>
+                  <p:nvSpPr>
+                    <p:cNvPr id="108" name="TextBox 107">
+                      <a:extLst>
+                        <a:ext uri="{FF2B5EF4-FFF2-40B4-BE49-F238E27FC236}">
+                          <a16:creationId xmlns:a16="http://schemas.microsoft.com/office/drawing/2014/main" id="{AAE095A6-3EF1-43BB-A8EB-5D7DBC31D0F3}"/>
+                        </a:ext>
+                      </a:extLst>
+                    </p:cNvPr>
+                    <p:cNvSpPr txBox="1"/>
+                    <p:nvPr/>
+                  </p:nvSpPr>
+                  <p:spPr>
+                    <a:xfrm>
+                      <a:off x="1679318" y="1675736"/>
+                      <a:ext cx="1371613" cy="1164687"/>
+                    </a:xfrm>
+                    <a:prstGeom prst="rect">
+                      <a:avLst/>
+                    </a:prstGeom>
+                    <a:noFill/>
+                  </p:spPr>
+                  <p:txBody>
+                    <a:bodyPr wrap="square" rtlCol="0">
+                      <a:spAutoFit/>
+                    </a:bodyPr>
+                    <a:lstStyle/>
+                    <a:p>
+                      <a:pPr>
+                        <a:lnSpc>
+                          <a:spcPct val="150000"/>
+                        </a:lnSpc>
+                      </a:pPr>
+                      <a:r>
+                        <a:rPr lang="en-US" sz="1100" dirty="0"/>
+                        <a:t>Created_time</a:t>
+                      </a:r>
+                    </a:p>
+                    <a:p>
+                      <a:pPr>
+                        <a:lnSpc>
+                          <a:spcPct val="150000"/>
+                        </a:lnSpc>
+                      </a:pPr>
+                      <a:r>
+                        <a:rPr lang="en-US" sz="1100" dirty="0"/>
+                        <a:t>policy_tpye</a:t>
+                      </a:r>
+                    </a:p>
+                    <a:p>
+                      <a:pPr>
+                        <a:lnSpc>
+                          <a:spcPct val="150000"/>
+                        </a:lnSpc>
+                      </a:pPr>
+                      <a:r>
+                        <a:rPr lang="en-US" sz="1100" dirty="0"/>
+                        <a:t>details</a:t>
+                      </a:r>
+                    </a:p>
+                  </p:txBody>
+                </p:sp>
+                <p:sp>
+                  <p:nvSpPr>
+                    <p:cNvPr id="109" name="TextBox 108">
+                      <a:extLst>
+                        <a:ext uri="{FF2B5EF4-FFF2-40B4-BE49-F238E27FC236}">
+                          <a16:creationId xmlns:a16="http://schemas.microsoft.com/office/drawing/2014/main" id="{930D29BA-19A8-4376-A684-C764D1090B2E}"/>
+                        </a:ext>
+                      </a:extLst>
+                    </p:cNvPr>
+                    <p:cNvSpPr txBox="1"/>
+                    <p:nvPr/>
+                  </p:nvSpPr>
+                  <p:spPr>
+                    <a:xfrm>
+                      <a:off x="3133766" y="1668929"/>
+                      <a:ext cx="1222299" cy="1164687"/>
+                    </a:xfrm>
+                    <a:prstGeom prst="rect">
+                      <a:avLst/>
+                    </a:prstGeom>
+                    <a:noFill/>
+                  </p:spPr>
+                  <p:txBody>
+                    <a:bodyPr wrap="square" rtlCol="0">
+                      <a:spAutoFit/>
+                    </a:bodyPr>
+                    <a:lstStyle/>
+                    <a:p>
+                      <a:pPr>
+                        <a:lnSpc>
+                          <a:spcPct val="150000"/>
+                        </a:lnSpc>
+                      </a:pPr>
+                      <a:r>
+                        <a:rPr lang="en-US" sz="1100" dirty="0"/>
+                        <a:t>timestamp</a:t>
+                      </a:r>
+                    </a:p>
+                    <a:p>
+                      <a:pPr>
+                        <a:lnSpc>
+                          <a:spcPct val="150000"/>
+                        </a:lnSpc>
+                      </a:pPr>
+                      <a:r>
+                        <a:rPr lang="en-US" sz="1100" dirty="0"/>
+                        <a:t>ENUM</a:t>
+                      </a:r>
+                    </a:p>
+                    <a:p>
+                      <a:pPr>
+                        <a:lnSpc>
+                          <a:spcPct val="150000"/>
+                        </a:lnSpc>
+                      </a:pPr>
+                      <a:r>
+                        <a:rPr lang="en-US" sz="1100" dirty="0"/>
+                        <a:t>char(2000)</a:t>
+                      </a:r>
+                    </a:p>
+                  </p:txBody>
+                </p:sp>
+              </p:grpSp>
+              <p:sp>
+                <p:nvSpPr>
+                  <p:cNvPr id="14" name="Rectangle 13">
+                    <a:extLst>
+                      <a:ext uri="{FF2B5EF4-FFF2-40B4-BE49-F238E27FC236}">
+                        <a16:creationId xmlns:a16="http://schemas.microsoft.com/office/drawing/2014/main" id="{09D3C933-7ACC-4098-A611-2BFB35488A8D}"/>
+                      </a:ext>
+                    </a:extLst>
+                  </p:cNvPr>
+                  <p:cNvSpPr/>
+                  <p:nvPr/>
+                </p:nvSpPr>
+                <p:spPr>
+                  <a:xfrm flipH="1">
+                    <a:off x="2509950" y="2828321"/>
+                    <a:ext cx="2205444" cy="1906659"/>
+                  </a:xfrm>
+                  <a:prstGeom prst="rect">
+                    <a:avLst/>
+                  </a:prstGeom>
+                  <a:noFill/>
+                  <a:ln w="19050">
+                    <a:solidFill>
+                      <a:schemeClr val="tx1"/>
+                    </a:solidFill>
+                  </a:ln>
+                </p:spPr>
+                <p:style>
+                  <a:lnRef idx="2">
+                    <a:schemeClr val="accent1">
+                      <a:shade val="50000"/>
+                    </a:schemeClr>
+                  </a:lnRef>
+                  <a:fillRef idx="1">
+                    <a:schemeClr val="accent1"/>
+                  </a:fillRef>
+                  <a:effectRef idx="0">
+                    <a:schemeClr val="accent1"/>
+                  </a:effectRef>
+                  <a:fontRef idx="minor">
+                    <a:schemeClr val="lt1"/>
+                  </a:fontRef>
+                </p:style>
+                <p:txBody>
+                  <a:bodyPr rtlCol="0" anchor="ctr"/>
+                  <a:lstStyle/>
+                  <a:p>
+                    <a:pPr algn="ctr"/>
+                    <a:endParaRPr lang="en-US"/>
+                  </a:p>
+                </p:txBody>
+              </p:sp>
+            </p:grpSp>
+            <p:cxnSp>
+              <p:nvCxnSpPr>
+                <p:cNvPr id="17" name="Straight Arrow Connector 16">
+                  <a:extLst>
+                    <a:ext uri="{FF2B5EF4-FFF2-40B4-BE49-F238E27FC236}">
+                      <a16:creationId xmlns:a16="http://schemas.microsoft.com/office/drawing/2014/main" id="{2038DEDF-ADB8-4913-94A7-B2D350B41FE2}"/>
+                    </a:ext>
+                  </a:extLst>
+                </p:cNvPr>
+                <p:cNvCxnSpPr>
+                  <a:cxnSpLocks/>
+                  <a:stCxn id="46" idx="0"/>
+                  <a:endCxn id="33" idx="2"/>
+                </p:cNvCxnSpPr>
                 <p:nvPr/>
               </p:nvCxnSpPr>
               <p:spPr>
-                <a:xfrm>
-                  <a:off x="4313853" y="3397900"/>
-                  <a:ext cx="1782147" cy="0"/>
+                <a:xfrm flipV="1">
+                  <a:off x="1114492" y="2198778"/>
+                  <a:ext cx="9329" cy="1171419"/>
                 </a:xfrm>
-                <a:prstGeom prst="line">
+                <a:prstGeom prst="straightConnector1">
                   <a:avLst/>
                 </a:prstGeom>
-                <a:ln w="9525">
+                <a:ln w="28575">
                   <a:solidFill>
                     <a:schemeClr val="tx1"/>
                   </a:solidFill>
+                  <a:tailEnd type="triangle"/>
                 </a:ln>
               </p:spPr>
               <p:style>
@@ -10251,206 +10220,247 @@
                 </a:fontRef>
               </p:style>
             </p:cxnSp>
-          </p:grpSp>
-          <p:grpSp>
-            <p:nvGrpSpPr>
-              <p:cNvPr id="114" name="Group 113">
-                <a:extLst>
-                  <a:ext uri="{FF2B5EF4-FFF2-40B4-BE49-F238E27FC236}">
-                    <a16:creationId xmlns:a16="http://schemas.microsoft.com/office/drawing/2014/main" id="{882E6ADF-5492-4474-955B-E3F436DC8FC4}"/>
-                  </a:ext>
-                </a:extLst>
-              </p:cNvPr>
-              <p:cNvGrpSpPr/>
-              <p:nvPr/>
-            </p:nvGrpSpPr>
-            <p:grpSpPr>
-              <a:xfrm>
-                <a:off x="3065831" y="5345507"/>
-                <a:ext cx="1417216" cy="811561"/>
-                <a:chOff x="1940768" y="1203649"/>
-                <a:chExt cx="2547256" cy="1259632"/>
-              </a:xfrm>
-            </p:grpSpPr>
-            <p:sp>
-              <p:nvSpPr>
-                <p:cNvPr id="115" name="Flowchart: Decision 114">
+            <p:grpSp>
+              <p:nvGrpSpPr>
+                <p:cNvPr id="111" name="Group 110">
                   <a:extLst>
                     <a:ext uri="{FF2B5EF4-FFF2-40B4-BE49-F238E27FC236}">
-                      <a16:creationId xmlns:a16="http://schemas.microsoft.com/office/drawing/2014/main" id="{BA4D1516-A04A-408F-A189-EDE9B4ED403B}"/>
+                      <a16:creationId xmlns:a16="http://schemas.microsoft.com/office/drawing/2014/main" id="{E6735630-AA51-4C63-86F4-79E55561CC32}"/>
                     </a:ext>
                   </a:extLst>
                 </p:cNvPr>
-                <p:cNvSpPr/>
+                <p:cNvGrpSpPr/>
                 <p:nvPr/>
-              </p:nvSpPr>
+              </p:nvGrpSpPr>
+              <p:grpSpPr>
+                <a:xfrm>
+                  <a:off x="1806029" y="3750410"/>
+                  <a:ext cx="875683" cy="45719"/>
+                  <a:chOff x="4313853" y="3397900"/>
+                  <a:chExt cx="1782147" cy="34210"/>
+                </a:xfrm>
+              </p:grpSpPr>
+              <p:cxnSp>
+                <p:nvCxnSpPr>
+                  <p:cNvPr id="112" name="Straight Connector 111">
+                    <a:extLst>
+                      <a:ext uri="{FF2B5EF4-FFF2-40B4-BE49-F238E27FC236}">
+                        <a16:creationId xmlns:a16="http://schemas.microsoft.com/office/drawing/2014/main" id="{07F1979D-0231-4DE6-B580-1B3E19CBDB97}"/>
+                      </a:ext>
+                    </a:extLst>
+                  </p:cNvPr>
+                  <p:cNvCxnSpPr/>
+                  <p:nvPr/>
+                </p:nvCxnSpPr>
+                <p:spPr>
+                  <a:xfrm>
+                    <a:off x="4313853" y="3432110"/>
+                    <a:ext cx="1782147" cy="0"/>
+                  </a:xfrm>
+                  <a:prstGeom prst="line">
+                    <a:avLst/>
+                  </a:prstGeom>
+                  <a:ln w="9525">
+                    <a:solidFill>
+                      <a:schemeClr val="tx1"/>
+                    </a:solidFill>
+                  </a:ln>
+                </p:spPr>
+                <p:style>
+                  <a:lnRef idx="1">
+                    <a:schemeClr val="accent1"/>
+                  </a:lnRef>
+                  <a:fillRef idx="0">
+                    <a:schemeClr val="accent1"/>
+                  </a:fillRef>
+                  <a:effectRef idx="0">
+                    <a:schemeClr val="accent1"/>
+                  </a:effectRef>
+                  <a:fontRef idx="minor">
+                    <a:schemeClr val="tx1"/>
+                  </a:fontRef>
+                </p:style>
+              </p:cxnSp>
+              <p:cxnSp>
+                <p:nvCxnSpPr>
+                  <p:cNvPr id="113" name="Straight Connector 112">
+                    <a:extLst>
+                      <a:ext uri="{FF2B5EF4-FFF2-40B4-BE49-F238E27FC236}">
+                        <a16:creationId xmlns:a16="http://schemas.microsoft.com/office/drawing/2014/main" id="{402D600A-0060-4C57-B3E5-2B1B91E5FA8A}"/>
+                      </a:ext>
+                    </a:extLst>
+                  </p:cNvPr>
+                  <p:cNvCxnSpPr/>
+                  <p:nvPr/>
+                </p:nvCxnSpPr>
+                <p:spPr>
+                  <a:xfrm>
+                    <a:off x="4313853" y="3397900"/>
+                    <a:ext cx="1782147" cy="0"/>
+                  </a:xfrm>
+                  <a:prstGeom prst="line">
+                    <a:avLst/>
+                  </a:prstGeom>
+                  <a:ln w="9525">
+                    <a:solidFill>
+                      <a:schemeClr val="tx1"/>
+                    </a:solidFill>
+                  </a:ln>
+                </p:spPr>
+                <p:style>
+                  <a:lnRef idx="1">
+                    <a:schemeClr val="accent1"/>
+                  </a:lnRef>
+                  <a:fillRef idx="0">
+                    <a:schemeClr val="accent1"/>
+                  </a:fillRef>
+                  <a:effectRef idx="0">
+                    <a:schemeClr val="accent1"/>
+                  </a:effectRef>
+                  <a:fontRef idx="minor">
+                    <a:schemeClr val="tx1"/>
+                  </a:fontRef>
+                </p:style>
+              </p:cxnSp>
+            </p:grpSp>
+            <p:grpSp>
+              <p:nvGrpSpPr>
+                <p:cNvPr id="114" name="Group 113">
+                  <a:extLst>
+                    <a:ext uri="{FF2B5EF4-FFF2-40B4-BE49-F238E27FC236}">
+                      <a16:creationId xmlns:a16="http://schemas.microsoft.com/office/drawing/2014/main" id="{882E6ADF-5492-4474-955B-E3F436DC8FC4}"/>
+                    </a:ext>
+                  </a:extLst>
+                </p:cNvPr>
+                <p:cNvGrpSpPr/>
+                <p:nvPr/>
+              </p:nvGrpSpPr>
+              <p:grpSpPr>
+                <a:xfrm>
+                  <a:off x="3065831" y="5345507"/>
+                  <a:ext cx="1417216" cy="811561"/>
+                  <a:chOff x="1940768" y="1203649"/>
+                  <a:chExt cx="2547256" cy="1259632"/>
+                </a:xfrm>
+              </p:grpSpPr>
+              <p:sp>
+                <p:nvSpPr>
+                  <p:cNvPr id="115" name="Flowchart: Decision 114">
+                    <a:extLst>
+                      <a:ext uri="{FF2B5EF4-FFF2-40B4-BE49-F238E27FC236}">
+                        <a16:creationId xmlns:a16="http://schemas.microsoft.com/office/drawing/2014/main" id="{BA4D1516-A04A-408F-A189-EDE9B4ED403B}"/>
+                      </a:ext>
+                    </a:extLst>
+                  </p:cNvPr>
+                  <p:cNvSpPr/>
+                  <p:nvPr/>
+                </p:nvSpPr>
+                <p:spPr>
+                  <a:xfrm>
+                    <a:off x="1940768" y="1203649"/>
+                    <a:ext cx="2547256" cy="1259632"/>
+                  </a:xfrm>
+                  <a:prstGeom prst="flowChartDecision">
+                    <a:avLst/>
+                  </a:prstGeom>
+                  <a:noFill/>
+                  <a:ln w="28575">
+                    <a:solidFill>
+                      <a:schemeClr val="tx1"/>
+                    </a:solidFill>
+                  </a:ln>
+                </p:spPr>
+                <p:style>
+                  <a:lnRef idx="2">
+                    <a:schemeClr val="accent1">
+                      <a:shade val="50000"/>
+                    </a:schemeClr>
+                  </a:lnRef>
+                  <a:fillRef idx="1">
+                    <a:schemeClr val="accent1"/>
+                  </a:fillRef>
+                  <a:effectRef idx="0">
+                    <a:schemeClr val="accent1"/>
+                  </a:effectRef>
+                  <a:fontRef idx="minor">
+                    <a:schemeClr val="lt1"/>
+                  </a:fontRef>
+                </p:style>
+                <p:txBody>
+                  <a:bodyPr rtlCol="0" anchor="ctr"/>
+                  <a:lstStyle/>
+                  <a:p>
+                    <a:pPr algn="ctr"/>
+                    <a:endParaRPr lang="en-US"/>
+                  </a:p>
+                </p:txBody>
+              </p:sp>
+              <p:sp>
+                <p:nvSpPr>
+                  <p:cNvPr id="116" name="TextBox 115">
+                    <a:extLst>
+                      <a:ext uri="{FF2B5EF4-FFF2-40B4-BE49-F238E27FC236}">
+                        <a16:creationId xmlns:a16="http://schemas.microsoft.com/office/drawing/2014/main" id="{E69E4B36-2309-46CE-8AAC-79BC0105BD8D}"/>
+                      </a:ext>
+                    </a:extLst>
+                  </p:cNvPr>
+                  <p:cNvSpPr txBox="1"/>
+                  <p:nvPr/>
+                </p:nvSpPr>
+                <p:spPr>
+                  <a:xfrm>
+                    <a:off x="2204711" y="1597128"/>
+                    <a:ext cx="2145485" cy="406048"/>
+                  </a:xfrm>
+                  <a:prstGeom prst="rect">
+                    <a:avLst/>
+                  </a:prstGeom>
+                  <a:noFill/>
+                </p:spPr>
+                <p:txBody>
+                  <a:bodyPr wrap="square" rtlCol="0">
+                    <a:spAutoFit/>
+                  </a:bodyPr>
+                  <a:lstStyle/>
+                  <a:p>
+                    <a:r>
+                      <a:rPr lang="en-US" altLang="zh-CN" sz="1100" dirty="0"/>
+                      <a:t>policy_comment</a:t>
+                    </a:r>
+                    <a:endParaRPr lang="en-US" sz="1100" dirty="0"/>
+                  </a:p>
+                </p:txBody>
+              </p:sp>
+            </p:grpSp>
+            <p:cxnSp>
+              <p:nvCxnSpPr>
+                <p:cNvPr id="110" name="Straight Arrow Connector 109">
+                  <a:extLst>
+                    <a:ext uri="{FF2B5EF4-FFF2-40B4-BE49-F238E27FC236}">
+                      <a16:creationId xmlns:a16="http://schemas.microsoft.com/office/drawing/2014/main" id="{E74D55F2-AAD5-4550-A855-B3A7B52FFF90}"/>
+                    </a:ext>
+                  </a:extLst>
+                </p:cNvPr>
+                <p:cNvCxnSpPr>
+                  <a:cxnSpLocks/>
+                  <a:stCxn id="115" idx="0"/>
+                  <a:endCxn id="14" idx="2"/>
+                </p:cNvCxnSpPr>
+                <p:nvPr/>
+              </p:nvCxnSpPr>
               <p:spPr>
-                <a:xfrm>
-                  <a:off x="1940768" y="1203649"/>
-                  <a:ext cx="2547256" cy="1259632"/>
+                <a:xfrm flipH="1" flipV="1">
+                  <a:off x="3765538" y="4780815"/>
+                  <a:ext cx="8901" cy="564692"/>
                 </a:xfrm>
-                <a:prstGeom prst="flowChartDecision">
+                <a:prstGeom prst="straightConnector1">
                   <a:avLst/>
                 </a:prstGeom>
-                <a:noFill/>
                 <a:ln w="28575">
                   <a:solidFill>
                     <a:schemeClr val="tx1"/>
                   </a:solidFill>
-                </a:ln>
-              </p:spPr>
-              <p:style>
-                <a:lnRef idx="2">
-                  <a:schemeClr val="accent1">
-                    <a:shade val="50000"/>
-                  </a:schemeClr>
-                </a:lnRef>
-                <a:fillRef idx="1">
-                  <a:schemeClr val="accent1"/>
-                </a:fillRef>
-                <a:effectRef idx="0">
-                  <a:schemeClr val="accent1"/>
-                </a:effectRef>
-                <a:fontRef idx="minor">
-                  <a:schemeClr val="lt1"/>
-                </a:fontRef>
-              </p:style>
-              <p:txBody>
-                <a:bodyPr rtlCol="0" anchor="ctr"/>
-                <a:lstStyle/>
-                <a:p>
-                  <a:pPr algn="ctr"/>
-                  <a:endParaRPr lang="en-US"/>
-                </a:p>
-              </p:txBody>
-            </p:sp>
-            <p:sp>
-              <p:nvSpPr>
-                <p:cNvPr id="116" name="TextBox 115">
-                  <a:extLst>
-                    <a:ext uri="{FF2B5EF4-FFF2-40B4-BE49-F238E27FC236}">
-                      <a16:creationId xmlns:a16="http://schemas.microsoft.com/office/drawing/2014/main" id="{E69E4B36-2309-46CE-8AAC-79BC0105BD8D}"/>
-                    </a:ext>
-                  </a:extLst>
-                </p:cNvPr>
-                <p:cNvSpPr txBox="1"/>
-                <p:nvPr/>
-              </p:nvSpPr>
-              <p:spPr>
-                <a:xfrm>
-                  <a:off x="2204711" y="1597128"/>
-                  <a:ext cx="2145485" cy="406048"/>
-                </a:xfrm>
-                <a:prstGeom prst="rect">
-                  <a:avLst/>
-                </a:prstGeom>
-                <a:noFill/>
-              </p:spPr>
-              <p:txBody>
-                <a:bodyPr wrap="square" rtlCol="0">
-                  <a:spAutoFit/>
-                </a:bodyPr>
-                <a:lstStyle/>
-                <a:p>
-                  <a:r>
-                    <a:rPr lang="en-US" altLang="zh-CN" sz="1100" dirty="0"/>
-                    <a:t>policy_comment</a:t>
-                  </a:r>
-                  <a:endParaRPr lang="en-US" sz="1100" dirty="0"/>
-                </a:p>
-              </p:txBody>
-            </p:sp>
-          </p:grpSp>
-          <p:cxnSp>
-            <p:nvCxnSpPr>
-              <p:cNvPr id="110" name="Straight Arrow Connector 109">
-                <a:extLst>
-                  <a:ext uri="{FF2B5EF4-FFF2-40B4-BE49-F238E27FC236}">
-                    <a16:creationId xmlns:a16="http://schemas.microsoft.com/office/drawing/2014/main" id="{E74D55F2-AAD5-4550-A855-B3A7B52FFF90}"/>
-                  </a:ext>
-                </a:extLst>
-              </p:cNvPr>
-              <p:cNvCxnSpPr>
-                <a:cxnSpLocks/>
-                <a:stCxn id="115" idx="0"/>
-                <a:endCxn id="14" idx="2"/>
-              </p:cNvCxnSpPr>
-              <p:nvPr/>
-            </p:nvCxnSpPr>
-            <p:spPr>
-              <a:xfrm flipH="1" flipV="1">
-                <a:off x="3765538" y="4780815"/>
-                <a:ext cx="8901" cy="564692"/>
-              </a:xfrm>
-              <a:prstGeom prst="straightConnector1">
-                <a:avLst/>
-              </a:prstGeom>
-              <a:ln w="28575">
-                <a:solidFill>
-                  <a:schemeClr val="tx1"/>
-                </a:solidFill>
-                <a:tailEnd type="triangle"/>
-              </a:ln>
-            </p:spPr>
-            <p:style>
-              <a:lnRef idx="1">
-                <a:schemeClr val="accent1"/>
-              </a:lnRef>
-              <a:fillRef idx="0">
-                <a:schemeClr val="accent1"/>
-              </a:fillRef>
-              <a:effectRef idx="0">
-                <a:schemeClr val="accent1"/>
-              </a:effectRef>
-              <a:fontRef idx="minor">
-                <a:schemeClr val="tx1"/>
-              </a:fontRef>
-            </p:style>
-          </p:cxnSp>
-          <p:grpSp>
-            <p:nvGrpSpPr>
-              <p:cNvPr id="117" name="Group 116">
-                <a:extLst>
-                  <a:ext uri="{FF2B5EF4-FFF2-40B4-BE49-F238E27FC236}">
-                    <a16:creationId xmlns:a16="http://schemas.microsoft.com/office/drawing/2014/main" id="{A6598FFD-B8E8-498A-91AE-72562AFA590C}"/>
-                  </a:ext>
-                </a:extLst>
-              </p:cNvPr>
-              <p:cNvGrpSpPr/>
-              <p:nvPr/>
-            </p:nvGrpSpPr>
-            <p:grpSpPr>
-              <a:xfrm rot="5400000" flipV="1">
-                <a:off x="3559019" y="6341955"/>
-                <a:ext cx="443504" cy="53610"/>
-                <a:chOff x="4313853" y="3411864"/>
-                <a:chExt cx="1782147" cy="20246"/>
-              </a:xfrm>
-            </p:grpSpPr>
-            <p:cxnSp>
-              <p:nvCxnSpPr>
-                <p:cNvPr id="118" name="Straight Connector 117">
-                  <a:extLst>
-                    <a:ext uri="{FF2B5EF4-FFF2-40B4-BE49-F238E27FC236}">
-                      <a16:creationId xmlns:a16="http://schemas.microsoft.com/office/drawing/2014/main" id="{6B504850-76BD-4EB1-B26B-92BDB7F70C19}"/>
-                    </a:ext>
-                  </a:extLst>
-                </p:cNvPr>
-                <p:cNvCxnSpPr/>
-                <p:nvPr/>
-              </p:nvCxnSpPr>
-              <p:spPr>
-                <a:xfrm>
-                  <a:off x="4313853" y="3432110"/>
-                  <a:ext cx="1782147" cy="0"/>
-                </a:xfrm>
-                <a:prstGeom prst="line">
-                  <a:avLst/>
-                </a:prstGeom>
-                <a:ln w="9525">
-                  <a:solidFill>
-                    <a:schemeClr val="tx1"/>
-                  </a:solidFill>
+                  <a:tailEnd type="triangle"/>
                 </a:ln>
               </p:spPr>
               <p:style>
@@ -10468,49 +10478,163 @@
                 </a:fontRef>
               </p:style>
             </p:cxnSp>
-            <p:cxnSp>
-              <p:nvCxnSpPr>
-                <p:cNvPr id="119" name="Straight Connector 118">
+            <p:grpSp>
+              <p:nvGrpSpPr>
+                <p:cNvPr id="117" name="Group 116">
                   <a:extLst>
                     <a:ext uri="{FF2B5EF4-FFF2-40B4-BE49-F238E27FC236}">
-                      <a16:creationId xmlns:a16="http://schemas.microsoft.com/office/drawing/2014/main" id="{6342ADDF-6CE8-49CC-ABFE-492D6B5A71D5}"/>
+                      <a16:creationId xmlns:a16="http://schemas.microsoft.com/office/drawing/2014/main" id="{A6598FFD-B8E8-498A-91AE-72562AFA590C}"/>
                     </a:ext>
                   </a:extLst>
                 </p:cNvPr>
-                <p:cNvCxnSpPr/>
+                <p:cNvGrpSpPr/>
                 <p:nvPr/>
-              </p:nvCxnSpPr>
-              <p:spPr>
-                <a:xfrm>
-                  <a:off x="4313853" y="3411864"/>
-                  <a:ext cx="1782147" cy="0"/>
+              </p:nvGrpSpPr>
+              <p:grpSpPr>
+                <a:xfrm rot="5400000" flipV="1">
+                  <a:off x="3559019" y="6341955"/>
+                  <a:ext cx="443504" cy="53610"/>
+                  <a:chOff x="4313853" y="3411864"/>
+                  <a:chExt cx="1782147" cy="20246"/>
                 </a:xfrm>
-                <a:prstGeom prst="line">
-                  <a:avLst/>
-                </a:prstGeom>
-                <a:ln w="9525">
-                  <a:solidFill>
+              </p:grpSpPr>
+              <p:cxnSp>
+                <p:nvCxnSpPr>
+                  <p:cNvPr id="118" name="Straight Connector 117">
+                    <a:extLst>
+                      <a:ext uri="{FF2B5EF4-FFF2-40B4-BE49-F238E27FC236}">
+                        <a16:creationId xmlns:a16="http://schemas.microsoft.com/office/drawing/2014/main" id="{6B504850-76BD-4EB1-B26B-92BDB7F70C19}"/>
+                      </a:ext>
+                    </a:extLst>
+                  </p:cNvPr>
+                  <p:cNvCxnSpPr/>
+                  <p:nvPr/>
+                </p:nvCxnSpPr>
+                <p:spPr>
+                  <a:xfrm>
+                    <a:off x="4313853" y="3432110"/>
+                    <a:ext cx="1782147" cy="0"/>
+                  </a:xfrm>
+                  <a:prstGeom prst="line">
+                    <a:avLst/>
+                  </a:prstGeom>
+                  <a:ln w="9525">
+                    <a:solidFill>
+                      <a:schemeClr val="tx1"/>
+                    </a:solidFill>
+                  </a:ln>
+                </p:spPr>
+                <p:style>
+                  <a:lnRef idx="1">
+                    <a:schemeClr val="accent1"/>
+                  </a:lnRef>
+                  <a:fillRef idx="0">
+                    <a:schemeClr val="accent1"/>
+                  </a:fillRef>
+                  <a:effectRef idx="0">
+                    <a:schemeClr val="accent1"/>
+                  </a:effectRef>
+                  <a:fontRef idx="minor">
                     <a:schemeClr val="tx1"/>
-                  </a:solidFill>
-                </a:ln>
-              </p:spPr>
-              <p:style>
-                <a:lnRef idx="1">
-                  <a:schemeClr val="accent1"/>
-                </a:lnRef>
-                <a:fillRef idx="0">
-                  <a:schemeClr val="accent1"/>
-                </a:fillRef>
-                <a:effectRef idx="0">
-                  <a:schemeClr val="accent1"/>
-                </a:effectRef>
-                <a:fontRef idx="minor">
-                  <a:schemeClr val="tx1"/>
-                </a:fontRef>
-              </p:style>
-            </p:cxnSp>
+                  </a:fontRef>
+                </p:style>
+              </p:cxnSp>
+              <p:cxnSp>
+                <p:nvCxnSpPr>
+                  <p:cNvPr id="119" name="Straight Connector 118">
+                    <a:extLst>
+                      <a:ext uri="{FF2B5EF4-FFF2-40B4-BE49-F238E27FC236}">
+                        <a16:creationId xmlns:a16="http://schemas.microsoft.com/office/drawing/2014/main" id="{6342ADDF-6CE8-49CC-ABFE-492D6B5A71D5}"/>
+                      </a:ext>
+                    </a:extLst>
+                  </p:cNvPr>
+                  <p:cNvCxnSpPr/>
+                  <p:nvPr/>
+                </p:nvCxnSpPr>
+                <p:spPr>
+                  <a:xfrm>
+                    <a:off x="4313853" y="3411864"/>
+                    <a:ext cx="1782147" cy="0"/>
+                  </a:xfrm>
+                  <a:prstGeom prst="line">
+                    <a:avLst/>
+                  </a:prstGeom>
+                  <a:ln w="9525">
+                    <a:solidFill>
+                      <a:schemeClr val="tx1"/>
+                    </a:solidFill>
+                  </a:ln>
+                </p:spPr>
+                <p:style>
+                  <a:lnRef idx="1">
+                    <a:schemeClr val="accent1"/>
+                  </a:lnRef>
+                  <a:fillRef idx="0">
+                    <a:schemeClr val="accent1"/>
+                  </a:fillRef>
+                  <a:effectRef idx="0">
+                    <a:schemeClr val="accent1"/>
+                  </a:effectRef>
+                  <a:fontRef idx="minor">
+                    <a:schemeClr val="tx1"/>
+                  </a:fontRef>
+                </p:style>
+              </p:cxnSp>
+            </p:grpSp>
           </p:grpSp>
         </p:grpSp>
+        <p:sp>
+          <p:nvSpPr>
+            <p:cNvPr id="7" name="Flowchart: Decision 6">
+              <a:extLst>
+                <a:ext uri="{FF2B5EF4-FFF2-40B4-BE49-F238E27FC236}">
+                  <a16:creationId xmlns:a16="http://schemas.microsoft.com/office/drawing/2014/main" id="{36537AF0-7E05-4D57-96AC-386033584BA3}"/>
+                </a:ext>
+              </a:extLst>
+            </p:cNvPr>
+            <p:cNvSpPr/>
+            <p:nvPr/>
+          </p:nvSpPr>
+          <p:spPr>
+            <a:xfrm>
+              <a:off x="929523" y="2363751"/>
+              <a:ext cx="1673954" cy="947648"/>
+            </a:xfrm>
+            <a:prstGeom prst="flowChartDecision">
+              <a:avLst/>
+            </a:prstGeom>
+            <a:noFill/>
+            <a:ln w="28575">
+              <a:solidFill>
+                <a:schemeClr val="tx1"/>
+              </a:solidFill>
+            </a:ln>
+          </p:spPr>
+          <p:style>
+            <a:lnRef idx="2">
+              <a:schemeClr val="accent1">
+                <a:shade val="50000"/>
+              </a:schemeClr>
+            </a:lnRef>
+            <a:fillRef idx="1">
+              <a:schemeClr val="accent1"/>
+            </a:fillRef>
+            <a:effectRef idx="0">
+              <a:schemeClr val="accent1"/>
+            </a:effectRef>
+            <a:fontRef idx="minor">
+              <a:schemeClr val="lt1"/>
+            </a:fontRef>
+          </p:style>
+          <p:txBody>
+            <a:bodyPr rtlCol="0" anchor="ctr"/>
+            <a:lstStyle/>
+            <a:p>
+              <a:pPr algn="ctr"/>
+              <a:endParaRPr lang="en-US" dirty="0"/>
+            </a:p>
+          </p:txBody>
+        </p:sp>
       </p:grpSp>
     </p:spTree>
     <p:extLst>
@@ -10544,10 +10668,10 @@
       </p:grpSpPr>
       <p:pic>
         <p:nvPicPr>
-          <p:cNvPr id="6" name="Picture 5">
+          <p:cNvPr id="5" name="Picture 4">
             <a:extLst>
               <a:ext uri="{FF2B5EF4-FFF2-40B4-BE49-F238E27FC236}">
-                <a16:creationId xmlns:a16="http://schemas.microsoft.com/office/drawing/2014/main" id="{185B9CB7-E72C-4159-B01E-4F1B9A1E51C1}"/>
+                <a16:creationId xmlns:a16="http://schemas.microsoft.com/office/drawing/2014/main" id="{63BA0109-D90F-4339-B650-BDB5E891FFBA}"/>
               </a:ext>
             </a:extLst>
           </p:cNvPr>
@@ -10564,8 +10688,8 @@
         </p:blipFill>
         <p:spPr>
           <a:xfrm>
-            <a:off x="1706679" y="0"/>
-            <a:ext cx="8778642" cy="6858000"/>
+            <a:off x="1704165" y="0"/>
+            <a:ext cx="8783670" cy="6858000"/>
           </a:xfrm>
           <a:prstGeom prst="rect">
             <a:avLst/>
